--- a/Презентация Выйти из IT.pptx
+++ b/Презентация Выйти из IT.pptx
@@ -5,18 +5,21 @@
     <p:sldMasterId id="2147483660" r:id="rId1"/>
   </p:sldMasterIdLst>
   <p:notesMasterIdLst>
-    <p:notesMasterId r:id="rId11"/>
+    <p:notesMasterId r:id="rId14"/>
   </p:notesMasterIdLst>
   <p:sldIdLst>
     <p:sldId id="257" r:id="rId2"/>
     <p:sldId id="286" r:id="rId3"/>
     <p:sldId id="287" r:id="rId4"/>
     <p:sldId id="288" r:id="rId5"/>
-    <p:sldId id="289" r:id="rId6"/>
-    <p:sldId id="290" r:id="rId7"/>
-    <p:sldId id="291" r:id="rId8"/>
-    <p:sldId id="292" r:id="rId9"/>
-    <p:sldId id="293" r:id="rId10"/>
+    <p:sldId id="296" r:id="rId6"/>
+    <p:sldId id="294" r:id="rId7"/>
+    <p:sldId id="295" r:id="rId8"/>
+    <p:sldId id="289" r:id="rId9"/>
+    <p:sldId id="290" r:id="rId10"/>
+    <p:sldId id="291" r:id="rId11"/>
+    <p:sldId id="292" r:id="rId12"/>
+    <p:sldId id="293" r:id="rId13"/>
   </p:sldIdLst>
   <p:sldSz cx="24377650" cy="13716000"/>
   <p:notesSz cx="6858000" cy="9144000"/>
@@ -556,6 +559,258 @@
 </p:notes>
 </file>
 
+<file path=ppt/notesSlides/notesSlide10.xml><?xml version="1.0" encoding="utf-8"?>
+<p:notes xmlns:a="http://schemas.openxmlformats.org/drawingml/2006/main" xmlns:r="http://schemas.openxmlformats.org/officeDocument/2006/relationships" xmlns:p="http://schemas.openxmlformats.org/presentationml/2006/main">
+  <p:cSld>
+    <p:spTree>
+      <p:nvGrpSpPr>
+        <p:cNvPr id="1" name=""/>
+        <p:cNvGrpSpPr/>
+        <p:nvPr/>
+      </p:nvGrpSpPr>
+      <p:grpSpPr>
+        <a:xfrm>
+          <a:off x="0" y="0"/>
+          <a:ext cx="0" cy="0"/>
+          <a:chOff x="0" y="0"/>
+          <a:chExt cx="0" cy="0"/>
+        </a:xfrm>
+      </p:grpSpPr>
+      <p:sp>
+        <p:nvSpPr>
+          <p:cNvPr id="2" name="Slide Image Placeholder 1"/>
+          <p:cNvSpPr>
+            <a:spLocks noGrp="1" noRot="1" noChangeAspect="1"/>
+          </p:cNvSpPr>
+          <p:nvPr>
+            <p:ph type="sldImg"/>
+          </p:nvPr>
+        </p:nvSpPr>
+        <p:spPr/>
+      </p:sp>
+      <p:sp>
+        <p:nvSpPr>
+          <p:cNvPr id="3" name="Notes Placeholder 2"/>
+          <p:cNvSpPr>
+            <a:spLocks noGrp="1"/>
+          </p:cNvSpPr>
+          <p:nvPr>
+            <p:ph type="body" idx="1"/>
+          </p:nvPr>
+        </p:nvSpPr>
+        <p:spPr/>
+        <p:txBody>
+          <a:bodyPr/>
+          <a:lstStyle/>
+          <a:p>
+            <a:endParaRPr lang="en-US" dirty="0"/>
+          </a:p>
+        </p:txBody>
+      </p:sp>
+      <p:sp>
+        <p:nvSpPr>
+          <p:cNvPr id="4" name="Slide Number Placeholder 3"/>
+          <p:cNvSpPr>
+            <a:spLocks noGrp="1"/>
+          </p:cNvSpPr>
+          <p:nvPr>
+            <p:ph type="sldNum" sz="quarter" idx="10"/>
+          </p:nvPr>
+        </p:nvSpPr>
+        <p:spPr/>
+        <p:txBody>
+          <a:bodyPr/>
+          <a:lstStyle/>
+          <a:p>
+            <a:fld id="{B22B48FC-AB47-4F5D-9725-BF22E783BCCD}" type="slidenum">
+              <a:rPr lang="en-GB" smtClean="0"/>
+              <a:t>10</a:t>
+            </a:fld>
+            <a:endParaRPr lang="en-GB" dirty="0"/>
+          </a:p>
+        </p:txBody>
+      </p:sp>
+    </p:spTree>
+    <p:extLst>
+      <p:ext uri="{BB962C8B-B14F-4D97-AF65-F5344CB8AC3E}">
+        <p14:creationId xmlns:p14="http://schemas.microsoft.com/office/powerpoint/2010/main" val="3343514445"/>
+      </p:ext>
+    </p:extLst>
+  </p:cSld>
+  <p:clrMapOvr>
+    <a:masterClrMapping/>
+  </p:clrMapOvr>
+</p:notes>
+</file>
+
+<file path=ppt/notesSlides/notesSlide11.xml><?xml version="1.0" encoding="utf-8"?>
+<p:notes xmlns:a="http://schemas.openxmlformats.org/drawingml/2006/main" xmlns:r="http://schemas.openxmlformats.org/officeDocument/2006/relationships" xmlns:p="http://schemas.openxmlformats.org/presentationml/2006/main">
+  <p:cSld>
+    <p:spTree>
+      <p:nvGrpSpPr>
+        <p:cNvPr id="1" name=""/>
+        <p:cNvGrpSpPr/>
+        <p:nvPr/>
+      </p:nvGrpSpPr>
+      <p:grpSpPr>
+        <a:xfrm>
+          <a:off x="0" y="0"/>
+          <a:ext cx="0" cy="0"/>
+          <a:chOff x="0" y="0"/>
+          <a:chExt cx="0" cy="0"/>
+        </a:xfrm>
+      </p:grpSpPr>
+      <p:sp>
+        <p:nvSpPr>
+          <p:cNvPr id="2" name="Slide Image Placeholder 1"/>
+          <p:cNvSpPr>
+            <a:spLocks noGrp="1" noRot="1" noChangeAspect="1"/>
+          </p:cNvSpPr>
+          <p:nvPr>
+            <p:ph type="sldImg"/>
+          </p:nvPr>
+        </p:nvSpPr>
+        <p:spPr/>
+      </p:sp>
+      <p:sp>
+        <p:nvSpPr>
+          <p:cNvPr id="3" name="Notes Placeholder 2"/>
+          <p:cNvSpPr>
+            <a:spLocks noGrp="1"/>
+          </p:cNvSpPr>
+          <p:nvPr>
+            <p:ph type="body" idx="1"/>
+          </p:nvPr>
+        </p:nvSpPr>
+        <p:spPr/>
+        <p:txBody>
+          <a:bodyPr/>
+          <a:lstStyle/>
+          <a:p>
+            <a:endParaRPr lang="en-US" dirty="0"/>
+          </a:p>
+        </p:txBody>
+      </p:sp>
+      <p:sp>
+        <p:nvSpPr>
+          <p:cNvPr id="4" name="Slide Number Placeholder 3"/>
+          <p:cNvSpPr>
+            <a:spLocks noGrp="1"/>
+          </p:cNvSpPr>
+          <p:nvPr>
+            <p:ph type="sldNum" sz="quarter" idx="10"/>
+          </p:nvPr>
+        </p:nvSpPr>
+        <p:spPr/>
+        <p:txBody>
+          <a:bodyPr/>
+          <a:lstStyle/>
+          <a:p>
+            <a:fld id="{B22B48FC-AB47-4F5D-9725-BF22E783BCCD}" type="slidenum">
+              <a:rPr lang="en-GB" smtClean="0"/>
+              <a:t>11</a:t>
+            </a:fld>
+            <a:endParaRPr lang="en-GB" dirty="0"/>
+          </a:p>
+        </p:txBody>
+      </p:sp>
+    </p:spTree>
+    <p:extLst>
+      <p:ext uri="{BB962C8B-B14F-4D97-AF65-F5344CB8AC3E}">
+        <p14:creationId xmlns:p14="http://schemas.microsoft.com/office/powerpoint/2010/main" val="3849286610"/>
+      </p:ext>
+    </p:extLst>
+  </p:cSld>
+  <p:clrMapOvr>
+    <a:masterClrMapping/>
+  </p:clrMapOvr>
+</p:notes>
+</file>
+
+<file path=ppt/notesSlides/notesSlide12.xml><?xml version="1.0" encoding="utf-8"?>
+<p:notes xmlns:a="http://schemas.openxmlformats.org/drawingml/2006/main" xmlns:r="http://schemas.openxmlformats.org/officeDocument/2006/relationships" xmlns:p="http://schemas.openxmlformats.org/presentationml/2006/main">
+  <p:cSld>
+    <p:spTree>
+      <p:nvGrpSpPr>
+        <p:cNvPr id="1" name=""/>
+        <p:cNvGrpSpPr/>
+        <p:nvPr/>
+      </p:nvGrpSpPr>
+      <p:grpSpPr>
+        <a:xfrm>
+          <a:off x="0" y="0"/>
+          <a:ext cx="0" cy="0"/>
+          <a:chOff x="0" y="0"/>
+          <a:chExt cx="0" cy="0"/>
+        </a:xfrm>
+      </p:grpSpPr>
+      <p:sp>
+        <p:nvSpPr>
+          <p:cNvPr id="2" name="Slide Image Placeholder 1"/>
+          <p:cNvSpPr>
+            <a:spLocks noGrp="1" noRot="1" noChangeAspect="1"/>
+          </p:cNvSpPr>
+          <p:nvPr>
+            <p:ph type="sldImg"/>
+          </p:nvPr>
+        </p:nvSpPr>
+        <p:spPr/>
+      </p:sp>
+      <p:sp>
+        <p:nvSpPr>
+          <p:cNvPr id="3" name="Notes Placeholder 2"/>
+          <p:cNvSpPr>
+            <a:spLocks noGrp="1"/>
+          </p:cNvSpPr>
+          <p:nvPr>
+            <p:ph type="body" idx="1"/>
+          </p:nvPr>
+        </p:nvSpPr>
+        <p:spPr/>
+        <p:txBody>
+          <a:bodyPr/>
+          <a:lstStyle/>
+          <a:p>
+            <a:endParaRPr lang="en-US" dirty="0"/>
+          </a:p>
+        </p:txBody>
+      </p:sp>
+      <p:sp>
+        <p:nvSpPr>
+          <p:cNvPr id="4" name="Slide Number Placeholder 3"/>
+          <p:cNvSpPr>
+            <a:spLocks noGrp="1"/>
+          </p:cNvSpPr>
+          <p:nvPr>
+            <p:ph type="sldNum" sz="quarter" idx="10"/>
+          </p:nvPr>
+        </p:nvSpPr>
+        <p:spPr/>
+        <p:txBody>
+          <a:bodyPr/>
+          <a:lstStyle/>
+          <a:p>
+            <a:fld id="{B22B48FC-AB47-4F5D-9725-BF22E783BCCD}" type="slidenum">
+              <a:rPr lang="en-GB" smtClean="0"/>
+              <a:t>12</a:t>
+            </a:fld>
+            <a:endParaRPr lang="en-GB" dirty="0"/>
+          </a:p>
+        </p:txBody>
+      </p:sp>
+    </p:spTree>
+    <p:extLst>
+      <p:ext uri="{BB962C8B-B14F-4D97-AF65-F5344CB8AC3E}">
+        <p14:creationId xmlns:p14="http://schemas.microsoft.com/office/powerpoint/2010/main" val="4205095425"/>
+      </p:ext>
+    </p:extLst>
+  </p:cSld>
+  <p:clrMapOvr>
+    <a:masterClrMapping/>
+  </p:clrMapOvr>
+</p:notes>
+</file>
+
 <file path=ppt/notesSlides/notesSlide2.xml><?xml version="1.0" encoding="utf-8"?>
 <p:notes xmlns:a="http://schemas.openxmlformats.org/drawingml/2006/main" xmlns:r="http://schemas.openxmlformats.org/officeDocument/2006/relationships" xmlns:p="http://schemas.openxmlformats.org/presentationml/2006/main">
   <p:cSld>
@@ -882,7 +1137,7 @@
     </p:spTree>
     <p:extLst>
       <p:ext uri="{BB962C8B-B14F-4D97-AF65-F5344CB8AC3E}">
-        <p14:creationId xmlns:p14="http://schemas.microsoft.com/office/powerpoint/2010/main" val="1334067324"/>
+        <p14:creationId xmlns:p14="http://schemas.microsoft.com/office/powerpoint/2010/main" val="2795427476"/>
       </p:ext>
     </p:extLst>
   </p:cSld>
@@ -966,7 +1221,7 @@
     </p:spTree>
     <p:extLst>
       <p:ext uri="{BB962C8B-B14F-4D97-AF65-F5344CB8AC3E}">
-        <p14:creationId xmlns:p14="http://schemas.microsoft.com/office/powerpoint/2010/main" val="1757228724"/>
+        <p14:creationId xmlns:p14="http://schemas.microsoft.com/office/powerpoint/2010/main" val="3378612472"/>
       </p:ext>
     </p:extLst>
   </p:cSld>
@@ -1050,7 +1305,7 @@
     </p:spTree>
     <p:extLst>
       <p:ext uri="{BB962C8B-B14F-4D97-AF65-F5344CB8AC3E}">
-        <p14:creationId xmlns:p14="http://schemas.microsoft.com/office/powerpoint/2010/main" val="3343514445"/>
+        <p14:creationId xmlns:p14="http://schemas.microsoft.com/office/powerpoint/2010/main" val="1869968880"/>
       </p:ext>
     </p:extLst>
   </p:cSld>
@@ -1134,7 +1389,7 @@
     </p:spTree>
     <p:extLst>
       <p:ext uri="{BB962C8B-B14F-4D97-AF65-F5344CB8AC3E}">
-        <p14:creationId xmlns:p14="http://schemas.microsoft.com/office/powerpoint/2010/main" val="3849286610"/>
+        <p14:creationId xmlns:p14="http://schemas.microsoft.com/office/powerpoint/2010/main" val="1334067324"/>
       </p:ext>
     </p:extLst>
   </p:cSld>
@@ -1218,7 +1473,7 @@
     </p:spTree>
     <p:extLst>
       <p:ext uri="{BB962C8B-B14F-4D97-AF65-F5344CB8AC3E}">
-        <p14:creationId xmlns:p14="http://schemas.microsoft.com/office/powerpoint/2010/main" val="4205095425"/>
+        <p14:creationId xmlns:p14="http://schemas.microsoft.com/office/powerpoint/2010/main" val="1757228724"/>
       </p:ext>
     </p:extLst>
   </p:cSld>
@@ -4491,7 +4746,7 @@
         </p:nvSpPr>
         <p:spPr>
           <a:xfrm>
-            <a:off x="20105058" y="4263527"/>
+            <a:off x="20098792" y="4263527"/>
             <a:ext cx="4272592" cy="1107996"/>
           </a:xfrm>
           <a:prstGeom prst="rect">
@@ -4548,10 +4803,355 @@
           </a:p>
         </p:txBody>
       </p:sp>
+      <p:pic>
+        <p:nvPicPr>
+          <p:cNvPr id="6" name="Рисунок 5">
+            <a:extLst>
+              <a:ext uri="{FF2B5EF4-FFF2-40B4-BE49-F238E27FC236}">
+                <a16:creationId xmlns:a16="http://schemas.microsoft.com/office/drawing/2014/main" id="{731A3A21-90D3-4350-8C47-D8A095A10428}"/>
+              </a:ext>
+            </a:extLst>
+          </p:cNvPr>
+          <p:cNvPicPr>
+            <a:picLocks noChangeAspect="1"/>
+          </p:cNvPicPr>
+          <p:nvPr/>
+        </p:nvPicPr>
+        <p:blipFill>
+          <a:blip r:embed="rId4">
+            <a:extLst>
+              <a:ext uri="{28A0092B-C50C-407E-A947-70E740481C1C}">
+                <a14:useLocalDpi xmlns:a14="http://schemas.microsoft.com/office/drawing/2010/main" val="0"/>
+              </a:ext>
+            </a:extLst>
+          </a:blip>
+          <a:stretch>
+            <a:fillRect/>
+          </a:stretch>
+        </p:blipFill>
+        <p:spPr>
+          <a:xfrm>
+            <a:off x="9750084" y="1195689"/>
+            <a:ext cx="4877481" cy="4877481"/>
+          </a:xfrm>
+          <a:prstGeom prst="rect">
+            <a:avLst/>
+          </a:prstGeom>
+        </p:spPr>
+      </p:pic>
     </p:spTree>
     <p:extLst>
       <p:ext uri="{BB962C8B-B14F-4D97-AF65-F5344CB8AC3E}">
         <p14:creationId xmlns:p14="http://schemas.microsoft.com/office/powerpoint/2010/main" val="1772794532"/>
+      </p:ext>
+    </p:extLst>
+  </p:cSld>
+  <p:clrMapOvr>
+    <a:masterClrMapping/>
+  </p:clrMapOvr>
+</p:sld>
+</file>
+
+<file path=ppt/slides/slide10.xml><?xml version="1.0" encoding="utf-8"?>
+<p:sld xmlns:a="http://schemas.openxmlformats.org/drawingml/2006/main" xmlns:r="http://schemas.openxmlformats.org/officeDocument/2006/relationships" xmlns:p="http://schemas.openxmlformats.org/presentationml/2006/main">
+  <p:cSld>
+    <p:spTree>
+      <p:nvGrpSpPr>
+        <p:cNvPr id="1" name=""/>
+        <p:cNvGrpSpPr/>
+        <p:nvPr/>
+      </p:nvGrpSpPr>
+      <p:grpSpPr>
+        <a:xfrm>
+          <a:off x="0" y="0"/>
+          <a:ext cx="0" cy="0"/>
+          <a:chOff x="0" y="0"/>
+          <a:chExt cx="0" cy="0"/>
+        </a:xfrm>
+      </p:grpSpPr>
+      <p:sp>
+        <p:nvSpPr>
+          <p:cNvPr id="2" name="Slide Number Placeholder 1"/>
+          <p:cNvSpPr>
+            <a:spLocks noGrp="1"/>
+          </p:cNvSpPr>
+          <p:nvPr>
+            <p:ph type="sldNum" sz="quarter" idx="12"/>
+          </p:nvPr>
+        </p:nvSpPr>
+        <p:spPr/>
+        <p:txBody>
+          <a:bodyPr/>
+          <a:lstStyle/>
+          <a:p>
+            <a:fld id="{3CBF67D7-8C75-433C-B949-F5BA01069781}" type="slidenum">
+              <a:rPr lang="en-US" smtClean="0"/>
+              <a:t>10</a:t>
+            </a:fld>
+            <a:endParaRPr lang="en-US"/>
+          </a:p>
+        </p:txBody>
+      </p:sp>
+      <p:sp>
+        <p:nvSpPr>
+          <p:cNvPr id="11" name="TextBox 10">
+            <a:extLst>
+              <a:ext uri="{FF2B5EF4-FFF2-40B4-BE49-F238E27FC236}">
+                <a16:creationId xmlns:a16="http://schemas.microsoft.com/office/drawing/2014/main" id="{056E3259-8AA5-42B8-BCCB-9AEAC2DD94E7}"/>
+              </a:ext>
+            </a:extLst>
+          </p:cNvPr>
+          <p:cNvSpPr txBox="1"/>
+          <p:nvPr/>
+        </p:nvSpPr>
+        <p:spPr>
+          <a:xfrm>
+            <a:off x="1704302" y="692814"/>
+            <a:ext cx="10428322" cy="1200310"/>
+          </a:xfrm>
+          <a:prstGeom prst="rect">
+            <a:avLst/>
+          </a:prstGeom>
+          <a:noFill/>
+        </p:spPr>
+        <p:txBody>
+          <a:bodyPr wrap="square" lIns="91422" tIns="45711" rIns="91422" bIns="45711" rtlCol="0">
+            <a:spAutoFit/>
+          </a:bodyPr>
+          <a:lstStyle/>
+          <a:p>
+            <a:r>
+              <a:rPr lang="ru-RU" sz="7200" b="1" dirty="0">
+                <a:solidFill>
+                  <a:schemeClr val="tx2"/>
+                </a:solidFill>
+                <a:latin typeface="+mj-lt"/>
+                <a:ea typeface="Open Sans Extrabold" panose="020B0906030804020204" pitchFamily="34" charset="0"/>
+                <a:cs typeface="Open Sans Extrabold" panose="020B0906030804020204" pitchFamily="34" charset="0"/>
+              </a:rPr>
+              <a:t>БИЗНЕС-МОДЕЛЬ</a:t>
+            </a:r>
+            <a:endParaRPr lang="id-ID" sz="7200" dirty="0">
+              <a:solidFill>
+                <a:schemeClr val="tx2"/>
+              </a:solidFill>
+              <a:latin typeface="+mj-lt"/>
+              <a:ea typeface="Open Sans Extrabold" panose="020B0906030804020204" pitchFamily="34" charset="0"/>
+              <a:cs typeface="Open Sans Extrabold" panose="020B0906030804020204" pitchFamily="34" charset="0"/>
+            </a:endParaRPr>
+          </a:p>
+        </p:txBody>
+      </p:sp>
+    </p:spTree>
+    <p:extLst>
+      <p:ext uri="{BB962C8B-B14F-4D97-AF65-F5344CB8AC3E}">
+        <p14:creationId xmlns:p14="http://schemas.microsoft.com/office/powerpoint/2010/main" val="4212573973"/>
+      </p:ext>
+    </p:extLst>
+  </p:cSld>
+  <p:clrMapOvr>
+    <a:masterClrMapping/>
+  </p:clrMapOvr>
+</p:sld>
+</file>
+
+<file path=ppt/slides/slide11.xml><?xml version="1.0" encoding="utf-8"?>
+<p:sld xmlns:a="http://schemas.openxmlformats.org/drawingml/2006/main" xmlns:r="http://schemas.openxmlformats.org/officeDocument/2006/relationships" xmlns:p="http://schemas.openxmlformats.org/presentationml/2006/main">
+  <p:cSld>
+    <p:spTree>
+      <p:nvGrpSpPr>
+        <p:cNvPr id="1" name=""/>
+        <p:cNvGrpSpPr/>
+        <p:nvPr/>
+      </p:nvGrpSpPr>
+      <p:grpSpPr>
+        <a:xfrm>
+          <a:off x="0" y="0"/>
+          <a:ext cx="0" cy="0"/>
+          <a:chOff x="0" y="0"/>
+          <a:chExt cx="0" cy="0"/>
+        </a:xfrm>
+      </p:grpSpPr>
+      <p:sp>
+        <p:nvSpPr>
+          <p:cNvPr id="2" name="Slide Number Placeholder 1"/>
+          <p:cNvSpPr>
+            <a:spLocks noGrp="1"/>
+          </p:cNvSpPr>
+          <p:nvPr>
+            <p:ph type="sldNum" sz="quarter" idx="12"/>
+          </p:nvPr>
+        </p:nvSpPr>
+        <p:spPr/>
+        <p:txBody>
+          <a:bodyPr/>
+          <a:lstStyle/>
+          <a:p>
+            <a:fld id="{3CBF67D7-8C75-433C-B949-F5BA01069781}" type="slidenum">
+              <a:rPr lang="en-US" smtClean="0"/>
+              <a:t>11</a:t>
+            </a:fld>
+            <a:endParaRPr lang="en-US"/>
+          </a:p>
+        </p:txBody>
+      </p:sp>
+      <p:sp>
+        <p:nvSpPr>
+          <p:cNvPr id="11" name="TextBox 10">
+            <a:extLst>
+              <a:ext uri="{FF2B5EF4-FFF2-40B4-BE49-F238E27FC236}">
+                <a16:creationId xmlns:a16="http://schemas.microsoft.com/office/drawing/2014/main" id="{056E3259-8AA5-42B8-BCCB-9AEAC2DD94E7}"/>
+              </a:ext>
+            </a:extLst>
+          </p:cNvPr>
+          <p:cNvSpPr txBox="1"/>
+          <p:nvPr/>
+        </p:nvSpPr>
+        <p:spPr>
+          <a:xfrm>
+            <a:off x="1704301" y="692814"/>
+            <a:ext cx="12858365" cy="1200310"/>
+          </a:xfrm>
+          <a:prstGeom prst="rect">
+            <a:avLst/>
+          </a:prstGeom>
+          <a:noFill/>
+        </p:spPr>
+        <p:txBody>
+          <a:bodyPr wrap="square" lIns="91422" tIns="45711" rIns="91422" bIns="45711" rtlCol="0">
+            <a:spAutoFit/>
+          </a:bodyPr>
+          <a:lstStyle/>
+          <a:p>
+            <a:r>
+              <a:rPr lang="ru-RU" sz="7200" b="1" dirty="0">
+                <a:solidFill>
+                  <a:schemeClr val="tx2"/>
+                </a:solidFill>
+                <a:latin typeface="+mj-lt"/>
+                <a:ea typeface="Open Sans Extrabold" panose="020B0906030804020204" pitchFamily="34" charset="0"/>
+                <a:cs typeface="Open Sans Extrabold" panose="020B0906030804020204" pitchFamily="34" charset="0"/>
+              </a:rPr>
+              <a:t>СОЦИАЛЬНАЯ ЗНАЧИМОСТЬ</a:t>
+            </a:r>
+            <a:endParaRPr lang="id-ID" sz="7200" dirty="0">
+              <a:solidFill>
+                <a:schemeClr val="tx2"/>
+              </a:solidFill>
+              <a:latin typeface="+mj-lt"/>
+              <a:ea typeface="Open Sans Extrabold" panose="020B0906030804020204" pitchFamily="34" charset="0"/>
+              <a:cs typeface="Open Sans Extrabold" panose="020B0906030804020204" pitchFamily="34" charset="0"/>
+            </a:endParaRPr>
+          </a:p>
+        </p:txBody>
+      </p:sp>
+    </p:spTree>
+    <p:extLst>
+      <p:ext uri="{BB962C8B-B14F-4D97-AF65-F5344CB8AC3E}">
+        <p14:creationId xmlns:p14="http://schemas.microsoft.com/office/powerpoint/2010/main" val="3645427781"/>
+      </p:ext>
+    </p:extLst>
+  </p:cSld>
+  <p:clrMapOvr>
+    <a:masterClrMapping/>
+  </p:clrMapOvr>
+</p:sld>
+</file>
+
+<file path=ppt/slides/slide12.xml><?xml version="1.0" encoding="utf-8"?>
+<p:sld xmlns:a="http://schemas.openxmlformats.org/drawingml/2006/main" xmlns:r="http://schemas.openxmlformats.org/officeDocument/2006/relationships" xmlns:p="http://schemas.openxmlformats.org/presentationml/2006/main">
+  <p:cSld>
+    <p:spTree>
+      <p:nvGrpSpPr>
+        <p:cNvPr id="1" name=""/>
+        <p:cNvGrpSpPr/>
+        <p:nvPr/>
+      </p:nvGrpSpPr>
+      <p:grpSpPr>
+        <a:xfrm>
+          <a:off x="0" y="0"/>
+          <a:ext cx="0" cy="0"/>
+          <a:chOff x="0" y="0"/>
+          <a:chExt cx="0" cy="0"/>
+        </a:xfrm>
+      </p:grpSpPr>
+      <p:sp>
+        <p:nvSpPr>
+          <p:cNvPr id="2" name="Slide Number Placeholder 1"/>
+          <p:cNvSpPr>
+            <a:spLocks noGrp="1"/>
+          </p:cNvSpPr>
+          <p:nvPr>
+            <p:ph type="sldNum" sz="quarter" idx="12"/>
+          </p:nvPr>
+        </p:nvSpPr>
+        <p:spPr/>
+        <p:txBody>
+          <a:bodyPr/>
+          <a:lstStyle/>
+          <a:p>
+            <a:fld id="{3CBF67D7-8C75-433C-B949-F5BA01069781}" type="slidenum">
+              <a:rPr lang="en-US" smtClean="0"/>
+              <a:t>12</a:t>
+            </a:fld>
+            <a:endParaRPr lang="en-US"/>
+          </a:p>
+        </p:txBody>
+      </p:sp>
+      <p:sp>
+        <p:nvSpPr>
+          <p:cNvPr id="11" name="TextBox 10">
+            <a:extLst>
+              <a:ext uri="{FF2B5EF4-FFF2-40B4-BE49-F238E27FC236}">
+                <a16:creationId xmlns:a16="http://schemas.microsoft.com/office/drawing/2014/main" id="{056E3259-8AA5-42B8-BCCB-9AEAC2DD94E7}"/>
+              </a:ext>
+            </a:extLst>
+          </p:cNvPr>
+          <p:cNvSpPr txBox="1"/>
+          <p:nvPr/>
+        </p:nvSpPr>
+        <p:spPr>
+          <a:xfrm>
+            <a:off x="1704302" y="692814"/>
+            <a:ext cx="10428322" cy="1200310"/>
+          </a:xfrm>
+          <a:prstGeom prst="rect">
+            <a:avLst/>
+          </a:prstGeom>
+          <a:noFill/>
+        </p:spPr>
+        <p:txBody>
+          <a:bodyPr wrap="square" lIns="91422" tIns="45711" rIns="91422" bIns="45711" rtlCol="0">
+            <a:spAutoFit/>
+          </a:bodyPr>
+          <a:lstStyle/>
+          <a:p>
+            <a:r>
+              <a:rPr lang="ru-RU" sz="7200" b="1" dirty="0">
+                <a:solidFill>
+                  <a:schemeClr val="tx2"/>
+                </a:solidFill>
+                <a:latin typeface="+mj-lt"/>
+                <a:ea typeface="Open Sans Extrabold" panose="020B0906030804020204" pitchFamily="34" charset="0"/>
+                <a:cs typeface="Open Sans Extrabold" panose="020B0906030804020204" pitchFamily="34" charset="0"/>
+              </a:rPr>
+              <a:t>СЛАБЫЕ МЕСТА</a:t>
+            </a:r>
+            <a:endParaRPr lang="id-ID" sz="7200" dirty="0">
+              <a:solidFill>
+                <a:schemeClr val="tx2"/>
+              </a:solidFill>
+              <a:latin typeface="+mj-lt"/>
+              <a:ea typeface="Open Sans Extrabold" panose="020B0906030804020204" pitchFamily="34" charset="0"/>
+              <a:cs typeface="Open Sans Extrabold" panose="020B0906030804020204" pitchFamily="34" charset="0"/>
+            </a:endParaRPr>
+          </a:p>
+        </p:txBody>
+      </p:sp>
+    </p:spTree>
+    <p:extLst>
+      <p:ext uri="{BB962C8B-B14F-4D97-AF65-F5344CB8AC3E}">
+        <p14:creationId xmlns:p14="http://schemas.microsoft.com/office/powerpoint/2010/main" val="2093918399"/>
       </p:ext>
     </p:extLst>
   </p:cSld>
@@ -4807,56 +5407,331 @@
           </a:p>
         </p:txBody>
       </p:sp>
-      <p:sp>
-        <p:nvSpPr>
-          <p:cNvPr id="11" name="TextBox 10">
+      <p:pic>
+        <p:nvPicPr>
+          <p:cNvPr id="4" name="Рисунок 3">
             <a:extLst>
               <a:ext uri="{FF2B5EF4-FFF2-40B4-BE49-F238E27FC236}">
-                <a16:creationId xmlns:a16="http://schemas.microsoft.com/office/drawing/2014/main" id="{056E3259-8AA5-42B8-BCCB-9AEAC2DD94E7}"/>
+                <a16:creationId xmlns:a16="http://schemas.microsoft.com/office/drawing/2014/main" id="{7D056677-EB2C-47CC-A089-6D10593ED459}"/>
               </a:ext>
             </a:extLst>
           </p:cNvPr>
-          <p:cNvSpPr txBox="1"/>
+          <p:cNvPicPr>
+            <a:picLocks noChangeAspect="1"/>
+          </p:cNvPicPr>
           <p:nvPr/>
-        </p:nvSpPr>
+        </p:nvPicPr>
+        <p:blipFill rotWithShape="1">
+          <a:blip r:embed="rId3">
+            <a:extLst>
+              <a:ext uri="{28A0092B-C50C-407E-A947-70E740481C1C}">
+                <a14:useLocalDpi xmlns:a14="http://schemas.microsoft.com/office/drawing/2010/main" val="0"/>
+              </a:ext>
+            </a:extLst>
+          </a:blip>
+          <a:srcRect l="2303" t="22788" r="28981" b="8139"/>
+          <a:stretch/>
+        </p:blipFill>
         <p:spPr>
           <a:xfrm>
-            <a:off x="1704301" y="692814"/>
-            <a:ext cx="11368231" cy="1200310"/>
+            <a:off x="4648214" y="2478481"/>
+            <a:ext cx="15081221" cy="10738305"/>
           </a:xfrm>
           <a:prstGeom prst="rect">
             <a:avLst/>
           </a:prstGeom>
-          <a:noFill/>
-        </p:spPr>
-        <p:txBody>
-          <a:bodyPr wrap="square" lIns="91422" tIns="45711" rIns="91422" bIns="45711" rtlCol="0">
-            <a:spAutoFit/>
-          </a:bodyPr>
-          <a:lstStyle/>
-          <a:p>
-            <a:r>
-              <a:rPr lang="ru-RU" sz="7200" b="1" dirty="0">
+        </p:spPr>
+      </p:pic>
+      <p:grpSp>
+        <p:nvGrpSpPr>
+          <p:cNvPr id="6" name="Group 19">
+            <a:extLst>
+              <a:ext uri="{FF2B5EF4-FFF2-40B4-BE49-F238E27FC236}">
+                <a16:creationId xmlns:a16="http://schemas.microsoft.com/office/drawing/2014/main" id="{BA0997E1-7C69-4373-9050-CFA5F99735DF}"/>
+              </a:ext>
+            </a:extLst>
+          </p:cNvPr>
+          <p:cNvGrpSpPr/>
+          <p:nvPr/>
+        </p:nvGrpSpPr>
+        <p:grpSpPr>
+          <a:xfrm>
+            <a:off x="1621064" y="601374"/>
+            <a:ext cx="11948632" cy="2308306"/>
+            <a:chOff x="9407582" y="560721"/>
+            <a:chExt cx="12458354" cy="2308306"/>
+          </a:xfrm>
+        </p:grpSpPr>
+        <p:sp>
+          <p:nvSpPr>
+            <p:cNvPr id="7" name="TextBox 6">
+              <a:extLst>
+                <a:ext uri="{FF2B5EF4-FFF2-40B4-BE49-F238E27FC236}">
+                  <a16:creationId xmlns:a16="http://schemas.microsoft.com/office/drawing/2014/main" id="{B168E8DE-BD25-4D6B-82A3-4F2481D24016}"/>
+                </a:ext>
+              </a:extLst>
+            </p:cNvPr>
+            <p:cNvSpPr txBox="1"/>
+            <p:nvPr/>
+          </p:nvSpPr>
+          <p:spPr>
+            <a:xfrm>
+              <a:off x="9506236" y="560721"/>
+              <a:ext cx="12359700" cy="2308306"/>
+            </a:xfrm>
+            <a:prstGeom prst="rect">
+              <a:avLst/>
+            </a:prstGeom>
+            <a:noFill/>
+          </p:spPr>
+          <p:txBody>
+            <a:bodyPr wrap="square" lIns="91422" tIns="45711" rIns="91422" bIns="45711" rtlCol="0">
+              <a:spAutoFit/>
+            </a:bodyPr>
+            <a:lstStyle/>
+            <a:p>
+              <a:r>
+                <a:rPr lang="ru-RU" sz="7200" b="1" dirty="0">
+                  <a:solidFill>
+                    <a:schemeClr val="tx2"/>
+                  </a:solidFill>
+                  <a:latin typeface="+mj-lt"/>
+                  <a:ea typeface="Open Sans Extrabold" panose="020B0906030804020204" pitchFamily="34" charset="0"/>
+                  <a:cs typeface="Open Sans Extrabold" panose="020B0906030804020204" pitchFamily="34" charset="0"/>
+                </a:rPr>
+                <a:t>ТЕХНИЧЕСКОЕ РЕШЕНИЕ</a:t>
+              </a:r>
+              <a:endParaRPr lang="id-ID" sz="7200" dirty="0">
                 <a:solidFill>
                   <a:schemeClr val="tx2"/>
                 </a:solidFill>
                 <a:latin typeface="+mj-lt"/>
                 <a:ea typeface="Open Sans Extrabold" panose="020B0906030804020204" pitchFamily="34" charset="0"/>
                 <a:cs typeface="Open Sans Extrabold" panose="020B0906030804020204" pitchFamily="34" charset="0"/>
-              </a:rPr>
-              <a:t>ТЕХНИЧЕСКОЕ РЕШЕНИЕ</a:t>
-            </a:r>
-            <a:endParaRPr lang="id-ID" sz="7200" dirty="0">
-              <a:solidFill>
-                <a:schemeClr val="tx2"/>
-              </a:solidFill>
-              <a:latin typeface="+mj-lt"/>
-              <a:ea typeface="Open Sans Extrabold" panose="020B0906030804020204" pitchFamily="34" charset="0"/>
-              <a:cs typeface="Open Sans Extrabold" panose="020B0906030804020204" pitchFamily="34" charset="0"/>
-            </a:endParaRPr>
-          </a:p>
-        </p:txBody>
-      </p:sp>
+              </a:endParaRPr>
+            </a:p>
+          </p:txBody>
+        </p:sp>
+        <p:sp>
+          <p:nvSpPr>
+            <p:cNvPr id="8" name="Subtitle 2">
+              <a:extLst>
+                <a:ext uri="{FF2B5EF4-FFF2-40B4-BE49-F238E27FC236}">
+                  <a16:creationId xmlns:a16="http://schemas.microsoft.com/office/drawing/2014/main" id="{F2939C73-FA51-4A53-AAC6-AC8354C7D2DF}"/>
+                </a:ext>
+              </a:extLst>
+            </p:cNvPr>
+            <p:cNvSpPr txBox="1">
+              <a:spLocks/>
+            </p:cNvSpPr>
+            <p:nvPr/>
+          </p:nvSpPr>
+          <p:spPr>
+            <a:xfrm>
+              <a:off x="9407582" y="1507272"/>
+              <a:ext cx="11655184" cy="839116"/>
+            </a:xfrm>
+            <a:prstGeom prst="rect">
+              <a:avLst/>
+            </a:prstGeom>
+          </p:spPr>
+          <p:txBody>
+            <a:bodyPr vert="horz" lIns="217490" tIns="108745" rIns="217490" bIns="108745" rtlCol="0">
+              <a:noAutofit/>
+            </a:bodyPr>
+            <a:lstStyle>
+              <a:lvl1pPr marL="0" indent="0" algn="ctr" defTabSz="1087636" rtl="0" eaLnBrk="1" latinLnBrk="0" hangingPunct="1">
+                <a:lnSpc>
+                  <a:spcPct val="120000"/>
+                </a:lnSpc>
+                <a:spcBef>
+                  <a:spcPct val="20000"/>
+                </a:spcBef>
+                <a:buFont typeface="Arial"/>
+                <a:buNone/>
+                <a:defRPr sz="2400" kern="1200">
+                  <a:solidFill>
+                    <a:schemeClr val="tx2"/>
+                  </a:solidFill>
+                  <a:latin typeface="Open Sans Light"/>
+                  <a:ea typeface="+mn-ea"/>
+                  <a:cs typeface="Open Sans Light"/>
+                </a:defRPr>
+              </a:lvl1pPr>
+              <a:lvl2pPr marL="1087636" indent="0" algn="ctr" defTabSz="1087636" rtl="0" eaLnBrk="1" latinLnBrk="0" hangingPunct="1">
+                <a:lnSpc>
+                  <a:spcPct val="130000"/>
+                </a:lnSpc>
+                <a:spcBef>
+                  <a:spcPct val="20000"/>
+                </a:spcBef>
+                <a:buFont typeface="Arial"/>
+                <a:buNone/>
+                <a:defRPr sz="3200" kern="1200">
+                  <a:solidFill>
+                    <a:schemeClr val="tx1">
+                      <a:tint val="75000"/>
+                    </a:schemeClr>
+                  </a:solidFill>
+                  <a:latin typeface="Open Sans"/>
+                  <a:ea typeface="+mn-ea"/>
+                  <a:cs typeface="Open Sans"/>
+                </a:defRPr>
+              </a:lvl2pPr>
+              <a:lvl3pPr marL="2175271" indent="0" algn="ctr" defTabSz="1087636" rtl="0" eaLnBrk="1" latinLnBrk="0" hangingPunct="1">
+                <a:lnSpc>
+                  <a:spcPct val="130000"/>
+                </a:lnSpc>
+                <a:spcBef>
+                  <a:spcPct val="20000"/>
+                </a:spcBef>
+                <a:buFont typeface="Arial"/>
+                <a:buNone/>
+                <a:defRPr sz="3200" kern="1200">
+                  <a:solidFill>
+                    <a:schemeClr val="tx1">
+                      <a:tint val="75000"/>
+                    </a:schemeClr>
+                  </a:solidFill>
+                  <a:latin typeface="Open Sans"/>
+                  <a:ea typeface="+mn-ea"/>
+                  <a:cs typeface="Open Sans"/>
+                </a:defRPr>
+              </a:lvl3pPr>
+              <a:lvl4pPr marL="3262912" indent="0" algn="ctr" defTabSz="1087636" rtl="0" eaLnBrk="1" latinLnBrk="0" hangingPunct="1">
+                <a:lnSpc>
+                  <a:spcPct val="130000"/>
+                </a:lnSpc>
+                <a:spcBef>
+                  <a:spcPct val="20000"/>
+                </a:spcBef>
+                <a:buFont typeface="Arial"/>
+                <a:buNone/>
+                <a:defRPr sz="3200" kern="1200">
+                  <a:solidFill>
+                    <a:schemeClr val="tx1">
+                      <a:tint val="75000"/>
+                    </a:schemeClr>
+                  </a:solidFill>
+                  <a:latin typeface="Open Sans"/>
+                  <a:ea typeface="+mn-ea"/>
+                  <a:cs typeface="Open Sans"/>
+                </a:defRPr>
+              </a:lvl4pPr>
+              <a:lvl5pPr marL="4350546" indent="0" algn="ctr" defTabSz="1087636" rtl="0" eaLnBrk="1" latinLnBrk="0" hangingPunct="1">
+                <a:lnSpc>
+                  <a:spcPct val="130000"/>
+                </a:lnSpc>
+                <a:spcBef>
+                  <a:spcPct val="20000"/>
+                </a:spcBef>
+                <a:buFont typeface="Arial"/>
+                <a:buNone/>
+                <a:defRPr sz="3200" kern="1200">
+                  <a:solidFill>
+                    <a:schemeClr val="tx1">
+                      <a:tint val="75000"/>
+                    </a:schemeClr>
+                  </a:solidFill>
+                  <a:latin typeface="Open Sans"/>
+                  <a:ea typeface="+mn-ea"/>
+                  <a:cs typeface="Open Sans"/>
+                </a:defRPr>
+              </a:lvl5pPr>
+              <a:lvl6pPr marL="5438184" indent="0" algn="ctr" defTabSz="1087636" rtl="0" eaLnBrk="1" latinLnBrk="0" hangingPunct="1">
+                <a:spcBef>
+                  <a:spcPct val="20000"/>
+                </a:spcBef>
+                <a:buFont typeface="Arial"/>
+                <a:buNone/>
+                <a:defRPr sz="4800" kern="1200">
+                  <a:solidFill>
+                    <a:schemeClr val="tx1">
+                      <a:tint val="75000"/>
+                    </a:schemeClr>
+                  </a:solidFill>
+                  <a:latin typeface="+mn-lt"/>
+                  <a:ea typeface="+mn-ea"/>
+                  <a:cs typeface="+mn-cs"/>
+                </a:defRPr>
+              </a:lvl6pPr>
+              <a:lvl7pPr marL="6525820" indent="0" algn="ctr" defTabSz="1087636" rtl="0" eaLnBrk="1" latinLnBrk="0" hangingPunct="1">
+                <a:spcBef>
+                  <a:spcPct val="20000"/>
+                </a:spcBef>
+                <a:buFont typeface="Arial"/>
+                <a:buNone/>
+                <a:defRPr sz="4800" kern="1200">
+                  <a:solidFill>
+                    <a:schemeClr val="tx1">
+                      <a:tint val="75000"/>
+                    </a:schemeClr>
+                  </a:solidFill>
+                  <a:latin typeface="+mn-lt"/>
+                  <a:ea typeface="+mn-ea"/>
+                  <a:cs typeface="+mn-cs"/>
+                </a:defRPr>
+              </a:lvl7pPr>
+              <a:lvl8pPr marL="7613455" indent="0" algn="ctr" defTabSz="1087636" rtl="0" eaLnBrk="1" latinLnBrk="0" hangingPunct="1">
+                <a:spcBef>
+                  <a:spcPct val="20000"/>
+                </a:spcBef>
+                <a:buFont typeface="Arial"/>
+                <a:buNone/>
+                <a:defRPr sz="4800" kern="1200">
+                  <a:solidFill>
+                    <a:schemeClr val="tx1">
+                      <a:tint val="75000"/>
+                    </a:schemeClr>
+                  </a:solidFill>
+                  <a:latin typeface="+mn-lt"/>
+                  <a:ea typeface="+mn-ea"/>
+                  <a:cs typeface="+mn-cs"/>
+                </a:defRPr>
+              </a:lvl8pPr>
+              <a:lvl9pPr marL="8701091" indent="0" algn="ctr" defTabSz="1087636" rtl="0" eaLnBrk="1" latinLnBrk="0" hangingPunct="1">
+                <a:spcBef>
+                  <a:spcPct val="20000"/>
+                </a:spcBef>
+                <a:buFont typeface="Arial"/>
+                <a:buNone/>
+                <a:defRPr sz="4800" kern="1200">
+                  <a:solidFill>
+                    <a:schemeClr val="tx1">
+                      <a:tint val="75000"/>
+                    </a:schemeClr>
+                  </a:solidFill>
+                  <a:latin typeface="+mn-lt"/>
+                  <a:ea typeface="+mn-ea"/>
+                  <a:cs typeface="+mn-cs"/>
+                </a:defRPr>
+              </a:lvl9pPr>
+            </a:lstStyle>
+            <a:p>
+              <a:pPr algn="l"/>
+              <a:r>
+                <a:rPr lang="ru-RU" sz="2800" dirty="0">
+                  <a:solidFill>
+                    <a:schemeClr val="tx1"/>
+                  </a:solidFill>
+                  <a:latin typeface="+mn-lt"/>
+                  <a:ea typeface="Open Sans Extrabold" panose="020B0906030804020204" pitchFamily="34" charset="0"/>
+                  <a:cs typeface="Open Sans Extrabold" panose="020B0906030804020204" pitchFamily="34" charset="0"/>
+                </a:rPr>
+                <a:t>Цветовая схема</a:t>
+              </a:r>
+              <a:endParaRPr lang="en-US" sz="2800" dirty="0">
+                <a:solidFill>
+                  <a:schemeClr val="tx1"/>
+                </a:solidFill>
+                <a:latin typeface="+mn-lt"/>
+                <a:ea typeface="Open Sans Extrabold" panose="020B0906030804020204" pitchFamily="34" charset="0"/>
+                <a:cs typeface="Open Sans Extrabold" panose="020B0906030804020204" pitchFamily="34" charset="0"/>
+              </a:endParaRPr>
+            </a:p>
+          </p:txBody>
+        </p:sp>
+      </p:grpSp>
     </p:spTree>
     <p:extLst>
       <p:ext uri="{BB962C8B-B14F-4D97-AF65-F5344CB8AC3E}">
@@ -4910,52 +5785,758 @@
           </a:p>
         </p:txBody>
       </p:sp>
-      <p:sp>
-        <p:nvSpPr>
-          <p:cNvPr id="11" name="TextBox 10">
+      <p:grpSp>
+        <p:nvGrpSpPr>
+          <p:cNvPr id="6" name="Group 19">
             <a:extLst>
               <a:ext uri="{FF2B5EF4-FFF2-40B4-BE49-F238E27FC236}">
-                <a16:creationId xmlns:a16="http://schemas.microsoft.com/office/drawing/2014/main" id="{056E3259-8AA5-42B8-BCCB-9AEAC2DD94E7}"/>
+                <a16:creationId xmlns:a16="http://schemas.microsoft.com/office/drawing/2014/main" id="{BA0997E1-7C69-4373-9050-CFA5F99735DF}"/>
               </a:ext>
             </a:extLst>
           </p:cNvPr>
-          <p:cNvSpPr txBox="1"/>
+          <p:cNvGrpSpPr/>
           <p:nvPr/>
-        </p:nvSpPr>
-        <p:spPr>
-          <a:xfrm>
-            <a:off x="1704302" y="692814"/>
-            <a:ext cx="15567698" cy="1200310"/>
-          </a:xfrm>
-          <a:prstGeom prst="rect">
-            <a:avLst/>
-          </a:prstGeom>
-          <a:noFill/>
-        </p:spPr>
-        <p:txBody>
-          <a:bodyPr wrap="square" lIns="91422" tIns="45711" rIns="91422" bIns="45711" rtlCol="0">
-            <a:spAutoFit/>
-          </a:bodyPr>
-          <a:lstStyle/>
-          <a:p>
-            <a:r>
-              <a:rPr lang="ru-RU" sz="7200" b="1" dirty="0">
+        </p:nvGrpSpPr>
+        <p:grpSpPr>
+          <a:xfrm>
+            <a:off x="1621064" y="601374"/>
+            <a:ext cx="11948632" cy="2308306"/>
+            <a:chOff x="9407582" y="560721"/>
+            <a:chExt cx="12458354" cy="2308306"/>
+          </a:xfrm>
+        </p:grpSpPr>
+        <p:sp>
+          <p:nvSpPr>
+            <p:cNvPr id="7" name="TextBox 6">
+              <a:extLst>
+                <a:ext uri="{FF2B5EF4-FFF2-40B4-BE49-F238E27FC236}">
+                  <a16:creationId xmlns:a16="http://schemas.microsoft.com/office/drawing/2014/main" id="{B168E8DE-BD25-4D6B-82A3-4F2481D24016}"/>
+                </a:ext>
+              </a:extLst>
+            </p:cNvPr>
+            <p:cNvSpPr txBox="1"/>
+            <p:nvPr/>
+          </p:nvSpPr>
+          <p:spPr>
+            <a:xfrm>
+              <a:off x="9506236" y="560721"/>
+              <a:ext cx="12359700" cy="2308306"/>
+            </a:xfrm>
+            <a:prstGeom prst="rect">
+              <a:avLst/>
+            </a:prstGeom>
+            <a:noFill/>
+          </p:spPr>
+          <p:txBody>
+            <a:bodyPr wrap="square" lIns="91422" tIns="45711" rIns="91422" bIns="45711" rtlCol="0">
+              <a:spAutoFit/>
+            </a:bodyPr>
+            <a:lstStyle/>
+            <a:p>
+              <a:r>
+                <a:rPr lang="ru-RU" sz="7200" b="1" dirty="0">
+                  <a:solidFill>
+                    <a:schemeClr val="tx2"/>
+                  </a:solidFill>
+                  <a:latin typeface="+mj-lt"/>
+                  <a:ea typeface="Open Sans Extrabold" panose="020B0906030804020204" pitchFamily="34" charset="0"/>
+                  <a:cs typeface="Open Sans Extrabold" panose="020B0906030804020204" pitchFamily="34" charset="0"/>
+                </a:rPr>
+                <a:t>ТЕХНИЧЕСКОЕ РЕШЕНИЕ</a:t>
+              </a:r>
+              <a:endParaRPr lang="id-ID" sz="7200" dirty="0">
                 <a:solidFill>
                   <a:schemeClr val="tx2"/>
                 </a:solidFill>
                 <a:latin typeface="+mj-lt"/>
                 <a:ea typeface="Open Sans Extrabold" panose="020B0906030804020204" pitchFamily="34" charset="0"/>
                 <a:cs typeface="Open Sans Extrabold" panose="020B0906030804020204" pitchFamily="34" charset="0"/>
+              </a:endParaRPr>
+            </a:p>
+          </p:txBody>
+        </p:sp>
+        <p:sp>
+          <p:nvSpPr>
+            <p:cNvPr id="8" name="Subtitle 2">
+              <a:extLst>
+                <a:ext uri="{FF2B5EF4-FFF2-40B4-BE49-F238E27FC236}">
+                  <a16:creationId xmlns:a16="http://schemas.microsoft.com/office/drawing/2014/main" id="{F2939C73-FA51-4A53-AAC6-AC8354C7D2DF}"/>
+                </a:ext>
+              </a:extLst>
+            </p:cNvPr>
+            <p:cNvSpPr txBox="1">
+              <a:spLocks/>
+            </p:cNvSpPr>
+            <p:nvPr/>
+          </p:nvSpPr>
+          <p:spPr>
+            <a:xfrm>
+              <a:off x="9407582" y="1507272"/>
+              <a:ext cx="11655184" cy="839116"/>
+            </a:xfrm>
+            <a:prstGeom prst="rect">
+              <a:avLst/>
+            </a:prstGeom>
+          </p:spPr>
+          <p:txBody>
+            <a:bodyPr vert="horz" lIns="217490" tIns="108745" rIns="217490" bIns="108745" rtlCol="0">
+              <a:noAutofit/>
+            </a:bodyPr>
+            <a:lstStyle>
+              <a:lvl1pPr marL="0" indent="0" algn="ctr" defTabSz="1087636" rtl="0" eaLnBrk="1" latinLnBrk="0" hangingPunct="1">
+                <a:lnSpc>
+                  <a:spcPct val="120000"/>
+                </a:lnSpc>
+                <a:spcBef>
+                  <a:spcPct val="20000"/>
+                </a:spcBef>
+                <a:buFont typeface="Arial"/>
+                <a:buNone/>
+                <a:defRPr sz="2400" kern="1200">
+                  <a:solidFill>
+                    <a:schemeClr val="tx2"/>
+                  </a:solidFill>
+                  <a:latin typeface="Open Sans Light"/>
+                  <a:ea typeface="+mn-ea"/>
+                  <a:cs typeface="Open Sans Light"/>
+                </a:defRPr>
+              </a:lvl1pPr>
+              <a:lvl2pPr marL="1087636" indent="0" algn="ctr" defTabSz="1087636" rtl="0" eaLnBrk="1" latinLnBrk="0" hangingPunct="1">
+                <a:lnSpc>
+                  <a:spcPct val="130000"/>
+                </a:lnSpc>
+                <a:spcBef>
+                  <a:spcPct val="20000"/>
+                </a:spcBef>
+                <a:buFont typeface="Arial"/>
+                <a:buNone/>
+                <a:defRPr sz="3200" kern="1200">
+                  <a:solidFill>
+                    <a:schemeClr val="tx1">
+                      <a:tint val="75000"/>
+                    </a:schemeClr>
+                  </a:solidFill>
+                  <a:latin typeface="Open Sans"/>
+                  <a:ea typeface="+mn-ea"/>
+                  <a:cs typeface="Open Sans"/>
+                </a:defRPr>
+              </a:lvl2pPr>
+              <a:lvl3pPr marL="2175271" indent="0" algn="ctr" defTabSz="1087636" rtl="0" eaLnBrk="1" latinLnBrk="0" hangingPunct="1">
+                <a:lnSpc>
+                  <a:spcPct val="130000"/>
+                </a:lnSpc>
+                <a:spcBef>
+                  <a:spcPct val="20000"/>
+                </a:spcBef>
+                <a:buFont typeface="Arial"/>
+                <a:buNone/>
+                <a:defRPr sz="3200" kern="1200">
+                  <a:solidFill>
+                    <a:schemeClr val="tx1">
+                      <a:tint val="75000"/>
+                    </a:schemeClr>
+                  </a:solidFill>
+                  <a:latin typeface="Open Sans"/>
+                  <a:ea typeface="+mn-ea"/>
+                  <a:cs typeface="Open Sans"/>
+                </a:defRPr>
+              </a:lvl3pPr>
+              <a:lvl4pPr marL="3262912" indent="0" algn="ctr" defTabSz="1087636" rtl="0" eaLnBrk="1" latinLnBrk="0" hangingPunct="1">
+                <a:lnSpc>
+                  <a:spcPct val="130000"/>
+                </a:lnSpc>
+                <a:spcBef>
+                  <a:spcPct val="20000"/>
+                </a:spcBef>
+                <a:buFont typeface="Arial"/>
+                <a:buNone/>
+                <a:defRPr sz="3200" kern="1200">
+                  <a:solidFill>
+                    <a:schemeClr val="tx1">
+                      <a:tint val="75000"/>
+                    </a:schemeClr>
+                  </a:solidFill>
+                  <a:latin typeface="Open Sans"/>
+                  <a:ea typeface="+mn-ea"/>
+                  <a:cs typeface="Open Sans"/>
+                </a:defRPr>
+              </a:lvl4pPr>
+              <a:lvl5pPr marL="4350546" indent="0" algn="ctr" defTabSz="1087636" rtl="0" eaLnBrk="1" latinLnBrk="0" hangingPunct="1">
+                <a:lnSpc>
+                  <a:spcPct val="130000"/>
+                </a:lnSpc>
+                <a:spcBef>
+                  <a:spcPct val="20000"/>
+                </a:spcBef>
+                <a:buFont typeface="Arial"/>
+                <a:buNone/>
+                <a:defRPr sz="3200" kern="1200">
+                  <a:solidFill>
+                    <a:schemeClr val="tx1">
+                      <a:tint val="75000"/>
+                    </a:schemeClr>
+                  </a:solidFill>
+                  <a:latin typeface="Open Sans"/>
+                  <a:ea typeface="+mn-ea"/>
+                  <a:cs typeface="Open Sans"/>
+                </a:defRPr>
+              </a:lvl5pPr>
+              <a:lvl6pPr marL="5438184" indent="0" algn="ctr" defTabSz="1087636" rtl="0" eaLnBrk="1" latinLnBrk="0" hangingPunct="1">
+                <a:spcBef>
+                  <a:spcPct val="20000"/>
+                </a:spcBef>
+                <a:buFont typeface="Arial"/>
+                <a:buNone/>
+                <a:defRPr sz="4800" kern="1200">
+                  <a:solidFill>
+                    <a:schemeClr val="tx1">
+                      <a:tint val="75000"/>
+                    </a:schemeClr>
+                  </a:solidFill>
+                  <a:latin typeface="+mn-lt"/>
+                  <a:ea typeface="+mn-ea"/>
+                  <a:cs typeface="+mn-cs"/>
+                </a:defRPr>
+              </a:lvl6pPr>
+              <a:lvl7pPr marL="6525820" indent="0" algn="ctr" defTabSz="1087636" rtl="0" eaLnBrk="1" latinLnBrk="0" hangingPunct="1">
+                <a:spcBef>
+                  <a:spcPct val="20000"/>
+                </a:spcBef>
+                <a:buFont typeface="Arial"/>
+                <a:buNone/>
+                <a:defRPr sz="4800" kern="1200">
+                  <a:solidFill>
+                    <a:schemeClr val="tx1">
+                      <a:tint val="75000"/>
+                    </a:schemeClr>
+                  </a:solidFill>
+                  <a:latin typeface="+mn-lt"/>
+                  <a:ea typeface="+mn-ea"/>
+                  <a:cs typeface="+mn-cs"/>
+                </a:defRPr>
+              </a:lvl7pPr>
+              <a:lvl8pPr marL="7613455" indent="0" algn="ctr" defTabSz="1087636" rtl="0" eaLnBrk="1" latinLnBrk="0" hangingPunct="1">
+                <a:spcBef>
+                  <a:spcPct val="20000"/>
+                </a:spcBef>
+                <a:buFont typeface="Arial"/>
+                <a:buNone/>
+                <a:defRPr sz="4800" kern="1200">
+                  <a:solidFill>
+                    <a:schemeClr val="tx1">
+                      <a:tint val="75000"/>
+                    </a:schemeClr>
+                  </a:solidFill>
+                  <a:latin typeface="+mn-lt"/>
+                  <a:ea typeface="+mn-ea"/>
+                  <a:cs typeface="+mn-cs"/>
+                </a:defRPr>
+              </a:lvl8pPr>
+              <a:lvl9pPr marL="8701091" indent="0" algn="ctr" defTabSz="1087636" rtl="0" eaLnBrk="1" latinLnBrk="0" hangingPunct="1">
+                <a:spcBef>
+                  <a:spcPct val="20000"/>
+                </a:spcBef>
+                <a:buFont typeface="Arial"/>
+                <a:buNone/>
+                <a:defRPr sz="4800" kern="1200">
+                  <a:solidFill>
+                    <a:schemeClr val="tx1">
+                      <a:tint val="75000"/>
+                    </a:schemeClr>
+                  </a:solidFill>
+                  <a:latin typeface="+mn-lt"/>
+                  <a:ea typeface="+mn-ea"/>
+                  <a:cs typeface="+mn-cs"/>
+                </a:defRPr>
+              </a:lvl9pPr>
+            </a:lstStyle>
+            <a:p>
+              <a:pPr algn="l"/>
+              <a:r>
+                <a:rPr lang="ru-RU" sz="2800" dirty="0">
+                  <a:solidFill>
+                    <a:schemeClr val="tx1"/>
+                  </a:solidFill>
+                  <a:latin typeface="+mn-lt"/>
+                  <a:ea typeface="Open Sans Extrabold" panose="020B0906030804020204" pitchFamily="34" charset="0"/>
+                  <a:cs typeface="Open Sans Extrabold" panose="020B0906030804020204" pitchFamily="34" charset="0"/>
+                </a:rPr>
+                <a:t>Стек</a:t>
+              </a:r>
+              <a:endParaRPr lang="en-US" sz="2800" dirty="0">
+                <a:solidFill>
+                  <a:schemeClr val="tx1"/>
+                </a:solidFill>
+                <a:latin typeface="+mn-lt"/>
+                <a:ea typeface="Open Sans Extrabold" panose="020B0906030804020204" pitchFamily="34" charset="0"/>
+                <a:cs typeface="Open Sans Extrabold" panose="020B0906030804020204" pitchFamily="34" charset="0"/>
+              </a:endParaRPr>
+            </a:p>
+          </p:txBody>
+        </p:sp>
+      </p:grpSp>
+      <p:sp>
+        <p:nvSpPr>
+          <p:cNvPr id="5" name="TextBox 4">
+            <a:extLst>
+              <a:ext uri="{FF2B5EF4-FFF2-40B4-BE49-F238E27FC236}">
+                <a16:creationId xmlns:a16="http://schemas.microsoft.com/office/drawing/2014/main" id="{61686FDB-DA72-4F58-9BE4-609A5D52B195}"/>
+              </a:ext>
+            </a:extLst>
+          </p:cNvPr>
+          <p:cNvSpPr txBox="1"/>
+          <p:nvPr/>
+        </p:nvSpPr>
+        <p:spPr>
+          <a:xfrm>
+            <a:off x="4614459" y="7915983"/>
+            <a:ext cx="1877683" cy="677072"/>
+          </a:xfrm>
+          <a:prstGeom prst="rect">
+            <a:avLst/>
+          </a:prstGeom>
+          <a:noFill/>
+        </p:spPr>
+        <p:txBody>
+          <a:bodyPr wrap="none" lIns="182843" tIns="91422" rIns="182843" bIns="91422" rtlCol="0">
+            <a:spAutoFit/>
+          </a:bodyPr>
+          <a:lstStyle/>
+          <a:p>
+            <a:pPr algn="ctr"/>
+            <a:r>
+              <a:rPr lang="en-US" sz="3200" b="1" dirty="0">
+                <a:solidFill>
+                  <a:schemeClr val="tx2"/>
+                </a:solidFill>
+                <a:cs typeface="Lato Regular"/>
               </a:rPr>
-              <a:t>КОНКУРЕНТНОЕ ПРЕИМУЩЕСТВО</a:t>
-            </a:r>
-            <a:endParaRPr lang="id-ID" sz="7200" dirty="0">
+              <a:t>Android</a:t>
+            </a:r>
+            <a:endParaRPr lang="id-ID" sz="3200" b="1" dirty="0">
               <a:solidFill>
                 <a:schemeClr val="tx2"/>
               </a:solidFill>
-              <a:latin typeface="+mj-lt"/>
-              <a:ea typeface="Open Sans Extrabold" panose="020B0906030804020204" pitchFamily="34" charset="0"/>
-              <a:cs typeface="Open Sans Extrabold" panose="020B0906030804020204" pitchFamily="34" charset="0"/>
+              <a:cs typeface="Lato Regular"/>
+            </a:endParaRPr>
+          </a:p>
+        </p:txBody>
+      </p:sp>
+      <p:pic>
+        <p:nvPicPr>
+          <p:cNvPr id="1028" name="Picture 4" descr="Brand Guidelines | Android Open Source Project">
+            <a:extLst>
+              <a:ext uri="{FF2B5EF4-FFF2-40B4-BE49-F238E27FC236}">
+                <a16:creationId xmlns:a16="http://schemas.microsoft.com/office/drawing/2014/main" id="{FFA24E67-4410-450E-960F-448F9FE98CDA}"/>
+              </a:ext>
+            </a:extLst>
+          </p:cNvPr>
+          <p:cNvPicPr>
+            <a:picLocks noChangeAspect="1" noChangeArrowheads="1"/>
+          </p:cNvPicPr>
+          <p:nvPr/>
+        </p:nvPicPr>
+        <p:blipFill>
+          <a:blip r:embed="rId3">
+            <a:extLst>
+              <a:ext uri="{28A0092B-C50C-407E-A947-70E740481C1C}">
+                <a14:useLocalDpi xmlns:a14="http://schemas.microsoft.com/office/drawing/2010/main" val="0"/>
+              </a:ext>
+            </a:extLst>
+          </a:blip>
+          <a:srcRect/>
+          <a:stretch>
+            <a:fillRect/>
+          </a:stretch>
+        </p:blipFill>
+        <p:spPr bwMode="auto">
+          <a:xfrm>
+            <a:off x="3933392" y="5662081"/>
+            <a:ext cx="3335222" cy="1786665"/>
+          </a:xfrm>
+          <a:prstGeom prst="rect">
+            <a:avLst/>
+          </a:prstGeom>
+          <a:noFill/>
+          <a:extLst>
+            <a:ext uri="{909E8E84-426E-40DD-AFC4-6F175D3DCCD1}">
+              <a14:hiddenFill xmlns:a14="http://schemas.microsoft.com/office/drawing/2010/main">
+                <a:solidFill>
+                  <a:srgbClr val="FFFFFF"/>
+                </a:solidFill>
+              </a14:hiddenFill>
+            </a:ext>
+          </a:extLst>
+        </p:spPr>
+      </p:pic>
+      <p:sp>
+        <p:nvSpPr>
+          <p:cNvPr id="12" name="TextBox 11">
+            <a:extLst>
+              <a:ext uri="{FF2B5EF4-FFF2-40B4-BE49-F238E27FC236}">
+                <a16:creationId xmlns:a16="http://schemas.microsoft.com/office/drawing/2014/main" id="{103A4C7C-9C16-4C01-9E1C-99F9D6D56450}"/>
+              </a:ext>
+            </a:extLst>
+          </p:cNvPr>
+          <p:cNvSpPr txBox="1"/>
+          <p:nvPr/>
+        </p:nvSpPr>
+        <p:spPr>
+          <a:xfrm>
+            <a:off x="8318599" y="7915983"/>
+            <a:ext cx="1504183" cy="677072"/>
+          </a:xfrm>
+          <a:prstGeom prst="rect">
+            <a:avLst/>
+          </a:prstGeom>
+          <a:noFill/>
+        </p:spPr>
+        <p:txBody>
+          <a:bodyPr wrap="none" lIns="182843" tIns="91422" rIns="182843" bIns="91422" rtlCol="0">
+            <a:spAutoFit/>
+          </a:bodyPr>
+          <a:lstStyle/>
+          <a:p>
+            <a:pPr algn="ctr"/>
+            <a:r>
+              <a:rPr lang="en-US" sz="3200" b="1" dirty="0">
+                <a:solidFill>
+                  <a:schemeClr val="tx2"/>
+                </a:solidFill>
+                <a:cs typeface="Lato Regular"/>
+              </a:rPr>
+              <a:t>Kotlin</a:t>
+            </a:r>
+            <a:endParaRPr lang="id-ID" sz="3200" b="1" dirty="0">
+              <a:solidFill>
+                <a:schemeClr val="tx2"/>
+              </a:solidFill>
+              <a:cs typeface="Lato Regular"/>
+            </a:endParaRPr>
+          </a:p>
+        </p:txBody>
+      </p:sp>
+      <p:pic>
+        <p:nvPicPr>
+          <p:cNvPr id="14" name="Picture 2">
+            <a:extLst>
+              <a:ext uri="{FF2B5EF4-FFF2-40B4-BE49-F238E27FC236}">
+                <a16:creationId xmlns:a16="http://schemas.microsoft.com/office/drawing/2014/main" id="{419E40F6-DC32-4F3A-A3A9-251B9E8FFB6B}"/>
+              </a:ext>
+            </a:extLst>
+          </p:cNvPr>
+          <p:cNvPicPr>
+            <a:picLocks noChangeAspect="1" noChangeArrowheads="1"/>
+          </p:cNvPicPr>
+          <p:nvPr/>
+        </p:nvPicPr>
+        <p:blipFill>
+          <a:blip r:embed="rId4">
+            <a:extLst>
+              <a:ext uri="{28A0092B-C50C-407E-A947-70E740481C1C}">
+                <a14:useLocalDpi xmlns:a14="http://schemas.microsoft.com/office/drawing/2010/main" val="0"/>
+              </a:ext>
+            </a:extLst>
+          </a:blip>
+          <a:srcRect/>
+          <a:stretch>
+            <a:fillRect/>
+          </a:stretch>
+        </p:blipFill>
+        <p:spPr bwMode="auto">
+          <a:xfrm>
+            <a:off x="8592311" y="6449287"/>
+            <a:ext cx="971418" cy="971418"/>
+          </a:xfrm>
+          <a:prstGeom prst="rect">
+            <a:avLst/>
+          </a:prstGeom>
+          <a:noFill/>
+          <a:extLst>
+            <a:ext uri="{909E8E84-426E-40DD-AFC4-6F175D3DCCD1}">
+              <a14:hiddenFill xmlns:a14="http://schemas.microsoft.com/office/drawing/2010/main">
+                <a:solidFill>
+                  <a:srgbClr val="FFFFFF"/>
+                </a:solidFill>
+              </a14:hiddenFill>
+            </a:ext>
+          </a:extLst>
+        </p:spPr>
+      </p:pic>
+      <p:sp>
+        <p:nvSpPr>
+          <p:cNvPr id="18" name="TextBox 17">
+            <a:extLst>
+              <a:ext uri="{FF2B5EF4-FFF2-40B4-BE49-F238E27FC236}">
+                <a16:creationId xmlns:a16="http://schemas.microsoft.com/office/drawing/2014/main" id="{631F8519-CA60-4D0F-9797-1E77F14E1B55}"/>
+              </a:ext>
+            </a:extLst>
+          </p:cNvPr>
+          <p:cNvSpPr txBox="1"/>
+          <p:nvPr/>
+        </p:nvSpPr>
+        <p:spPr>
+          <a:xfrm>
+            <a:off x="11371127" y="7915983"/>
+            <a:ext cx="2009130" cy="677072"/>
+          </a:xfrm>
+          <a:prstGeom prst="rect">
+            <a:avLst/>
+          </a:prstGeom>
+          <a:noFill/>
+        </p:spPr>
+        <p:txBody>
+          <a:bodyPr wrap="none" lIns="182843" tIns="91422" rIns="182843" bIns="91422" rtlCol="0">
+            <a:spAutoFit/>
+          </a:bodyPr>
+          <a:lstStyle/>
+          <a:p>
+            <a:pPr algn="ctr"/>
+            <a:r>
+              <a:rPr lang="en-US" sz="3200" b="1" dirty="0">
+                <a:solidFill>
+                  <a:schemeClr val="tx2"/>
+                </a:solidFill>
+                <a:cs typeface="Lato Regular"/>
+              </a:rPr>
+              <a:t>Firebase</a:t>
+            </a:r>
+            <a:endParaRPr lang="id-ID" sz="3200" b="1" dirty="0">
+              <a:solidFill>
+                <a:schemeClr val="tx2"/>
+              </a:solidFill>
+              <a:cs typeface="Lato Regular"/>
+            </a:endParaRPr>
+          </a:p>
+        </p:txBody>
+      </p:sp>
+      <p:pic>
+        <p:nvPicPr>
+          <p:cNvPr id="1032" name="Picture 8" descr="Firebase Logo by Ali Berlin Johnson on Dribbble">
+            <a:extLst>
+              <a:ext uri="{FF2B5EF4-FFF2-40B4-BE49-F238E27FC236}">
+                <a16:creationId xmlns:a16="http://schemas.microsoft.com/office/drawing/2014/main" id="{9BE91712-1F56-4F55-9497-20BD5819A417}"/>
+              </a:ext>
+            </a:extLst>
+          </p:cNvPr>
+          <p:cNvPicPr>
+            <a:picLocks noChangeAspect="1" noChangeArrowheads="1"/>
+          </p:cNvPicPr>
+          <p:nvPr/>
+        </p:nvPicPr>
+        <p:blipFill>
+          <a:blip r:embed="rId5">
+            <a:extLst>
+              <a:ext uri="{28A0092B-C50C-407E-A947-70E740481C1C}">
+                <a14:useLocalDpi xmlns:a14="http://schemas.microsoft.com/office/drawing/2010/main" val="0"/>
+              </a:ext>
+            </a:extLst>
+          </a:blip>
+          <a:srcRect/>
+          <a:stretch>
+            <a:fillRect/>
+          </a:stretch>
+        </p:blipFill>
+        <p:spPr bwMode="auto">
+          <a:xfrm>
+            <a:off x="10887426" y="5744143"/>
+            <a:ext cx="2976531" cy="2232398"/>
+          </a:xfrm>
+          <a:prstGeom prst="rect">
+            <a:avLst/>
+          </a:prstGeom>
+          <a:noFill/>
+          <a:extLst>
+            <a:ext uri="{909E8E84-426E-40DD-AFC4-6F175D3DCCD1}">
+              <a14:hiddenFill xmlns:a14="http://schemas.microsoft.com/office/drawing/2010/main">
+                <a:solidFill>
+                  <a:srgbClr val="FFFFFF"/>
+                </a:solidFill>
+              </a14:hiddenFill>
+            </a:ext>
+          </a:extLst>
+        </p:spPr>
+      </p:pic>
+      <p:sp>
+        <p:nvSpPr>
+          <p:cNvPr id="25" name="TextBox 24">
+            <a:extLst>
+              <a:ext uri="{FF2B5EF4-FFF2-40B4-BE49-F238E27FC236}">
+                <a16:creationId xmlns:a16="http://schemas.microsoft.com/office/drawing/2014/main" id="{4423B5EC-01DE-4DAC-900A-47E021FBCD34}"/>
+              </a:ext>
+            </a:extLst>
+          </p:cNvPr>
+          <p:cNvSpPr txBox="1"/>
+          <p:nvPr/>
+        </p:nvSpPr>
+        <p:spPr>
+          <a:xfrm>
+            <a:off x="14672529" y="7915983"/>
+            <a:ext cx="1363119" cy="677072"/>
+          </a:xfrm>
+          <a:prstGeom prst="rect">
+            <a:avLst/>
+          </a:prstGeom>
+          <a:noFill/>
+        </p:spPr>
+        <p:txBody>
+          <a:bodyPr wrap="none" lIns="182843" tIns="91422" rIns="182843" bIns="91422" rtlCol="0">
+            <a:spAutoFit/>
+          </a:bodyPr>
+          <a:lstStyle/>
+          <a:p>
+            <a:pPr algn="ctr"/>
+            <a:r>
+              <a:rPr lang="en-US" sz="3200" b="1" dirty="0">
+                <a:solidFill>
+                  <a:schemeClr val="tx2"/>
+                </a:solidFill>
+                <a:cs typeface="Lato Regular"/>
+              </a:rPr>
+              <a:t>Glide</a:t>
+            </a:r>
+            <a:endParaRPr lang="id-ID" sz="3200" b="1" dirty="0">
+              <a:solidFill>
+                <a:schemeClr val="tx2"/>
+              </a:solidFill>
+              <a:cs typeface="Lato Regular"/>
+            </a:endParaRPr>
+          </a:p>
+        </p:txBody>
+      </p:sp>
+      <p:pic>
+        <p:nvPicPr>
+          <p:cNvPr id="27" name="Picture 10">
+            <a:extLst>
+              <a:ext uri="{FF2B5EF4-FFF2-40B4-BE49-F238E27FC236}">
+                <a16:creationId xmlns:a16="http://schemas.microsoft.com/office/drawing/2014/main" id="{26D7FC99-695D-491B-A602-1B0CDBAA32A4}"/>
+              </a:ext>
+            </a:extLst>
+          </p:cNvPr>
+          <p:cNvPicPr>
+            <a:picLocks noChangeAspect="1" noChangeArrowheads="1"/>
+          </p:cNvPicPr>
+          <p:nvPr/>
+        </p:nvPicPr>
+        <p:blipFill rotWithShape="1">
+          <a:blip r:embed="rId6">
+            <a:extLst>
+              <a:ext uri="{28A0092B-C50C-407E-A947-70E740481C1C}">
+                <a14:useLocalDpi xmlns:a14="http://schemas.microsoft.com/office/drawing/2010/main" val="0"/>
+              </a:ext>
+            </a:extLst>
+          </a:blip>
+          <a:srcRect l="27182" t="2345" r="46452"/>
+          <a:stretch/>
+        </p:blipFill>
+        <p:spPr bwMode="auto">
+          <a:xfrm>
+            <a:off x="14254384" y="5638432"/>
+            <a:ext cx="2199407" cy="2443820"/>
+          </a:xfrm>
+          <a:prstGeom prst="rect">
+            <a:avLst/>
+          </a:prstGeom>
+          <a:noFill/>
+          <a:extLst>
+            <a:ext uri="{909E8E84-426E-40DD-AFC4-6F175D3DCCD1}">
+              <a14:hiddenFill xmlns:a14="http://schemas.microsoft.com/office/drawing/2010/main">
+                <a:solidFill>
+                  <a:srgbClr val="FFFFFF"/>
+                </a:solidFill>
+              </a14:hiddenFill>
+            </a:ext>
+          </a:extLst>
+        </p:spPr>
+      </p:pic>
+      <p:pic>
+        <p:nvPicPr>
+          <p:cNvPr id="1036" name="Picture 12" descr="How to send a String body with Retrofit | by Robert Konarskis | Medium">
+            <a:extLst>
+              <a:ext uri="{FF2B5EF4-FFF2-40B4-BE49-F238E27FC236}">
+                <a16:creationId xmlns:a16="http://schemas.microsoft.com/office/drawing/2014/main" id="{B0397469-A718-4DF2-9217-52E4CC98AC65}"/>
+              </a:ext>
+            </a:extLst>
+          </p:cNvPr>
+          <p:cNvPicPr>
+            <a:picLocks noChangeAspect="1" noChangeArrowheads="1"/>
+          </p:cNvPicPr>
+          <p:nvPr/>
+        </p:nvPicPr>
+        <p:blipFill rotWithShape="1">
+          <a:blip r:embed="rId7">
+            <a:extLst>
+              <a:ext uri="{28A0092B-C50C-407E-A947-70E740481C1C}">
+                <a14:useLocalDpi xmlns:a14="http://schemas.microsoft.com/office/drawing/2010/main" val="0"/>
+              </a:ext>
+            </a:extLst>
+          </a:blip>
+          <a:srcRect l="12378" t="24105" r="70031" b="26636"/>
+          <a:stretch/>
+        </p:blipFill>
+        <p:spPr bwMode="auto">
+          <a:xfrm>
+            <a:off x="17814725" y="6090446"/>
+            <a:ext cx="1725930" cy="1689100"/>
+          </a:xfrm>
+          <a:prstGeom prst="rect">
+            <a:avLst/>
+          </a:prstGeom>
+          <a:noFill/>
+          <a:extLst>
+            <a:ext uri="{909E8E84-426E-40DD-AFC4-6F175D3DCCD1}">
+              <a14:hiddenFill xmlns:a14="http://schemas.microsoft.com/office/drawing/2010/main">
+                <a:solidFill>
+                  <a:srgbClr val="FFFFFF"/>
+                </a:solidFill>
+              </a14:hiddenFill>
+            </a:ext>
+          </a:extLst>
+        </p:spPr>
+      </p:pic>
+      <p:sp>
+        <p:nvSpPr>
+          <p:cNvPr id="29" name="TextBox 28">
+            <a:extLst>
+              <a:ext uri="{FF2B5EF4-FFF2-40B4-BE49-F238E27FC236}">
+                <a16:creationId xmlns:a16="http://schemas.microsoft.com/office/drawing/2014/main" id="{C51A6A93-A084-4F11-BC5A-50F2DE391C99}"/>
+              </a:ext>
+            </a:extLst>
+          </p:cNvPr>
+          <p:cNvSpPr txBox="1"/>
+          <p:nvPr/>
+        </p:nvSpPr>
+        <p:spPr>
+          <a:xfrm>
+            <a:off x="17746063" y="7915983"/>
+            <a:ext cx="1863256" cy="677072"/>
+          </a:xfrm>
+          <a:prstGeom prst="rect">
+            <a:avLst/>
+          </a:prstGeom>
+          <a:noFill/>
+        </p:spPr>
+        <p:txBody>
+          <a:bodyPr wrap="none" lIns="182843" tIns="91422" rIns="182843" bIns="91422" rtlCol="0">
+            <a:spAutoFit/>
+          </a:bodyPr>
+          <a:lstStyle/>
+          <a:p>
+            <a:pPr algn="ctr"/>
+            <a:r>
+              <a:rPr lang="en-US" sz="3200" b="1" dirty="0">
+                <a:solidFill>
+                  <a:schemeClr val="tx2"/>
+                </a:solidFill>
+                <a:cs typeface="Lato Regular"/>
+              </a:rPr>
+              <a:t>Retrofit</a:t>
+            </a:r>
+            <a:endParaRPr lang="id-ID" sz="3200" b="1" dirty="0">
+              <a:solidFill>
+                <a:schemeClr val="tx2"/>
+              </a:solidFill>
+              <a:cs typeface="Lato Regular"/>
             </a:endParaRPr>
           </a:p>
         </p:txBody>
@@ -4963,7 +6544,7 @@
     </p:spTree>
     <p:extLst>
       <p:ext uri="{BB962C8B-B14F-4D97-AF65-F5344CB8AC3E}">
-        <p14:creationId xmlns:p14="http://schemas.microsoft.com/office/powerpoint/2010/main" val="1170195722"/>
+        <p14:creationId xmlns:p14="http://schemas.microsoft.com/office/powerpoint/2010/main" val="2046843893"/>
       </p:ext>
     </p:extLst>
   </p:cSld>
@@ -5013,60 +6594,408 @@
           </a:p>
         </p:txBody>
       </p:sp>
-      <p:sp>
-        <p:nvSpPr>
-          <p:cNvPr id="11" name="TextBox 10">
+      <p:grpSp>
+        <p:nvGrpSpPr>
+          <p:cNvPr id="6" name="Group 19">
             <a:extLst>
               <a:ext uri="{FF2B5EF4-FFF2-40B4-BE49-F238E27FC236}">
-                <a16:creationId xmlns:a16="http://schemas.microsoft.com/office/drawing/2014/main" id="{056E3259-8AA5-42B8-BCCB-9AEAC2DD94E7}"/>
+                <a16:creationId xmlns:a16="http://schemas.microsoft.com/office/drawing/2014/main" id="{BA0997E1-7C69-4373-9050-CFA5F99735DF}"/>
               </a:ext>
             </a:extLst>
           </p:cNvPr>
-          <p:cNvSpPr txBox="1"/>
+          <p:cNvGrpSpPr/>
           <p:nvPr/>
-        </p:nvSpPr>
-        <p:spPr>
-          <a:xfrm>
-            <a:off x="1704302" y="692814"/>
-            <a:ext cx="10428322" cy="1200310"/>
-          </a:xfrm>
-          <a:prstGeom prst="rect">
-            <a:avLst/>
-          </a:prstGeom>
-          <a:noFill/>
-        </p:spPr>
-        <p:txBody>
-          <a:bodyPr wrap="square" lIns="91422" tIns="45711" rIns="91422" bIns="45711" rtlCol="0">
-            <a:spAutoFit/>
-          </a:bodyPr>
-          <a:lstStyle/>
-          <a:p>
-            <a:r>
-              <a:rPr lang="ru-RU" sz="7200" b="1" dirty="0">
+        </p:nvGrpSpPr>
+        <p:grpSpPr>
+          <a:xfrm>
+            <a:off x="1621064" y="601374"/>
+            <a:ext cx="11948632" cy="2308306"/>
+            <a:chOff x="9407582" y="560721"/>
+            <a:chExt cx="12458354" cy="2308306"/>
+          </a:xfrm>
+        </p:grpSpPr>
+        <p:sp>
+          <p:nvSpPr>
+            <p:cNvPr id="7" name="TextBox 6">
+              <a:extLst>
+                <a:ext uri="{FF2B5EF4-FFF2-40B4-BE49-F238E27FC236}">
+                  <a16:creationId xmlns:a16="http://schemas.microsoft.com/office/drawing/2014/main" id="{B168E8DE-BD25-4D6B-82A3-4F2481D24016}"/>
+                </a:ext>
+              </a:extLst>
+            </p:cNvPr>
+            <p:cNvSpPr txBox="1"/>
+            <p:nvPr/>
+          </p:nvSpPr>
+          <p:spPr>
+            <a:xfrm>
+              <a:off x="9506236" y="560721"/>
+              <a:ext cx="12359700" cy="2308306"/>
+            </a:xfrm>
+            <a:prstGeom prst="rect">
+              <a:avLst/>
+            </a:prstGeom>
+            <a:noFill/>
+          </p:spPr>
+          <p:txBody>
+            <a:bodyPr wrap="square" lIns="91422" tIns="45711" rIns="91422" bIns="45711" rtlCol="0">
+              <a:spAutoFit/>
+            </a:bodyPr>
+            <a:lstStyle/>
+            <a:p>
+              <a:r>
+                <a:rPr lang="ru-RU" sz="7200" b="1" dirty="0">
+                  <a:solidFill>
+                    <a:schemeClr val="tx2"/>
+                  </a:solidFill>
+                  <a:latin typeface="+mj-lt"/>
+                  <a:ea typeface="Open Sans Extrabold" panose="020B0906030804020204" pitchFamily="34" charset="0"/>
+                  <a:cs typeface="Open Sans Extrabold" panose="020B0906030804020204" pitchFamily="34" charset="0"/>
+                </a:rPr>
+                <a:t>ТЕХНИЧЕСКОЕ РЕШЕНИЕ</a:t>
+              </a:r>
+              <a:endParaRPr lang="id-ID" sz="7200" dirty="0">
                 <a:solidFill>
                   <a:schemeClr val="tx2"/>
                 </a:solidFill>
                 <a:latin typeface="+mj-lt"/>
                 <a:ea typeface="Open Sans Extrabold" panose="020B0906030804020204" pitchFamily="34" charset="0"/>
                 <a:cs typeface="Open Sans Extrabold" panose="020B0906030804020204" pitchFamily="34" charset="0"/>
-              </a:rPr>
-              <a:t>МАСШТАБИРУЕМОСТЬ</a:t>
-            </a:r>
-            <a:endParaRPr lang="id-ID" sz="7200" dirty="0">
-              <a:solidFill>
-                <a:schemeClr val="tx2"/>
-              </a:solidFill>
-              <a:latin typeface="+mj-lt"/>
-              <a:ea typeface="Open Sans Extrabold" panose="020B0906030804020204" pitchFamily="34" charset="0"/>
-              <a:cs typeface="Open Sans Extrabold" panose="020B0906030804020204" pitchFamily="34" charset="0"/>
-            </a:endParaRPr>
-          </a:p>
-        </p:txBody>
-      </p:sp>
+              </a:endParaRPr>
+            </a:p>
+          </p:txBody>
+        </p:sp>
+        <p:sp>
+          <p:nvSpPr>
+            <p:cNvPr id="8" name="Subtitle 2">
+              <a:extLst>
+                <a:ext uri="{FF2B5EF4-FFF2-40B4-BE49-F238E27FC236}">
+                  <a16:creationId xmlns:a16="http://schemas.microsoft.com/office/drawing/2014/main" id="{F2939C73-FA51-4A53-AAC6-AC8354C7D2DF}"/>
+                </a:ext>
+              </a:extLst>
+            </p:cNvPr>
+            <p:cNvSpPr txBox="1">
+              <a:spLocks/>
+            </p:cNvSpPr>
+            <p:nvPr/>
+          </p:nvSpPr>
+          <p:spPr>
+            <a:xfrm>
+              <a:off x="9407582" y="1507272"/>
+              <a:ext cx="11655184" cy="839116"/>
+            </a:xfrm>
+            <a:prstGeom prst="rect">
+              <a:avLst/>
+            </a:prstGeom>
+          </p:spPr>
+          <p:txBody>
+            <a:bodyPr vert="horz" lIns="217490" tIns="108745" rIns="217490" bIns="108745" rtlCol="0">
+              <a:noAutofit/>
+            </a:bodyPr>
+            <a:lstStyle>
+              <a:lvl1pPr marL="0" indent="0" algn="ctr" defTabSz="1087636" rtl="0" eaLnBrk="1" latinLnBrk="0" hangingPunct="1">
+                <a:lnSpc>
+                  <a:spcPct val="120000"/>
+                </a:lnSpc>
+                <a:spcBef>
+                  <a:spcPct val="20000"/>
+                </a:spcBef>
+                <a:buFont typeface="Arial"/>
+                <a:buNone/>
+                <a:defRPr sz="2400" kern="1200">
+                  <a:solidFill>
+                    <a:schemeClr val="tx2"/>
+                  </a:solidFill>
+                  <a:latin typeface="Open Sans Light"/>
+                  <a:ea typeface="+mn-ea"/>
+                  <a:cs typeface="Open Sans Light"/>
+                </a:defRPr>
+              </a:lvl1pPr>
+              <a:lvl2pPr marL="1087636" indent="0" algn="ctr" defTabSz="1087636" rtl="0" eaLnBrk="1" latinLnBrk="0" hangingPunct="1">
+                <a:lnSpc>
+                  <a:spcPct val="130000"/>
+                </a:lnSpc>
+                <a:spcBef>
+                  <a:spcPct val="20000"/>
+                </a:spcBef>
+                <a:buFont typeface="Arial"/>
+                <a:buNone/>
+                <a:defRPr sz="3200" kern="1200">
+                  <a:solidFill>
+                    <a:schemeClr val="tx1">
+                      <a:tint val="75000"/>
+                    </a:schemeClr>
+                  </a:solidFill>
+                  <a:latin typeface="Open Sans"/>
+                  <a:ea typeface="+mn-ea"/>
+                  <a:cs typeface="Open Sans"/>
+                </a:defRPr>
+              </a:lvl2pPr>
+              <a:lvl3pPr marL="2175271" indent="0" algn="ctr" defTabSz="1087636" rtl="0" eaLnBrk="1" latinLnBrk="0" hangingPunct="1">
+                <a:lnSpc>
+                  <a:spcPct val="130000"/>
+                </a:lnSpc>
+                <a:spcBef>
+                  <a:spcPct val="20000"/>
+                </a:spcBef>
+                <a:buFont typeface="Arial"/>
+                <a:buNone/>
+                <a:defRPr sz="3200" kern="1200">
+                  <a:solidFill>
+                    <a:schemeClr val="tx1">
+                      <a:tint val="75000"/>
+                    </a:schemeClr>
+                  </a:solidFill>
+                  <a:latin typeface="Open Sans"/>
+                  <a:ea typeface="+mn-ea"/>
+                  <a:cs typeface="Open Sans"/>
+                </a:defRPr>
+              </a:lvl3pPr>
+              <a:lvl4pPr marL="3262912" indent="0" algn="ctr" defTabSz="1087636" rtl="0" eaLnBrk="1" latinLnBrk="0" hangingPunct="1">
+                <a:lnSpc>
+                  <a:spcPct val="130000"/>
+                </a:lnSpc>
+                <a:spcBef>
+                  <a:spcPct val="20000"/>
+                </a:spcBef>
+                <a:buFont typeface="Arial"/>
+                <a:buNone/>
+                <a:defRPr sz="3200" kern="1200">
+                  <a:solidFill>
+                    <a:schemeClr val="tx1">
+                      <a:tint val="75000"/>
+                    </a:schemeClr>
+                  </a:solidFill>
+                  <a:latin typeface="Open Sans"/>
+                  <a:ea typeface="+mn-ea"/>
+                  <a:cs typeface="Open Sans"/>
+                </a:defRPr>
+              </a:lvl4pPr>
+              <a:lvl5pPr marL="4350546" indent="0" algn="ctr" defTabSz="1087636" rtl="0" eaLnBrk="1" latinLnBrk="0" hangingPunct="1">
+                <a:lnSpc>
+                  <a:spcPct val="130000"/>
+                </a:lnSpc>
+                <a:spcBef>
+                  <a:spcPct val="20000"/>
+                </a:spcBef>
+                <a:buFont typeface="Arial"/>
+                <a:buNone/>
+                <a:defRPr sz="3200" kern="1200">
+                  <a:solidFill>
+                    <a:schemeClr val="tx1">
+                      <a:tint val="75000"/>
+                    </a:schemeClr>
+                  </a:solidFill>
+                  <a:latin typeface="Open Sans"/>
+                  <a:ea typeface="+mn-ea"/>
+                  <a:cs typeface="Open Sans"/>
+                </a:defRPr>
+              </a:lvl5pPr>
+              <a:lvl6pPr marL="5438184" indent="0" algn="ctr" defTabSz="1087636" rtl="0" eaLnBrk="1" latinLnBrk="0" hangingPunct="1">
+                <a:spcBef>
+                  <a:spcPct val="20000"/>
+                </a:spcBef>
+                <a:buFont typeface="Arial"/>
+                <a:buNone/>
+                <a:defRPr sz="4800" kern="1200">
+                  <a:solidFill>
+                    <a:schemeClr val="tx1">
+                      <a:tint val="75000"/>
+                    </a:schemeClr>
+                  </a:solidFill>
+                  <a:latin typeface="+mn-lt"/>
+                  <a:ea typeface="+mn-ea"/>
+                  <a:cs typeface="+mn-cs"/>
+                </a:defRPr>
+              </a:lvl6pPr>
+              <a:lvl7pPr marL="6525820" indent="0" algn="ctr" defTabSz="1087636" rtl="0" eaLnBrk="1" latinLnBrk="0" hangingPunct="1">
+                <a:spcBef>
+                  <a:spcPct val="20000"/>
+                </a:spcBef>
+                <a:buFont typeface="Arial"/>
+                <a:buNone/>
+                <a:defRPr sz="4800" kern="1200">
+                  <a:solidFill>
+                    <a:schemeClr val="tx1">
+                      <a:tint val="75000"/>
+                    </a:schemeClr>
+                  </a:solidFill>
+                  <a:latin typeface="+mn-lt"/>
+                  <a:ea typeface="+mn-ea"/>
+                  <a:cs typeface="+mn-cs"/>
+                </a:defRPr>
+              </a:lvl7pPr>
+              <a:lvl8pPr marL="7613455" indent="0" algn="ctr" defTabSz="1087636" rtl="0" eaLnBrk="1" latinLnBrk="0" hangingPunct="1">
+                <a:spcBef>
+                  <a:spcPct val="20000"/>
+                </a:spcBef>
+                <a:buFont typeface="Arial"/>
+                <a:buNone/>
+                <a:defRPr sz="4800" kern="1200">
+                  <a:solidFill>
+                    <a:schemeClr val="tx1">
+                      <a:tint val="75000"/>
+                    </a:schemeClr>
+                  </a:solidFill>
+                  <a:latin typeface="+mn-lt"/>
+                  <a:ea typeface="+mn-ea"/>
+                  <a:cs typeface="+mn-cs"/>
+                </a:defRPr>
+              </a:lvl8pPr>
+              <a:lvl9pPr marL="8701091" indent="0" algn="ctr" defTabSz="1087636" rtl="0" eaLnBrk="1" latinLnBrk="0" hangingPunct="1">
+                <a:spcBef>
+                  <a:spcPct val="20000"/>
+                </a:spcBef>
+                <a:buFont typeface="Arial"/>
+                <a:buNone/>
+                <a:defRPr sz="4800" kern="1200">
+                  <a:solidFill>
+                    <a:schemeClr val="tx1">
+                      <a:tint val="75000"/>
+                    </a:schemeClr>
+                  </a:solidFill>
+                  <a:latin typeface="+mn-lt"/>
+                  <a:ea typeface="+mn-ea"/>
+                  <a:cs typeface="+mn-cs"/>
+                </a:defRPr>
+              </a:lvl9pPr>
+            </a:lstStyle>
+            <a:p>
+              <a:pPr algn="l"/>
+              <a:r>
+                <a:rPr lang="ru-RU" sz="2800" dirty="0">
+                  <a:solidFill>
+                    <a:schemeClr val="tx1"/>
+                  </a:solidFill>
+                  <a:latin typeface="+mn-lt"/>
+                  <a:ea typeface="Open Sans Extrabold" panose="020B0906030804020204" pitchFamily="34" charset="0"/>
+                  <a:cs typeface="Open Sans Extrabold" panose="020B0906030804020204" pitchFamily="34" charset="0"/>
+                </a:rPr>
+                <a:t>Скриншоты</a:t>
+              </a:r>
+              <a:endParaRPr lang="en-US" sz="2800" dirty="0">
+                <a:solidFill>
+                  <a:schemeClr val="tx1"/>
+                </a:solidFill>
+                <a:latin typeface="+mn-lt"/>
+                <a:ea typeface="Open Sans Extrabold" panose="020B0906030804020204" pitchFamily="34" charset="0"/>
+                <a:cs typeface="Open Sans Extrabold" panose="020B0906030804020204" pitchFamily="34" charset="0"/>
+              </a:endParaRPr>
+            </a:p>
+          </p:txBody>
+        </p:sp>
+      </p:grpSp>
+      <p:pic>
+        <p:nvPicPr>
+          <p:cNvPr id="10" name="Рисунок 9">
+            <a:extLst>
+              <a:ext uri="{FF2B5EF4-FFF2-40B4-BE49-F238E27FC236}">
+                <a16:creationId xmlns:a16="http://schemas.microsoft.com/office/drawing/2014/main" id="{21FC784B-D67E-432F-B969-535E6DA99511}"/>
+              </a:ext>
+            </a:extLst>
+          </p:cNvPr>
+          <p:cNvPicPr>
+            <a:picLocks noChangeAspect="1"/>
+          </p:cNvPicPr>
+          <p:nvPr/>
+        </p:nvPicPr>
+        <p:blipFill>
+          <a:blip r:embed="rId3">
+            <a:extLst>
+              <a:ext uri="{28A0092B-C50C-407E-A947-70E740481C1C}">
+                <a14:useLocalDpi xmlns:a14="http://schemas.microsoft.com/office/drawing/2010/main" val="0"/>
+              </a:ext>
+            </a:extLst>
+          </a:blip>
+          <a:stretch>
+            <a:fillRect/>
+          </a:stretch>
+        </p:blipFill>
+        <p:spPr>
+          <a:xfrm>
+            <a:off x="3210428" y="2387041"/>
+            <a:ext cx="5489790" cy="10979580"/>
+          </a:xfrm>
+          <a:prstGeom prst="rect">
+            <a:avLst/>
+          </a:prstGeom>
+        </p:spPr>
+      </p:pic>
+      <p:pic>
+        <p:nvPicPr>
+          <p:cNvPr id="12" name="Рисунок 11">
+            <a:extLst>
+              <a:ext uri="{FF2B5EF4-FFF2-40B4-BE49-F238E27FC236}">
+                <a16:creationId xmlns:a16="http://schemas.microsoft.com/office/drawing/2014/main" id="{6232E125-5137-45EB-8BA7-13183B53416D}"/>
+              </a:ext>
+            </a:extLst>
+          </p:cNvPr>
+          <p:cNvPicPr>
+            <a:picLocks noChangeAspect="1"/>
+          </p:cNvPicPr>
+          <p:nvPr/>
+        </p:nvPicPr>
+        <p:blipFill>
+          <a:blip r:embed="rId4">
+            <a:extLst>
+              <a:ext uri="{28A0092B-C50C-407E-A947-70E740481C1C}">
+                <a14:useLocalDpi xmlns:a14="http://schemas.microsoft.com/office/drawing/2010/main" val="0"/>
+              </a:ext>
+            </a:extLst>
+          </a:blip>
+          <a:stretch>
+            <a:fillRect/>
+          </a:stretch>
+        </p:blipFill>
+        <p:spPr>
+          <a:xfrm>
+            <a:off x="9443930" y="2387041"/>
+            <a:ext cx="5489790" cy="10979580"/>
+          </a:xfrm>
+          <a:prstGeom prst="rect">
+            <a:avLst/>
+          </a:prstGeom>
+        </p:spPr>
+      </p:pic>
+      <p:pic>
+        <p:nvPicPr>
+          <p:cNvPr id="14" name="Рисунок 13">
+            <a:extLst>
+              <a:ext uri="{FF2B5EF4-FFF2-40B4-BE49-F238E27FC236}">
+                <a16:creationId xmlns:a16="http://schemas.microsoft.com/office/drawing/2014/main" id="{A28748D7-4C76-4039-8BD1-D159F83B1AEA}"/>
+              </a:ext>
+            </a:extLst>
+          </p:cNvPr>
+          <p:cNvPicPr>
+            <a:picLocks noChangeAspect="1"/>
+          </p:cNvPicPr>
+          <p:nvPr/>
+        </p:nvPicPr>
+        <p:blipFill>
+          <a:blip r:embed="rId5">
+            <a:extLst>
+              <a:ext uri="{28A0092B-C50C-407E-A947-70E740481C1C}">
+                <a14:useLocalDpi xmlns:a14="http://schemas.microsoft.com/office/drawing/2010/main" val="0"/>
+              </a:ext>
+            </a:extLst>
+          </a:blip>
+          <a:stretch>
+            <a:fillRect/>
+          </a:stretch>
+        </p:blipFill>
+        <p:spPr>
+          <a:xfrm>
+            <a:off x="15677432" y="2387041"/>
+            <a:ext cx="5489790" cy="10979580"/>
+          </a:xfrm>
+          <a:prstGeom prst="rect">
+            <a:avLst/>
+          </a:prstGeom>
+        </p:spPr>
+      </p:pic>
     </p:spTree>
     <p:extLst>
       <p:ext uri="{BB962C8B-B14F-4D97-AF65-F5344CB8AC3E}">
-        <p14:creationId xmlns:p14="http://schemas.microsoft.com/office/powerpoint/2010/main" val="3036863644"/>
+        <p14:creationId xmlns:p14="http://schemas.microsoft.com/office/powerpoint/2010/main" val="1611131657"/>
       </p:ext>
     </p:extLst>
   </p:cSld>
@@ -5116,60 +7045,408 @@
           </a:p>
         </p:txBody>
       </p:sp>
-      <p:sp>
-        <p:nvSpPr>
-          <p:cNvPr id="11" name="TextBox 10">
+      <p:grpSp>
+        <p:nvGrpSpPr>
+          <p:cNvPr id="6" name="Group 19">
             <a:extLst>
               <a:ext uri="{FF2B5EF4-FFF2-40B4-BE49-F238E27FC236}">
-                <a16:creationId xmlns:a16="http://schemas.microsoft.com/office/drawing/2014/main" id="{056E3259-8AA5-42B8-BCCB-9AEAC2DD94E7}"/>
+                <a16:creationId xmlns:a16="http://schemas.microsoft.com/office/drawing/2014/main" id="{BA0997E1-7C69-4373-9050-CFA5F99735DF}"/>
               </a:ext>
             </a:extLst>
           </p:cNvPr>
-          <p:cNvSpPr txBox="1"/>
+          <p:cNvGrpSpPr/>
           <p:nvPr/>
-        </p:nvSpPr>
-        <p:spPr>
-          <a:xfrm>
-            <a:off x="1704302" y="692814"/>
-            <a:ext cx="10428322" cy="1200310"/>
-          </a:xfrm>
-          <a:prstGeom prst="rect">
-            <a:avLst/>
-          </a:prstGeom>
-          <a:noFill/>
-        </p:spPr>
-        <p:txBody>
-          <a:bodyPr wrap="square" lIns="91422" tIns="45711" rIns="91422" bIns="45711" rtlCol="0">
-            <a:spAutoFit/>
-          </a:bodyPr>
-          <a:lstStyle/>
-          <a:p>
-            <a:r>
-              <a:rPr lang="ru-RU" sz="7200" b="1" dirty="0">
+        </p:nvGrpSpPr>
+        <p:grpSpPr>
+          <a:xfrm>
+            <a:off x="1621064" y="601374"/>
+            <a:ext cx="11948632" cy="2308306"/>
+            <a:chOff x="9407582" y="560721"/>
+            <a:chExt cx="12458354" cy="2308306"/>
+          </a:xfrm>
+        </p:grpSpPr>
+        <p:sp>
+          <p:nvSpPr>
+            <p:cNvPr id="7" name="TextBox 6">
+              <a:extLst>
+                <a:ext uri="{FF2B5EF4-FFF2-40B4-BE49-F238E27FC236}">
+                  <a16:creationId xmlns:a16="http://schemas.microsoft.com/office/drawing/2014/main" id="{B168E8DE-BD25-4D6B-82A3-4F2481D24016}"/>
+                </a:ext>
+              </a:extLst>
+            </p:cNvPr>
+            <p:cNvSpPr txBox="1"/>
+            <p:nvPr/>
+          </p:nvSpPr>
+          <p:spPr>
+            <a:xfrm>
+              <a:off x="9506236" y="560721"/>
+              <a:ext cx="12359700" cy="2308306"/>
+            </a:xfrm>
+            <a:prstGeom prst="rect">
+              <a:avLst/>
+            </a:prstGeom>
+            <a:noFill/>
+          </p:spPr>
+          <p:txBody>
+            <a:bodyPr wrap="square" lIns="91422" tIns="45711" rIns="91422" bIns="45711" rtlCol="0">
+              <a:spAutoFit/>
+            </a:bodyPr>
+            <a:lstStyle/>
+            <a:p>
+              <a:r>
+                <a:rPr lang="ru-RU" sz="7200" b="1" dirty="0">
+                  <a:solidFill>
+                    <a:schemeClr val="tx2"/>
+                  </a:solidFill>
+                  <a:latin typeface="+mj-lt"/>
+                  <a:ea typeface="Open Sans Extrabold" panose="020B0906030804020204" pitchFamily="34" charset="0"/>
+                  <a:cs typeface="Open Sans Extrabold" panose="020B0906030804020204" pitchFamily="34" charset="0"/>
+                </a:rPr>
+                <a:t>ТЕХНИЧЕСКОЕ РЕШЕНИЕ</a:t>
+              </a:r>
+              <a:endParaRPr lang="id-ID" sz="7200" dirty="0">
                 <a:solidFill>
                   <a:schemeClr val="tx2"/>
                 </a:solidFill>
                 <a:latin typeface="+mj-lt"/>
                 <a:ea typeface="Open Sans Extrabold" panose="020B0906030804020204" pitchFamily="34" charset="0"/>
                 <a:cs typeface="Open Sans Extrabold" panose="020B0906030804020204" pitchFamily="34" charset="0"/>
-              </a:rPr>
-              <a:t>БИЗНЕС_МОДЕЛЬ</a:t>
-            </a:r>
-            <a:endParaRPr lang="id-ID" sz="7200" dirty="0">
-              <a:solidFill>
-                <a:schemeClr val="tx2"/>
-              </a:solidFill>
-              <a:latin typeface="+mj-lt"/>
-              <a:ea typeface="Open Sans Extrabold" panose="020B0906030804020204" pitchFamily="34" charset="0"/>
-              <a:cs typeface="Open Sans Extrabold" panose="020B0906030804020204" pitchFamily="34" charset="0"/>
-            </a:endParaRPr>
-          </a:p>
-        </p:txBody>
-      </p:sp>
+              </a:endParaRPr>
+            </a:p>
+          </p:txBody>
+        </p:sp>
+        <p:sp>
+          <p:nvSpPr>
+            <p:cNvPr id="8" name="Subtitle 2">
+              <a:extLst>
+                <a:ext uri="{FF2B5EF4-FFF2-40B4-BE49-F238E27FC236}">
+                  <a16:creationId xmlns:a16="http://schemas.microsoft.com/office/drawing/2014/main" id="{F2939C73-FA51-4A53-AAC6-AC8354C7D2DF}"/>
+                </a:ext>
+              </a:extLst>
+            </p:cNvPr>
+            <p:cNvSpPr txBox="1">
+              <a:spLocks/>
+            </p:cNvSpPr>
+            <p:nvPr/>
+          </p:nvSpPr>
+          <p:spPr>
+            <a:xfrm>
+              <a:off x="9407582" y="1507272"/>
+              <a:ext cx="11655184" cy="839116"/>
+            </a:xfrm>
+            <a:prstGeom prst="rect">
+              <a:avLst/>
+            </a:prstGeom>
+          </p:spPr>
+          <p:txBody>
+            <a:bodyPr vert="horz" lIns="217490" tIns="108745" rIns="217490" bIns="108745" rtlCol="0">
+              <a:noAutofit/>
+            </a:bodyPr>
+            <a:lstStyle>
+              <a:lvl1pPr marL="0" indent="0" algn="ctr" defTabSz="1087636" rtl="0" eaLnBrk="1" latinLnBrk="0" hangingPunct="1">
+                <a:lnSpc>
+                  <a:spcPct val="120000"/>
+                </a:lnSpc>
+                <a:spcBef>
+                  <a:spcPct val="20000"/>
+                </a:spcBef>
+                <a:buFont typeface="Arial"/>
+                <a:buNone/>
+                <a:defRPr sz="2400" kern="1200">
+                  <a:solidFill>
+                    <a:schemeClr val="tx2"/>
+                  </a:solidFill>
+                  <a:latin typeface="Open Sans Light"/>
+                  <a:ea typeface="+mn-ea"/>
+                  <a:cs typeface="Open Sans Light"/>
+                </a:defRPr>
+              </a:lvl1pPr>
+              <a:lvl2pPr marL="1087636" indent="0" algn="ctr" defTabSz="1087636" rtl="0" eaLnBrk="1" latinLnBrk="0" hangingPunct="1">
+                <a:lnSpc>
+                  <a:spcPct val="130000"/>
+                </a:lnSpc>
+                <a:spcBef>
+                  <a:spcPct val="20000"/>
+                </a:spcBef>
+                <a:buFont typeface="Arial"/>
+                <a:buNone/>
+                <a:defRPr sz="3200" kern="1200">
+                  <a:solidFill>
+                    <a:schemeClr val="tx1">
+                      <a:tint val="75000"/>
+                    </a:schemeClr>
+                  </a:solidFill>
+                  <a:latin typeface="Open Sans"/>
+                  <a:ea typeface="+mn-ea"/>
+                  <a:cs typeface="Open Sans"/>
+                </a:defRPr>
+              </a:lvl2pPr>
+              <a:lvl3pPr marL="2175271" indent="0" algn="ctr" defTabSz="1087636" rtl="0" eaLnBrk="1" latinLnBrk="0" hangingPunct="1">
+                <a:lnSpc>
+                  <a:spcPct val="130000"/>
+                </a:lnSpc>
+                <a:spcBef>
+                  <a:spcPct val="20000"/>
+                </a:spcBef>
+                <a:buFont typeface="Arial"/>
+                <a:buNone/>
+                <a:defRPr sz="3200" kern="1200">
+                  <a:solidFill>
+                    <a:schemeClr val="tx1">
+                      <a:tint val="75000"/>
+                    </a:schemeClr>
+                  </a:solidFill>
+                  <a:latin typeface="Open Sans"/>
+                  <a:ea typeface="+mn-ea"/>
+                  <a:cs typeface="Open Sans"/>
+                </a:defRPr>
+              </a:lvl3pPr>
+              <a:lvl4pPr marL="3262912" indent="0" algn="ctr" defTabSz="1087636" rtl="0" eaLnBrk="1" latinLnBrk="0" hangingPunct="1">
+                <a:lnSpc>
+                  <a:spcPct val="130000"/>
+                </a:lnSpc>
+                <a:spcBef>
+                  <a:spcPct val="20000"/>
+                </a:spcBef>
+                <a:buFont typeface="Arial"/>
+                <a:buNone/>
+                <a:defRPr sz="3200" kern="1200">
+                  <a:solidFill>
+                    <a:schemeClr val="tx1">
+                      <a:tint val="75000"/>
+                    </a:schemeClr>
+                  </a:solidFill>
+                  <a:latin typeface="Open Sans"/>
+                  <a:ea typeface="+mn-ea"/>
+                  <a:cs typeface="Open Sans"/>
+                </a:defRPr>
+              </a:lvl4pPr>
+              <a:lvl5pPr marL="4350546" indent="0" algn="ctr" defTabSz="1087636" rtl="0" eaLnBrk="1" latinLnBrk="0" hangingPunct="1">
+                <a:lnSpc>
+                  <a:spcPct val="130000"/>
+                </a:lnSpc>
+                <a:spcBef>
+                  <a:spcPct val="20000"/>
+                </a:spcBef>
+                <a:buFont typeface="Arial"/>
+                <a:buNone/>
+                <a:defRPr sz="3200" kern="1200">
+                  <a:solidFill>
+                    <a:schemeClr val="tx1">
+                      <a:tint val="75000"/>
+                    </a:schemeClr>
+                  </a:solidFill>
+                  <a:latin typeface="Open Sans"/>
+                  <a:ea typeface="+mn-ea"/>
+                  <a:cs typeface="Open Sans"/>
+                </a:defRPr>
+              </a:lvl5pPr>
+              <a:lvl6pPr marL="5438184" indent="0" algn="ctr" defTabSz="1087636" rtl="0" eaLnBrk="1" latinLnBrk="0" hangingPunct="1">
+                <a:spcBef>
+                  <a:spcPct val="20000"/>
+                </a:spcBef>
+                <a:buFont typeface="Arial"/>
+                <a:buNone/>
+                <a:defRPr sz="4800" kern="1200">
+                  <a:solidFill>
+                    <a:schemeClr val="tx1">
+                      <a:tint val="75000"/>
+                    </a:schemeClr>
+                  </a:solidFill>
+                  <a:latin typeface="+mn-lt"/>
+                  <a:ea typeface="+mn-ea"/>
+                  <a:cs typeface="+mn-cs"/>
+                </a:defRPr>
+              </a:lvl6pPr>
+              <a:lvl7pPr marL="6525820" indent="0" algn="ctr" defTabSz="1087636" rtl="0" eaLnBrk="1" latinLnBrk="0" hangingPunct="1">
+                <a:spcBef>
+                  <a:spcPct val="20000"/>
+                </a:spcBef>
+                <a:buFont typeface="Arial"/>
+                <a:buNone/>
+                <a:defRPr sz="4800" kern="1200">
+                  <a:solidFill>
+                    <a:schemeClr val="tx1">
+                      <a:tint val="75000"/>
+                    </a:schemeClr>
+                  </a:solidFill>
+                  <a:latin typeface="+mn-lt"/>
+                  <a:ea typeface="+mn-ea"/>
+                  <a:cs typeface="+mn-cs"/>
+                </a:defRPr>
+              </a:lvl7pPr>
+              <a:lvl8pPr marL="7613455" indent="0" algn="ctr" defTabSz="1087636" rtl="0" eaLnBrk="1" latinLnBrk="0" hangingPunct="1">
+                <a:spcBef>
+                  <a:spcPct val="20000"/>
+                </a:spcBef>
+                <a:buFont typeface="Arial"/>
+                <a:buNone/>
+                <a:defRPr sz="4800" kern="1200">
+                  <a:solidFill>
+                    <a:schemeClr val="tx1">
+                      <a:tint val="75000"/>
+                    </a:schemeClr>
+                  </a:solidFill>
+                  <a:latin typeface="+mn-lt"/>
+                  <a:ea typeface="+mn-ea"/>
+                  <a:cs typeface="+mn-cs"/>
+                </a:defRPr>
+              </a:lvl8pPr>
+              <a:lvl9pPr marL="8701091" indent="0" algn="ctr" defTabSz="1087636" rtl="0" eaLnBrk="1" latinLnBrk="0" hangingPunct="1">
+                <a:spcBef>
+                  <a:spcPct val="20000"/>
+                </a:spcBef>
+                <a:buFont typeface="Arial"/>
+                <a:buNone/>
+                <a:defRPr sz="4800" kern="1200">
+                  <a:solidFill>
+                    <a:schemeClr val="tx1">
+                      <a:tint val="75000"/>
+                    </a:schemeClr>
+                  </a:solidFill>
+                  <a:latin typeface="+mn-lt"/>
+                  <a:ea typeface="+mn-ea"/>
+                  <a:cs typeface="+mn-cs"/>
+                </a:defRPr>
+              </a:lvl9pPr>
+            </a:lstStyle>
+            <a:p>
+              <a:pPr algn="l"/>
+              <a:r>
+                <a:rPr lang="ru-RU" sz="2800" dirty="0">
+                  <a:solidFill>
+                    <a:schemeClr val="tx1"/>
+                  </a:solidFill>
+                  <a:latin typeface="+mn-lt"/>
+                  <a:ea typeface="Open Sans Extrabold" panose="020B0906030804020204" pitchFamily="34" charset="0"/>
+                  <a:cs typeface="Open Sans Extrabold" panose="020B0906030804020204" pitchFamily="34" charset="0"/>
+                </a:rPr>
+                <a:t>Скриншоты</a:t>
+              </a:r>
+              <a:endParaRPr lang="en-US" sz="2800" dirty="0">
+                <a:solidFill>
+                  <a:schemeClr val="tx1"/>
+                </a:solidFill>
+                <a:latin typeface="+mn-lt"/>
+                <a:ea typeface="Open Sans Extrabold" panose="020B0906030804020204" pitchFamily="34" charset="0"/>
+                <a:cs typeface="Open Sans Extrabold" panose="020B0906030804020204" pitchFamily="34" charset="0"/>
+              </a:endParaRPr>
+            </a:p>
+          </p:txBody>
+        </p:sp>
+      </p:grpSp>
+      <p:pic>
+        <p:nvPicPr>
+          <p:cNvPr id="4" name="Рисунок 3">
+            <a:extLst>
+              <a:ext uri="{FF2B5EF4-FFF2-40B4-BE49-F238E27FC236}">
+                <a16:creationId xmlns:a16="http://schemas.microsoft.com/office/drawing/2014/main" id="{4E2E67C3-1BE4-493D-922B-00F1C296F7C3}"/>
+              </a:ext>
+            </a:extLst>
+          </p:cNvPr>
+          <p:cNvPicPr>
+            <a:picLocks noChangeAspect="1"/>
+          </p:cNvPicPr>
+          <p:nvPr/>
+        </p:nvPicPr>
+        <p:blipFill>
+          <a:blip r:embed="rId3">
+            <a:extLst>
+              <a:ext uri="{28A0092B-C50C-407E-A947-70E740481C1C}">
+                <a14:useLocalDpi xmlns:a14="http://schemas.microsoft.com/office/drawing/2010/main" val="0"/>
+              </a:ext>
+            </a:extLst>
+          </a:blip>
+          <a:stretch>
+            <a:fillRect/>
+          </a:stretch>
+        </p:blipFill>
+        <p:spPr>
+          <a:xfrm>
+            <a:off x="3178005" y="2387040"/>
+            <a:ext cx="5489790" cy="10979579"/>
+          </a:xfrm>
+          <a:prstGeom prst="rect">
+            <a:avLst/>
+          </a:prstGeom>
+        </p:spPr>
+      </p:pic>
+      <p:pic>
+        <p:nvPicPr>
+          <p:cNvPr id="9" name="Рисунок 8">
+            <a:extLst>
+              <a:ext uri="{FF2B5EF4-FFF2-40B4-BE49-F238E27FC236}">
+                <a16:creationId xmlns:a16="http://schemas.microsoft.com/office/drawing/2014/main" id="{77BAA21F-2823-4102-B9CE-BE4D02F1447D}"/>
+              </a:ext>
+            </a:extLst>
+          </p:cNvPr>
+          <p:cNvPicPr>
+            <a:picLocks noChangeAspect="1"/>
+          </p:cNvPicPr>
+          <p:nvPr/>
+        </p:nvPicPr>
+        <p:blipFill>
+          <a:blip r:embed="rId4">
+            <a:extLst>
+              <a:ext uri="{28A0092B-C50C-407E-A947-70E740481C1C}">
+                <a14:useLocalDpi xmlns:a14="http://schemas.microsoft.com/office/drawing/2010/main" val="0"/>
+              </a:ext>
+            </a:extLst>
+          </a:blip>
+          <a:stretch>
+            <a:fillRect/>
+          </a:stretch>
+        </p:blipFill>
+        <p:spPr>
+          <a:xfrm>
+            <a:off x="15709855" y="2387040"/>
+            <a:ext cx="5489790" cy="10979580"/>
+          </a:xfrm>
+          <a:prstGeom prst="rect">
+            <a:avLst/>
+          </a:prstGeom>
+        </p:spPr>
+      </p:pic>
+      <p:pic>
+        <p:nvPicPr>
+          <p:cNvPr id="13" name="Рисунок 12">
+            <a:extLst>
+              <a:ext uri="{FF2B5EF4-FFF2-40B4-BE49-F238E27FC236}">
+                <a16:creationId xmlns:a16="http://schemas.microsoft.com/office/drawing/2014/main" id="{BD42E822-E46A-4CEF-93E6-79D911F9D873}"/>
+              </a:ext>
+            </a:extLst>
+          </p:cNvPr>
+          <p:cNvPicPr>
+            <a:picLocks noChangeAspect="1"/>
+          </p:cNvPicPr>
+          <p:nvPr/>
+        </p:nvPicPr>
+        <p:blipFill>
+          <a:blip r:embed="rId5">
+            <a:extLst>
+              <a:ext uri="{28A0092B-C50C-407E-A947-70E740481C1C}">
+                <a14:useLocalDpi xmlns:a14="http://schemas.microsoft.com/office/drawing/2010/main" val="0"/>
+              </a:ext>
+            </a:extLst>
+          </a:blip>
+          <a:stretch>
+            <a:fillRect/>
+          </a:stretch>
+        </p:blipFill>
+        <p:spPr>
+          <a:xfrm>
+            <a:off x="9437071" y="2359603"/>
+            <a:ext cx="5503508" cy="11007016"/>
+          </a:xfrm>
+          <a:prstGeom prst="rect">
+            <a:avLst/>
+          </a:prstGeom>
+        </p:spPr>
+      </p:pic>
     </p:spTree>
     <p:extLst>
       <p:ext uri="{BB962C8B-B14F-4D97-AF65-F5344CB8AC3E}">
-        <p14:creationId xmlns:p14="http://schemas.microsoft.com/office/powerpoint/2010/main" val="4212573973"/>
+        <p14:creationId xmlns:p14="http://schemas.microsoft.com/office/powerpoint/2010/main" val="2325728917"/>
       </p:ext>
     </p:extLst>
   </p:cSld>
@@ -5233,8 +7510,8 @@
         </p:nvSpPr>
         <p:spPr>
           <a:xfrm>
-            <a:off x="1704301" y="692814"/>
-            <a:ext cx="12858365" cy="1200310"/>
+            <a:off x="1704302" y="692814"/>
+            <a:ext cx="15567698" cy="1200310"/>
           </a:xfrm>
           <a:prstGeom prst="rect">
             <a:avLst/>
@@ -5256,7 +7533,7 @@
                 <a:ea typeface="Open Sans Extrabold" panose="020B0906030804020204" pitchFamily="34" charset="0"/>
                 <a:cs typeface="Open Sans Extrabold" panose="020B0906030804020204" pitchFamily="34" charset="0"/>
               </a:rPr>
-              <a:t>СОЦИАЛЬНАЯ ЗНАЧИМОСТЬ</a:t>
+              <a:t>КОНКУРЕНТНОЕ ПРЕИМУЩЕСТВО</a:t>
             </a:r>
             <a:endParaRPr lang="id-ID" sz="7200" dirty="0">
               <a:solidFill>
@@ -5272,7 +7549,7 @@
     </p:spTree>
     <p:extLst>
       <p:ext uri="{BB962C8B-B14F-4D97-AF65-F5344CB8AC3E}">
-        <p14:creationId xmlns:p14="http://schemas.microsoft.com/office/powerpoint/2010/main" val="3645427781"/>
+        <p14:creationId xmlns:p14="http://schemas.microsoft.com/office/powerpoint/2010/main" val="1170195722"/>
       </p:ext>
     </p:extLst>
   </p:cSld>
@@ -5359,7 +7636,7 @@
                 <a:ea typeface="Open Sans Extrabold" panose="020B0906030804020204" pitchFamily="34" charset="0"/>
                 <a:cs typeface="Open Sans Extrabold" panose="020B0906030804020204" pitchFamily="34" charset="0"/>
               </a:rPr>
-              <a:t>СЛАБЫЕ МЕСТА</a:t>
+              <a:t>МАСШТАБИРУЕМОСТЬ</a:t>
             </a:r>
             <a:endParaRPr lang="id-ID" sz="7200" dirty="0">
               <a:solidFill>
@@ -5375,7 +7652,7 @@
     </p:spTree>
     <p:extLst>
       <p:ext uri="{BB962C8B-B14F-4D97-AF65-F5344CB8AC3E}">
-        <p14:creationId xmlns:p14="http://schemas.microsoft.com/office/powerpoint/2010/main" val="2093918399"/>
+        <p14:creationId xmlns:p14="http://schemas.microsoft.com/office/powerpoint/2010/main" val="3036863644"/>
       </p:ext>
     </p:extLst>
   </p:cSld>

--- a/Презентация Выйти из IT.pptx
+++ b/Презентация Выйти из IT.pptx
@@ -6922,10 +6922,10 @@
       </p:pic>
       <p:pic>
         <p:nvPicPr>
-          <p:cNvPr id="12" name="Рисунок 11">
+          <p:cNvPr id="14" name="Рисунок 13">
             <a:extLst>
               <a:ext uri="{FF2B5EF4-FFF2-40B4-BE49-F238E27FC236}">
-                <a16:creationId xmlns:a16="http://schemas.microsoft.com/office/drawing/2014/main" id="{6232E125-5137-45EB-8BA7-13183B53416D}"/>
+                <a16:creationId xmlns:a16="http://schemas.microsoft.com/office/drawing/2014/main" id="{A28748D7-4C76-4039-8BD1-D159F83B1AEA}"/>
               </a:ext>
             </a:extLst>
           </p:cNvPr>
@@ -6948,7 +6948,7 @@
         </p:blipFill>
         <p:spPr>
           <a:xfrm>
-            <a:off x="9443930" y="2387041"/>
+            <a:off x="15677432" y="2387041"/>
             <a:ext cx="5489790" cy="10979580"/>
           </a:xfrm>
           <a:prstGeom prst="rect">
@@ -6958,10 +6958,10 @@
       </p:pic>
       <p:pic>
         <p:nvPicPr>
-          <p:cNvPr id="14" name="Рисунок 13">
+          <p:cNvPr id="4" name="Рисунок 3">
             <a:extLst>
               <a:ext uri="{FF2B5EF4-FFF2-40B4-BE49-F238E27FC236}">
-                <a16:creationId xmlns:a16="http://schemas.microsoft.com/office/drawing/2014/main" id="{A28748D7-4C76-4039-8BD1-D159F83B1AEA}"/>
+                <a16:creationId xmlns:a16="http://schemas.microsoft.com/office/drawing/2014/main" id="{11908505-721C-439C-AACF-AE2BB88A8E59}"/>
               </a:ext>
             </a:extLst>
           </p:cNvPr>
@@ -6984,8 +6984,8 @@
         </p:blipFill>
         <p:spPr>
           <a:xfrm>
-            <a:off x="15677432" y="2387041"/>
-            <a:ext cx="5489790" cy="10979580"/>
+            <a:off x="9443930" y="2387043"/>
+            <a:ext cx="5489789" cy="10979578"/>
           </a:xfrm>
           <a:prstGeom prst="rect">
             <a:avLst/>

--- a/Презентация Выйти из IT.pptx
+++ b/Презентация Выйти из IT.pptx
@@ -9,7 +9,7 @@
   </p:notesMasterIdLst>
   <p:sldIdLst>
     <p:sldId id="257" r:id="rId2"/>
-    <p:sldId id="286" r:id="rId3"/>
+    <p:sldId id="262" r:id="rId3"/>
     <p:sldId id="287" r:id="rId4"/>
     <p:sldId id="288" r:id="rId5"/>
     <p:sldId id="296" r:id="rId6"/>
@@ -838,16 +838,40 @@
             <p:ph type="sldImg"/>
           </p:nvPr>
         </p:nvSpPr>
+        <p:spPr>
+          <a:xfrm>
+            <a:off x="685800" y="1143000"/>
+            <a:ext cx="5486400" cy="3086100"/>
+          </a:xfrm>
+        </p:spPr>
+      </p:sp>
+      <p:sp>
+        <p:nvSpPr>
+          <p:cNvPr id="3" name="Notes Placeholder 2"/>
+          <p:cNvSpPr>
+            <a:spLocks noGrp="1"/>
+          </p:cNvSpPr>
+          <p:nvPr>
+            <p:ph type="body" idx="1"/>
+          </p:nvPr>
+        </p:nvSpPr>
         <p:spPr/>
-      </p:sp>
-      <p:sp>
-        <p:nvSpPr>
-          <p:cNvPr id="3" name="Notes Placeholder 2"/>
-          <p:cNvSpPr>
-            <a:spLocks noGrp="1"/>
-          </p:cNvSpPr>
-          <p:nvPr>
-            <p:ph type="body" idx="1"/>
+        <p:txBody>
+          <a:bodyPr/>
+          <a:lstStyle/>
+          <a:p>
+            <a:endParaRPr lang="en-GB" dirty="0"/>
+          </a:p>
+        </p:txBody>
+      </p:sp>
+      <p:sp>
+        <p:nvSpPr>
+          <p:cNvPr id="4" name="Slide Number Placeholder 3"/>
+          <p:cNvSpPr>
+            <a:spLocks noGrp="1"/>
+          </p:cNvSpPr>
+          <p:nvPr>
+            <p:ph type="sldNum" sz="quarter" idx="10"/>
           </p:nvPr>
         </p:nvSpPr>
         <p:spPr/>
@@ -855,26 +879,7 @@
           <a:bodyPr/>
           <a:lstStyle/>
           <a:p>
-            <a:endParaRPr lang="en-US" dirty="0"/>
-          </a:p>
-        </p:txBody>
-      </p:sp>
-      <p:sp>
-        <p:nvSpPr>
-          <p:cNvPr id="4" name="Slide Number Placeholder 3"/>
-          <p:cNvSpPr>
-            <a:spLocks noGrp="1"/>
-          </p:cNvSpPr>
-          <p:nvPr>
-            <p:ph type="sldNum" sz="quarter" idx="10"/>
-          </p:nvPr>
-        </p:nvSpPr>
-        <p:spPr/>
-        <p:txBody>
-          <a:bodyPr/>
-          <a:lstStyle/>
-          <a:p>
-            <a:fld id="{B22B48FC-AB47-4F5D-9725-BF22E783BCCD}" type="slidenum">
+            <a:fld id="{F9AE0C57-C421-458E-8787-9FE12760EAFB}" type="slidenum">
               <a:rPr lang="en-GB" smtClean="0"/>
               <a:t>2</a:t>
             </a:fld>
@@ -885,7 +890,7 @@
     </p:spTree>
     <p:extLst>
       <p:ext uri="{BB962C8B-B14F-4D97-AF65-F5344CB8AC3E}">
-        <p14:creationId xmlns:p14="http://schemas.microsoft.com/office/powerpoint/2010/main" val="1378289817"/>
+        <p14:creationId xmlns:p14="http://schemas.microsoft.com/office/powerpoint/2010/main" val="771168888"/>
       </p:ext>
     </p:extLst>
   </p:cSld>
@@ -2204,6 +2209,309 @@
     <p:extLst>
       <p:ext uri="{BB962C8B-B14F-4D97-AF65-F5344CB8AC3E}">
         <p14:creationId xmlns:p14="http://schemas.microsoft.com/office/powerpoint/2010/main" val="1690831341"/>
+      </p:ext>
+    </p:extLst>
+  </p:cSld>
+  <p:clrMapOvr>
+    <a:masterClrMapping/>
+  </p:clrMapOvr>
+  <mc:AlternateContent xmlns:mc="http://schemas.openxmlformats.org/markup-compatibility/2006" xmlns:p14="http://schemas.microsoft.com/office/powerpoint/2010/main">
+    <mc:Choice Requires="p14">
+      <p:transition p14:dur="10"/>
+    </mc:Choice>
+    <mc:Fallback xmlns="">
+      <p:transition/>
+    </mc:Fallback>
+  </mc:AlternateContent>
+</p:sldLayout>
+</file>
+
+<file path=ppt/slideLayouts/slideLayout13.xml><?xml version="1.0" encoding="utf-8"?>
+<p:sldLayout xmlns:a="http://schemas.openxmlformats.org/drawingml/2006/main" xmlns:r="http://schemas.openxmlformats.org/officeDocument/2006/relationships" xmlns:p="http://schemas.openxmlformats.org/presentationml/2006/main" userDrawn="1">
+  <p:cSld name="11_Left Img Layout">
+    <p:spTree>
+      <p:nvGrpSpPr>
+        <p:cNvPr id="1" name=""/>
+        <p:cNvGrpSpPr/>
+        <p:nvPr/>
+      </p:nvGrpSpPr>
+      <p:grpSpPr>
+        <a:xfrm>
+          <a:off x="0" y="0"/>
+          <a:ext cx="0" cy="0"/>
+          <a:chOff x="0" y="0"/>
+          <a:chExt cx="0" cy="0"/>
+        </a:xfrm>
+      </p:grpSpPr>
+      <p:sp>
+        <p:nvSpPr>
+          <p:cNvPr id="11" name="Picture Placeholder 10"/>
+          <p:cNvSpPr>
+            <a:spLocks noGrp="1"/>
+          </p:cNvSpPr>
+          <p:nvPr>
+            <p:ph type="pic" sz="quarter" idx="10"/>
+          </p:nvPr>
+        </p:nvSpPr>
+        <p:spPr>
+          <a:xfrm>
+            <a:off x="4" y="0"/>
+            <a:ext cx="14131420" cy="13716000"/>
+          </a:xfrm>
+          <a:custGeom>
+            <a:avLst/>
+            <a:gdLst>
+              <a:gd name="connsiteX0" fmla="*/ 2609873 w 8343900"/>
+              <a:gd name="connsiteY0" fmla="*/ 0 h 6858000"/>
+              <a:gd name="connsiteX1" fmla="*/ 8343900 w 8343900"/>
+              <a:gd name="connsiteY1" fmla="*/ 0 h 6858000"/>
+              <a:gd name="connsiteX2" fmla="*/ 5143477 w 8343900"/>
+              <a:gd name="connsiteY2" fmla="*/ 6858000 h 6858000"/>
+              <a:gd name="connsiteX3" fmla="*/ 0 w 8343900"/>
+              <a:gd name="connsiteY3" fmla="*/ 6858000 h 6858000"/>
+              <a:gd name="connsiteX4" fmla="*/ 0 w 8343900"/>
+              <a:gd name="connsiteY4" fmla="*/ 5592545 h 6858000"/>
+              <a:gd name="connsiteX5" fmla="*/ 0 w 8343900"/>
+              <a:gd name="connsiteY5" fmla="*/ 0 h 6858000"/>
+              <a:gd name="connsiteX6" fmla="*/ 2076450 w 8343900"/>
+              <a:gd name="connsiteY6" fmla="*/ 0 h 6858000"/>
+              <a:gd name="connsiteX7" fmla="*/ 0 w 8343900"/>
+              <a:gd name="connsiteY7" fmla="*/ 4449504 h 6858000"/>
+            </a:gdLst>
+            <a:ahLst/>
+            <a:cxnLst>
+              <a:cxn ang="0">
+                <a:pos x="connsiteX0" y="connsiteY0"/>
+              </a:cxn>
+              <a:cxn ang="0">
+                <a:pos x="connsiteX1" y="connsiteY1"/>
+              </a:cxn>
+              <a:cxn ang="0">
+                <a:pos x="connsiteX2" y="connsiteY2"/>
+              </a:cxn>
+              <a:cxn ang="0">
+                <a:pos x="connsiteX3" y="connsiteY3"/>
+              </a:cxn>
+              <a:cxn ang="0">
+                <a:pos x="connsiteX4" y="connsiteY4"/>
+              </a:cxn>
+              <a:cxn ang="0">
+                <a:pos x="connsiteX5" y="connsiteY5"/>
+              </a:cxn>
+              <a:cxn ang="0">
+                <a:pos x="connsiteX6" y="connsiteY6"/>
+              </a:cxn>
+              <a:cxn ang="0">
+                <a:pos x="connsiteX7" y="connsiteY7"/>
+              </a:cxn>
+            </a:cxnLst>
+            <a:rect l="l" t="t" r="r" b="b"/>
+            <a:pathLst>
+              <a:path w="8343900" h="6858000">
+                <a:moveTo>
+                  <a:pt x="2609873" y="0"/>
+                </a:moveTo>
+                <a:lnTo>
+                  <a:pt x="8343900" y="0"/>
+                </a:lnTo>
+                <a:lnTo>
+                  <a:pt x="5143477" y="6858000"/>
+                </a:lnTo>
+                <a:lnTo>
+                  <a:pt x="0" y="6858000"/>
+                </a:lnTo>
+                <a:lnTo>
+                  <a:pt x="0" y="5592545"/>
+                </a:lnTo>
+                <a:close/>
+                <a:moveTo>
+                  <a:pt x="0" y="0"/>
+                </a:moveTo>
+                <a:lnTo>
+                  <a:pt x="2076450" y="0"/>
+                </a:lnTo>
+                <a:lnTo>
+                  <a:pt x="0" y="4449504"/>
+                </a:lnTo>
+                <a:close/>
+              </a:path>
+            </a:pathLst>
+          </a:custGeom>
+          <a:solidFill>
+            <a:srgbClr val="88888A"/>
+          </a:solidFill>
+        </p:spPr>
+        <p:txBody>
+          <a:bodyPr wrap="square">
+            <a:noAutofit/>
+          </a:bodyPr>
+          <a:lstStyle>
+            <a:lvl1pPr marL="0" indent="0">
+              <a:buNone/>
+              <a:defRPr sz="3199">
+                <a:solidFill>
+                  <a:schemeClr val="bg2"/>
+                </a:solidFill>
+                <a:latin typeface="Open Sans Light" panose="020B0306030504020204" pitchFamily="34" charset="0"/>
+                <a:ea typeface="Open Sans Light" panose="020B0306030504020204" pitchFamily="34" charset="0"/>
+                <a:cs typeface="Open Sans Light" panose="020B0306030504020204" pitchFamily="34" charset="0"/>
+              </a:defRPr>
+            </a:lvl1pPr>
+          </a:lstStyle>
+          <a:p>
+            <a:endParaRPr lang="en-GB" dirty="0"/>
+          </a:p>
+        </p:txBody>
+      </p:sp>
+      <p:sp>
+        <p:nvSpPr>
+          <p:cNvPr id="12" name="Text Placeholder 9"/>
+          <p:cNvSpPr>
+            <a:spLocks noGrp="1"/>
+          </p:cNvSpPr>
+          <p:nvPr>
+            <p:ph type="body" sz="quarter" idx="11" hasCustomPrompt="1"/>
+          </p:nvPr>
+        </p:nvSpPr>
+        <p:spPr>
+          <a:xfrm>
+            <a:off x="14131421" y="1654631"/>
+            <a:ext cx="8608358" cy="3802744"/>
+          </a:xfrm>
+        </p:spPr>
+        <p:txBody>
+          <a:bodyPr lIns="360000" tIns="180000" rIns="360000" bIns="180000">
+            <a:normAutofit/>
+          </a:bodyPr>
+          <a:lstStyle>
+            <a:lvl1pPr marL="0" indent="0">
+              <a:spcBef>
+                <a:spcPts val="0"/>
+              </a:spcBef>
+              <a:buNone/>
+              <a:defRPr sz="9998" baseline="0">
+                <a:solidFill>
+                  <a:srgbClr val="88888A"/>
+                </a:solidFill>
+                <a:latin typeface="Open Sans Extrabold" panose="020B0906030804020204" pitchFamily="34" charset="0"/>
+                <a:ea typeface="Open Sans Extrabold" panose="020B0906030804020204" pitchFamily="34" charset="0"/>
+                <a:cs typeface="Open Sans Extrabold" panose="020B0906030804020204" pitchFamily="34" charset="0"/>
+              </a:defRPr>
+            </a:lvl1pPr>
+          </a:lstStyle>
+          <a:p>
+            <a:pPr lvl="0"/>
+            <a:r>
+              <a:rPr lang="en-GB" dirty="0"/>
+              <a:t>Title Here </a:t>
+            </a:r>
+          </a:p>
+        </p:txBody>
+      </p:sp>
+      <p:sp>
+        <p:nvSpPr>
+          <p:cNvPr id="13" name="Text Placeholder 9"/>
+          <p:cNvSpPr>
+            <a:spLocks noGrp="1"/>
+          </p:cNvSpPr>
+          <p:nvPr>
+            <p:ph type="body" sz="quarter" idx="12" hasCustomPrompt="1"/>
+          </p:nvPr>
+        </p:nvSpPr>
+        <p:spPr>
+          <a:xfrm>
+            <a:off x="14131421" y="6560457"/>
+            <a:ext cx="8608358" cy="6037944"/>
+          </a:xfrm>
+        </p:spPr>
+        <p:txBody>
+          <a:bodyPr lIns="360000" tIns="180000" rIns="360000" bIns="180000">
+            <a:normAutofit/>
+          </a:bodyPr>
+          <a:lstStyle>
+            <a:lvl1pPr marL="0" indent="0">
+              <a:lnSpc>
+                <a:spcPct val="110000"/>
+              </a:lnSpc>
+              <a:buNone/>
+              <a:defRPr sz="3199" baseline="0">
+                <a:solidFill>
+                  <a:srgbClr val="88888A"/>
+                </a:solidFill>
+                <a:latin typeface="+mj-lt"/>
+              </a:defRPr>
+            </a:lvl1pPr>
+          </a:lstStyle>
+          <a:p>
+            <a:pPr lvl="0"/>
+            <a:r>
+              <a:rPr lang="en-GB" dirty="0"/>
+              <a:t>Body Text Goes Here </a:t>
+            </a:r>
+          </a:p>
+        </p:txBody>
+      </p:sp>
+      <p:sp>
+        <p:nvSpPr>
+          <p:cNvPr id="2" name="Footer Placeholder 1"/>
+          <p:cNvSpPr>
+            <a:spLocks noGrp="1"/>
+          </p:cNvSpPr>
+          <p:nvPr>
+            <p:ph type="ftr" sz="quarter" idx="13"/>
+          </p:nvPr>
+        </p:nvSpPr>
+        <p:spPr/>
+        <p:txBody>
+          <a:bodyPr/>
+          <a:lstStyle/>
+          <a:p>
+            <a:r>
+              <a:rPr lang="en-GB" b="1" dirty="0">
+                <a:solidFill>
+                  <a:schemeClr val="tx1">
+                    <a:lumMod val="75000"/>
+                    <a:lumOff val="25000"/>
+                  </a:schemeClr>
+                </a:solidFill>
+              </a:rPr>
+              <a:t>ADVANT </a:t>
+            </a:r>
+            <a:r>
+              <a:rPr lang="en-GB" sz="2800" dirty="0"/>
+              <a:t>Multipurpose  Presentation 2017 </a:t>
+            </a:r>
+          </a:p>
+        </p:txBody>
+      </p:sp>
+      <p:sp>
+        <p:nvSpPr>
+          <p:cNvPr id="4" name="Slide Number Placeholder 3"/>
+          <p:cNvSpPr>
+            <a:spLocks noGrp="1"/>
+          </p:cNvSpPr>
+          <p:nvPr>
+            <p:ph type="sldNum" sz="quarter" idx="14"/>
+          </p:nvPr>
+        </p:nvSpPr>
+        <p:spPr/>
+        <p:txBody>
+          <a:bodyPr/>
+          <a:lstStyle/>
+          <a:p>
+            <a:fld id="{8C48FCF8-25E9-4F94-BC2B-FA1B572C1FF3}" type="slidenum">
+              <a:rPr lang="en-US" smtClean="0"/>
+              <a:pPr/>
+              <a:t>‹#›</a:t>
+            </a:fld>
+            <a:endParaRPr lang="en-US" dirty="0"/>
+          </a:p>
+        </p:txBody>
+      </p:sp>
+    </p:spTree>
+    <p:extLst>
+      <p:ext uri="{BB962C8B-B14F-4D97-AF65-F5344CB8AC3E}">
+        <p14:creationId xmlns:p14="http://schemas.microsoft.com/office/powerpoint/2010/main" val="4141649349"/>
       </p:ext>
     </p:extLst>
   </p:cSld>
@@ -4278,6 +4586,7 @@
     <p:sldLayoutId id="2147483670" r:id="rId10"/>
     <p:sldLayoutId id="2147483671" r:id="rId11"/>
     <p:sldLayoutId id="2147483677" r:id="rId12"/>
+    <p:sldLayoutId id="2147483678" r:id="rId13"/>
   </p:sldLayoutIdLst>
   <p:hf hdr="0" ftr="0" dt="0"/>
   <p:txStyles>
@@ -4566,6 +4875,14 @@
 <file path=ppt/slides/slide1.xml><?xml version="1.0" encoding="utf-8"?>
 <p:sld xmlns:a="http://schemas.openxmlformats.org/drawingml/2006/main" xmlns:r="http://schemas.openxmlformats.org/officeDocument/2006/relationships" xmlns:p="http://schemas.openxmlformats.org/presentationml/2006/main">
   <p:cSld>
+    <p:bg>
+      <p:bgPr>
+        <a:solidFill>
+          <a:schemeClr val="bg1"/>
+        </a:solidFill>
+        <a:effectLst/>
+      </p:bgPr>
+    </p:bg>
     <p:spTree>
       <p:nvGrpSpPr>
         <p:cNvPr id="1" name=""/>
@@ -4589,7 +4906,7 @@
         <p:spPr>
           <a:xfrm>
             <a:off x="5596296" y="6073170"/>
-            <a:ext cx="13185058" cy="1569660"/>
+            <a:ext cx="13185058" cy="1862048"/>
           </a:xfrm>
           <a:prstGeom prst="rect">
             <a:avLst/>
@@ -4604,12 +4921,12 @@
           <a:p>
             <a:pPr algn="ctr"/>
             <a:r>
-              <a:rPr lang="ru-RU" sz="9600" dirty="0">
+              <a:rPr lang="ru-RU" sz="11500" dirty="0">
                 <a:latin typeface="+mj-lt"/>
               </a:rPr>
               <a:t>МФЦ 56</a:t>
             </a:r>
-            <a:endParaRPr lang="en-US" sz="9600" dirty="0">
+            <a:endParaRPr lang="en-US" sz="11500" dirty="0">
               <a:latin typeface="+mj-lt"/>
             </a:endParaRPr>
           </a:p>
@@ -4623,8 +4940,8 @@
         </p:nvSpPr>
         <p:spPr>
           <a:xfrm>
-            <a:off x="5596296" y="8488844"/>
-            <a:ext cx="13185058" cy="830997"/>
+            <a:off x="5596295" y="9293516"/>
+            <a:ext cx="13185058" cy="1015663"/>
           </a:xfrm>
           <a:prstGeom prst="rect">
             <a:avLst/>
@@ -4639,13 +4956,18 @@
           <a:p>
             <a:pPr algn="ctr"/>
             <a:r>
-              <a:rPr lang="ru-RU" sz="4800" dirty="0"/>
-              <a:t>Выйти из </a:t>
-            </a:r>
-            <a:r>
-              <a:rPr lang="en-US" sz="4800" dirty="0"/>
+              <a:rPr lang="ru-RU" sz="6000" dirty="0"/>
+              <a:t>Команда «Выйти из </a:t>
+            </a:r>
+            <a:r>
+              <a:rPr lang="en-US" sz="6000" dirty="0"/>
               <a:t>IT</a:t>
             </a:r>
+            <a:r>
+              <a:rPr lang="ru-RU" sz="6000" dirty="0"/>
+              <a:t>»</a:t>
+            </a:r>
+            <a:endParaRPr lang="en-US" sz="6000" dirty="0"/>
           </a:p>
         </p:txBody>
       </p:sp>
@@ -4831,7 +5153,7 @@
         </p:blipFill>
         <p:spPr>
           <a:xfrm>
-            <a:off x="9750084" y="1195689"/>
+            <a:off x="9750083" y="1195689"/>
             <a:ext cx="4877481" cy="4877481"/>
           </a:xfrm>
           <a:prstGeom prst="rect">
@@ -5180,12 +5502,1370 @@
       </p:grpSpPr>
       <p:sp>
         <p:nvSpPr>
+          <p:cNvPr id="5" name="Oval 4"/>
+          <p:cNvSpPr/>
+          <p:nvPr/>
+        </p:nvSpPr>
+        <p:spPr>
+          <a:xfrm>
+            <a:off x="14942070" y="4734597"/>
+            <a:ext cx="1135187" cy="1135187"/>
+          </a:xfrm>
+          <a:prstGeom prst="ellipse">
+            <a:avLst/>
+          </a:prstGeom>
+          <a:solidFill>
+            <a:schemeClr val="accent5"/>
+          </a:solidFill>
+          <a:ln>
+            <a:noFill/>
+          </a:ln>
+        </p:spPr>
+        <p:style>
+          <a:lnRef idx="2">
+            <a:schemeClr val="accent1">
+              <a:shade val="50000"/>
+            </a:schemeClr>
+          </a:lnRef>
+          <a:fillRef idx="1">
+            <a:schemeClr val="accent1"/>
+          </a:fillRef>
+          <a:effectRef idx="0">
+            <a:schemeClr val="accent1"/>
+          </a:effectRef>
+          <a:fontRef idx="minor">
+            <a:schemeClr val="lt1"/>
+          </a:fontRef>
+        </p:style>
+        <p:txBody>
+          <a:bodyPr rtlCol="0" anchor="ctr"/>
+          <a:lstStyle/>
+          <a:p>
+            <a:pPr algn="ctr"/>
+            <a:endParaRPr lang="en-US" dirty="0"/>
+          </a:p>
+        </p:txBody>
+      </p:sp>
+      <p:sp>
+        <p:nvSpPr>
+          <p:cNvPr id="4" name="Parallelogram 3"/>
+          <p:cNvSpPr/>
+          <p:nvPr/>
+        </p:nvSpPr>
+        <p:spPr>
+          <a:xfrm>
+            <a:off x="8650" y="2230436"/>
+            <a:ext cx="13577114" cy="11506152"/>
+          </a:xfrm>
+          <a:prstGeom prst="parallelogram">
+            <a:avLst>
+              <a:gd name="adj" fmla="val 38882"/>
+            </a:avLst>
+          </a:prstGeom>
+          <a:gradFill>
+            <a:gsLst>
+              <a:gs pos="0">
+                <a:schemeClr val="accent4"/>
+              </a:gs>
+              <a:gs pos="100000">
+                <a:schemeClr val="accent5">
+                  <a:alpha val="86000"/>
+                </a:schemeClr>
+              </a:gs>
+            </a:gsLst>
+            <a:lin ang="0" scaled="1"/>
+          </a:gradFill>
+          <a:ln w="127000" cap="rnd">
+            <a:noFill/>
+          </a:ln>
+          <a:effectLst>
+            <a:outerShdw blurRad="101600" dist="139700" dir="8040000" sx="91000" sy="91000" algn="t" rotWithShape="0">
+              <a:prstClr val="black">
+                <a:alpha val="30000"/>
+              </a:prstClr>
+            </a:outerShdw>
+            <a:softEdge rad="0"/>
+          </a:effectLst>
+        </p:spPr>
+        <p:txBody>
+          <a:bodyPr vert="horz" lIns="91440" tIns="45720" rIns="91440" bIns="45720" rtlCol="0" anchor="ctr"/>
+          <a:lstStyle/>
+          <a:p>
+            <a:endParaRPr lang="en-GB" dirty="0">
+              <a:solidFill>
+                <a:schemeClr val="bg1"/>
+              </a:solidFill>
+            </a:endParaRPr>
+          </a:p>
+        </p:txBody>
+      </p:sp>
+      <p:sp>
+        <p:nvSpPr>
+          <p:cNvPr id="7" name="Text Placeholder 6"/>
+          <p:cNvSpPr>
+            <a:spLocks noGrp="1"/>
+          </p:cNvSpPr>
+          <p:nvPr>
+            <p:ph type="body" sz="quarter" idx="12"/>
+          </p:nvPr>
+        </p:nvSpPr>
+        <p:spPr>
+          <a:xfrm>
+            <a:off x="16077257" y="4550233"/>
+            <a:ext cx="7778763" cy="7296222"/>
+          </a:xfrm>
+        </p:spPr>
+        <p:txBody>
+          <a:bodyPr>
+            <a:noAutofit/>
+          </a:bodyPr>
+          <a:lstStyle/>
+          <a:p>
+            <a:pPr>
+              <a:lnSpc>
+                <a:spcPct val="110000"/>
+              </a:lnSpc>
+            </a:pPr>
+            <a:r>
+              <a:rPr lang="ru-RU" sz="5400" dirty="0">
+                <a:solidFill>
+                  <a:schemeClr val="tx1"/>
+                </a:solidFill>
+                <a:latin typeface="+mn-lt"/>
+              </a:rPr>
+              <a:t>Илья Фоменко</a:t>
+            </a:r>
+            <a:endParaRPr lang="en-GB" sz="5400" dirty="0">
+              <a:solidFill>
+                <a:schemeClr val="tx1"/>
+              </a:solidFill>
+              <a:latin typeface="+mn-lt"/>
+            </a:endParaRPr>
+          </a:p>
+          <a:p>
+            <a:pPr>
+              <a:lnSpc>
+                <a:spcPct val="110000"/>
+              </a:lnSpc>
+            </a:pPr>
+            <a:r>
+              <a:rPr lang="ru-RU" sz="3600" dirty="0">
+                <a:solidFill>
+                  <a:schemeClr val="tx1"/>
+                </a:solidFill>
+                <a:latin typeface="+mn-lt"/>
+              </a:rPr>
+              <a:t>мобильный разработчик, капитан команды</a:t>
+            </a:r>
+            <a:endParaRPr lang="en-GB" sz="3600" dirty="0">
+              <a:solidFill>
+                <a:schemeClr val="tx1"/>
+              </a:solidFill>
+              <a:latin typeface="+mn-lt"/>
+            </a:endParaRPr>
+          </a:p>
+          <a:p>
+            <a:pPr>
+              <a:lnSpc>
+                <a:spcPct val="110000"/>
+              </a:lnSpc>
+            </a:pPr>
+            <a:endParaRPr lang="en-GB" dirty="0">
+              <a:solidFill>
+                <a:schemeClr val="tx1"/>
+              </a:solidFill>
+              <a:latin typeface="+mn-lt"/>
+            </a:endParaRPr>
+          </a:p>
+          <a:p>
+            <a:pPr>
+              <a:lnSpc>
+                <a:spcPct val="110000"/>
+              </a:lnSpc>
+            </a:pPr>
+            <a:r>
+              <a:rPr lang="ru-RU" sz="5400" dirty="0">
+                <a:solidFill>
+                  <a:schemeClr val="tx1"/>
+                </a:solidFill>
+                <a:latin typeface="+mn-lt"/>
+              </a:rPr>
+              <a:t>Диана Исекенова</a:t>
+            </a:r>
+            <a:r>
+              <a:rPr lang="en-GB" sz="5400" dirty="0">
+                <a:solidFill>
+                  <a:schemeClr val="tx1"/>
+                </a:solidFill>
+                <a:latin typeface="+mn-lt"/>
+              </a:rPr>
+              <a:t> </a:t>
+            </a:r>
+          </a:p>
+          <a:p>
+            <a:pPr>
+              <a:lnSpc>
+                <a:spcPct val="110000"/>
+              </a:lnSpc>
+            </a:pPr>
+            <a:r>
+              <a:rPr lang="ru-RU" sz="3600" dirty="0">
+                <a:solidFill>
+                  <a:schemeClr val="tx1"/>
+                </a:solidFill>
+                <a:latin typeface="+mn-lt"/>
+              </a:rPr>
+              <a:t>дизайнер интерфейсов</a:t>
+            </a:r>
+            <a:endParaRPr lang="en-GB" sz="3600" dirty="0">
+              <a:solidFill>
+                <a:schemeClr val="tx1"/>
+              </a:solidFill>
+              <a:latin typeface="+mn-lt"/>
+            </a:endParaRPr>
+          </a:p>
+        </p:txBody>
+      </p:sp>
+      <p:sp>
+        <p:nvSpPr>
+          <p:cNvPr id="17" name="Parallelogram 16"/>
+          <p:cNvSpPr/>
+          <p:nvPr/>
+        </p:nvSpPr>
+        <p:spPr>
+          <a:xfrm>
+            <a:off x="8360161" y="7121511"/>
+            <a:ext cx="5746415" cy="6615077"/>
+          </a:xfrm>
+          <a:prstGeom prst="parallelogram">
+            <a:avLst>
+              <a:gd name="adj" fmla="val 46348"/>
+            </a:avLst>
+          </a:prstGeom>
+          <a:gradFill flip="none" rotWithShape="1">
+            <a:gsLst>
+              <a:gs pos="0">
+                <a:schemeClr val="accent4"/>
+              </a:gs>
+              <a:gs pos="100000">
+                <a:schemeClr val="accent5">
+                  <a:alpha val="22000"/>
+                </a:schemeClr>
+              </a:gs>
+            </a:gsLst>
+            <a:lin ang="0" scaled="1"/>
+            <a:tileRect/>
+          </a:gradFill>
+          <a:ln w="127000" cap="rnd">
+            <a:noFill/>
+          </a:ln>
+          <a:effectLst>
+            <a:outerShdw blurRad="101600" dist="139700" dir="8040000" sx="91000" sy="91000" algn="t" rotWithShape="0">
+              <a:prstClr val="black">
+                <a:alpha val="30000"/>
+              </a:prstClr>
+            </a:outerShdw>
+            <a:softEdge rad="0"/>
+          </a:effectLst>
+        </p:spPr>
+        <p:txBody>
+          <a:bodyPr vert="horz" lIns="91440" tIns="45720" rIns="91440" bIns="45720" rtlCol="0" anchor="ctr"/>
+          <a:lstStyle/>
+          <a:p>
+            <a:endParaRPr lang="en-GB" dirty="0">
+              <a:solidFill>
+                <a:schemeClr val="bg1"/>
+              </a:solidFill>
+            </a:endParaRPr>
+          </a:p>
+        </p:txBody>
+      </p:sp>
+      <p:grpSp>
+        <p:nvGrpSpPr>
+          <p:cNvPr id="25" name="Group 24"/>
+          <p:cNvGrpSpPr/>
+          <p:nvPr/>
+        </p:nvGrpSpPr>
+        <p:grpSpPr>
+          <a:xfrm>
+            <a:off x="15115019" y="4906221"/>
+            <a:ext cx="789289" cy="791938"/>
+            <a:chOff x="4906963" y="2173288"/>
+            <a:chExt cx="473075" cy="474663"/>
+          </a:xfrm>
+          <a:solidFill>
+            <a:schemeClr val="bg1"/>
+          </a:solidFill>
+        </p:grpSpPr>
+        <p:sp>
+          <p:nvSpPr>
+            <p:cNvPr id="26" name="Freeform 16"/>
+            <p:cNvSpPr>
+              <a:spLocks/>
+            </p:cNvSpPr>
+            <p:nvPr/>
+          </p:nvSpPr>
+          <p:spPr bwMode="auto">
+            <a:xfrm>
+              <a:off x="4938713" y="2473325"/>
+              <a:ext cx="142875" cy="141288"/>
+            </a:xfrm>
+            <a:custGeom>
+              <a:avLst/>
+              <a:gdLst>
+                <a:gd name="T0" fmla="*/ 40 w 67"/>
+                <a:gd name="T1" fmla="*/ 4 h 66"/>
+                <a:gd name="T2" fmla="*/ 35 w 67"/>
+                <a:gd name="T3" fmla="*/ 3 h 66"/>
+                <a:gd name="T4" fmla="*/ 9 w 67"/>
+                <a:gd name="T5" fmla="*/ 61 h 66"/>
+                <a:gd name="T6" fmla="*/ 64 w 67"/>
+                <a:gd name="T7" fmla="*/ 32 h 66"/>
+                <a:gd name="T8" fmla="*/ 63 w 67"/>
+                <a:gd name="T9" fmla="*/ 27 h 66"/>
+                <a:gd name="T10" fmla="*/ 40 w 67"/>
+                <a:gd name="T11" fmla="*/ 4 h 66"/>
+              </a:gdLst>
+              <a:ahLst/>
+              <a:cxnLst>
+                <a:cxn ang="0">
+                  <a:pos x="T0" y="T1"/>
+                </a:cxn>
+                <a:cxn ang="0">
+                  <a:pos x="T2" y="T3"/>
+                </a:cxn>
+                <a:cxn ang="0">
+                  <a:pos x="T4" y="T5"/>
+                </a:cxn>
+                <a:cxn ang="0">
+                  <a:pos x="T6" y="T7"/>
+                </a:cxn>
+                <a:cxn ang="0">
+                  <a:pos x="T8" y="T9"/>
+                </a:cxn>
+                <a:cxn ang="0">
+                  <a:pos x="T10" y="T11"/>
+                </a:cxn>
+              </a:cxnLst>
+              <a:rect l="0" t="0" r="r" b="b"/>
+              <a:pathLst>
+                <a:path w="67" h="66">
+                  <a:moveTo>
+                    <a:pt x="40" y="4"/>
+                  </a:moveTo>
+                  <a:cubicBezTo>
+                    <a:pt x="37" y="0"/>
+                    <a:pt x="36" y="2"/>
+                    <a:pt x="35" y="3"/>
+                  </a:cubicBezTo>
+                  <a:cubicBezTo>
+                    <a:pt x="17" y="21"/>
+                    <a:pt x="0" y="66"/>
+                    <a:pt x="9" y="61"/>
+                  </a:cubicBezTo>
+                  <a:cubicBezTo>
+                    <a:pt x="41" y="46"/>
+                    <a:pt x="46" y="50"/>
+                    <a:pt x="64" y="32"/>
+                  </a:cubicBezTo>
+                  <a:cubicBezTo>
+                    <a:pt x="65" y="31"/>
+                    <a:pt x="67" y="30"/>
+                    <a:pt x="63" y="27"/>
+                  </a:cubicBezTo>
+                  <a:lnTo>
+                    <a:pt x="40" y="4"/>
+                  </a:lnTo>
+                  <a:close/>
+                </a:path>
+              </a:pathLst>
+            </a:custGeom>
+            <a:grpFill/>
+            <a:ln>
+              <a:noFill/>
+            </a:ln>
+            <a:extLst>
+              <a:ext uri="{91240B29-F687-4f45-9708-019B960494DF}">
+                <a14:hiddenLine xmlns="" xmlns:a14="http://schemas.microsoft.com/office/drawing/2010/main" w="9525">
+                  <a:solidFill>
+                    <a:srgbClr val="000000"/>
+                  </a:solidFill>
+                  <a:round/>
+                  <a:headEnd/>
+                  <a:tailEnd/>
+                </a14:hiddenLine>
+              </a:ext>
+            </a:extLst>
+          </p:spPr>
+          <p:txBody>
+            <a:bodyPr vert="horz" wrap="square" lIns="91440" tIns="45720" rIns="91440" bIns="45720" numCol="1" anchor="t" anchorCtr="0" compatLnSpc="1">
+              <a:prstTxWarp prst="textNoShape">
+                <a:avLst/>
+              </a:prstTxWarp>
+            </a:bodyPr>
+            <a:lstStyle/>
+            <a:p>
+              <a:endParaRPr lang="en-AU" dirty="0"/>
+            </a:p>
+          </p:txBody>
+        </p:sp>
+        <p:sp>
+          <p:nvSpPr>
+            <p:cNvPr id="27" name="Freeform 17"/>
+            <p:cNvSpPr>
+              <a:spLocks noEditPoints="1"/>
+            </p:cNvSpPr>
+            <p:nvPr/>
+          </p:nvSpPr>
+          <p:spPr bwMode="auto">
+            <a:xfrm>
+              <a:off x="4906963" y="2173288"/>
+              <a:ext cx="473075" cy="474663"/>
+            </a:xfrm>
+            <a:custGeom>
+              <a:avLst/>
+              <a:gdLst>
+                <a:gd name="T0" fmla="*/ 155 w 223"/>
+                <a:gd name="T1" fmla="*/ 145 h 224"/>
+                <a:gd name="T2" fmla="*/ 156 w 223"/>
+                <a:gd name="T3" fmla="*/ 141 h 224"/>
+                <a:gd name="T4" fmla="*/ 204 w 223"/>
+                <a:gd name="T5" fmla="*/ 19 h 224"/>
+                <a:gd name="T6" fmla="*/ 84 w 223"/>
+                <a:gd name="T7" fmla="*/ 67 h 224"/>
+                <a:gd name="T8" fmla="*/ 78 w 223"/>
+                <a:gd name="T9" fmla="*/ 69 h 224"/>
+                <a:gd name="T10" fmla="*/ 65 w 223"/>
+                <a:gd name="T11" fmla="*/ 65 h 224"/>
+                <a:gd name="T12" fmla="*/ 53 w 223"/>
+                <a:gd name="T13" fmla="*/ 69 h 224"/>
+                <a:gd name="T14" fmla="*/ 3 w 223"/>
+                <a:gd name="T15" fmla="*/ 119 h 224"/>
+                <a:gd name="T16" fmla="*/ 5 w 223"/>
+                <a:gd name="T17" fmla="*/ 125 h 224"/>
+                <a:gd name="T18" fmla="*/ 41 w 223"/>
+                <a:gd name="T19" fmla="*/ 131 h 224"/>
+                <a:gd name="T20" fmla="*/ 53 w 223"/>
+                <a:gd name="T21" fmla="*/ 127 h 224"/>
+                <a:gd name="T22" fmla="*/ 57 w 223"/>
+                <a:gd name="T23" fmla="*/ 127 h 224"/>
+                <a:gd name="T24" fmla="*/ 96 w 223"/>
+                <a:gd name="T25" fmla="*/ 167 h 224"/>
+                <a:gd name="T26" fmla="*/ 96 w 223"/>
+                <a:gd name="T27" fmla="*/ 170 h 224"/>
+                <a:gd name="T28" fmla="*/ 92 w 223"/>
+                <a:gd name="T29" fmla="*/ 182 h 224"/>
+                <a:gd name="T30" fmla="*/ 98 w 223"/>
+                <a:gd name="T31" fmla="*/ 219 h 224"/>
+                <a:gd name="T32" fmla="*/ 104 w 223"/>
+                <a:gd name="T33" fmla="*/ 221 h 224"/>
+                <a:gd name="T34" fmla="*/ 155 w 223"/>
+                <a:gd name="T35" fmla="*/ 170 h 224"/>
+                <a:gd name="T36" fmla="*/ 158 w 223"/>
+                <a:gd name="T37" fmla="*/ 159 h 224"/>
+                <a:gd name="T38" fmla="*/ 155 w 223"/>
+                <a:gd name="T39" fmla="*/ 145 h 224"/>
+                <a:gd name="T40" fmla="*/ 144 w 223"/>
+                <a:gd name="T41" fmla="*/ 80 h 224"/>
+                <a:gd name="T42" fmla="*/ 144 w 223"/>
+                <a:gd name="T43" fmla="*/ 50 h 224"/>
+                <a:gd name="T44" fmla="*/ 174 w 223"/>
+                <a:gd name="T45" fmla="*/ 50 h 224"/>
+                <a:gd name="T46" fmla="*/ 174 w 223"/>
+                <a:gd name="T47" fmla="*/ 80 h 224"/>
+                <a:gd name="T48" fmla="*/ 144 w 223"/>
+                <a:gd name="T49" fmla="*/ 80 h 224"/>
+              </a:gdLst>
+              <a:ahLst/>
+              <a:cxnLst>
+                <a:cxn ang="0">
+                  <a:pos x="T0" y="T1"/>
+                </a:cxn>
+                <a:cxn ang="0">
+                  <a:pos x="T2" y="T3"/>
+                </a:cxn>
+                <a:cxn ang="0">
+                  <a:pos x="T4" y="T5"/>
+                </a:cxn>
+                <a:cxn ang="0">
+                  <a:pos x="T6" y="T7"/>
+                </a:cxn>
+                <a:cxn ang="0">
+                  <a:pos x="T8" y="T9"/>
+                </a:cxn>
+                <a:cxn ang="0">
+                  <a:pos x="T10" y="T11"/>
+                </a:cxn>
+                <a:cxn ang="0">
+                  <a:pos x="T12" y="T13"/>
+                </a:cxn>
+                <a:cxn ang="0">
+                  <a:pos x="T14" y="T15"/>
+                </a:cxn>
+                <a:cxn ang="0">
+                  <a:pos x="T16" y="T17"/>
+                </a:cxn>
+                <a:cxn ang="0">
+                  <a:pos x="T18" y="T19"/>
+                </a:cxn>
+                <a:cxn ang="0">
+                  <a:pos x="T20" y="T21"/>
+                </a:cxn>
+                <a:cxn ang="0">
+                  <a:pos x="T22" y="T23"/>
+                </a:cxn>
+                <a:cxn ang="0">
+                  <a:pos x="T24" y="T25"/>
+                </a:cxn>
+                <a:cxn ang="0">
+                  <a:pos x="T26" y="T27"/>
+                </a:cxn>
+                <a:cxn ang="0">
+                  <a:pos x="T28" y="T29"/>
+                </a:cxn>
+                <a:cxn ang="0">
+                  <a:pos x="T30" y="T31"/>
+                </a:cxn>
+                <a:cxn ang="0">
+                  <a:pos x="T32" y="T33"/>
+                </a:cxn>
+                <a:cxn ang="0">
+                  <a:pos x="T34" y="T35"/>
+                </a:cxn>
+                <a:cxn ang="0">
+                  <a:pos x="T36" y="T37"/>
+                </a:cxn>
+                <a:cxn ang="0">
+                  <a:pos x="T38" y="T39"/>
+                </a:cxn>
+                <a:cxn ang="0">
+                  <a:pos x="T40" y="T41"/>
+                </a:cxn>
+                <a:cxn ang="0">
+                  <a:pos x="T42" y="T43"/>
+                </a:cxn>
+                <a:cxn ang="0">
+                  <a:pos x="T44" y="T45"/>
+                </a:cxn>
+                <a:cxn ang="0">
+                  <a:pos x="T46" y="T47"/>
+                </a:cxn>
+                <a:cxn ang="0">
+                  <a:pos x="T48" y="T49"/>
+                </a:cxn>
+              </a:cxnLst>
+              <a:rect l="0" t="0" r="r" b="b"/>
+              <a:pathLst>
+                <a:path w="223" h="224">
+                  <a:moveTo>
+                    <a:pt x="155" y="145"/>
+                  </a:moveTo>
+                  <a:cubicBezTo>
+                    <a:pt x="154" y="143"/>
+                    <a:pt x="156" y="141"/>
+                    <a:pt x="156" y="141"/>
+                  </a:cubicBezTo>
+                  <a:cubicBezTo>
+                    <a:pt x="197" y="97"/>
+                    <a:pt x="223" y="38"/>
+                    <a:pt x="204" y="19"/>
+                  </a:cubicBezTo>
+                  <a:cubicBezTo>
+                    <a:pt x="185" y="0"/>
+                    <a:pt x="128" y="26"/>
+                    <a:pt x="84" y="67"/>
+                  </a:cubicBezTo>
+                  <a:cubicBezTo>
+                    <a:pt x="83" y="68"/>
+                    <a:pt x="81" y="69"/>
+                    <a:pt x="78" y="69"/>
+                  </a:cubicBezTo>
+                  <a:cubicBezTo>
+                    <a:pt x="65" y="65"/>
+                    <a:pt x="65" y="65"/>
+                    <a:pt x="65" y="65"/>
+                  </a:cubicBezTo>
+                  <a:cubicBezTo>
+                    <a:pt x="61" y="64"/>
+                    <a:pt x="56" y="66"/>
+                    <a:pt x="53" y="69"/>
+                  </a:cubicBezTo>
+                  <a:cubicBezTo>
+                    <a:pt x="3" y="119"/>
+                    <a:pt x="3" y="119"/>
+                    <a:pt x="3" y="119"/>
+                  </a:cubicBezTo>
+                  <a:cubicBezTo>
+                    <a:pt x="0" y="122"/>
+                    <a:pt x="1" y="124"/>
+                    <a:pt x="5" y="125"/>
+                  </a:cubicBezTo>
+                  <a:cubicBezTo>
+                    <a:pt x="41" y="131"/>
+                    <a:pt x="41" y="131"/>
+                    <a:pt x="41" y="131"/>
+                  </a:cubicBezTo>
+                  <a:cubicBezTo>
+                    <a:pt x="45" y="131"/>
+                    <a:pt x="50" y="130"/>
+                    <a:pt x="53" y="127"/>
+                  </a:cubicBezTo>
+                  <a:cubicBezTo>
+                    <a:pt x="53" y="127"/>
+                    <a:pt x="55" y="125"/>
+                    <a:pt x="57" y="127"/>
+                  </a:cubicBezTo>
+                  <a:cubicBezTo>
+                    <a:pt x="67" y="137"/>
+                    <a:pt x="86" y="157"/>
+                    <a:pt x="96" y="167"/>
+                  </a:cubicBezTo>
+                  <a:cubicBezTo>
+                    <a:pt x="98" y="168"/>
+                    <a:pt x="96" y="170"/>
+                    <a:pt x="96" y="170"/>
+                  </a:cubicBezTo>
+                  <a:cubicBezTo>
+                    <a:pt x="94" y="173"/>
+                    <a:pt x="92" y="179"/>
+                    <a:pt x="92" y="182"/>
+                  </a:cubicBezTo>
+                  <a:cubicBezTo>
+                    <a:pt x="98" y="219"/>
+                    <a:pt x="98" y="219"/>
+                    <a:pt x="98" y="219"/>
+                  </a:cubicBezTo>
+                  <a:cubicBezTo>
+                    <a:pt x="99" y="223"/>
+                    <a:pt x="102" y="224"/>
+                    <a:pt x="104" y="221"/>
+                  </a:cubicBezTo>
+                  <a:cubicBezTo>
+                    <a:pt x="155" y="170"/>
+                    <a:pt x="155" y="170"/>
+                    <a:pt x="155" y="170"/>
+                  </a:cubicBezTo>
+                  <a:cubicBezTo>
+                    <a:pt x="157" y="168"/>
+                    <a:pt x="159" y="162"/>
+                    <a:pt x="158" y="159"/>
+                  </a:cubicBezTo>
+                  <a:lnTo>
+                    <a:pt x="155" y="145"/>
+                  </a:lnTo>
+                  <a:close/>
+                  <a:moveTo>
+                    <a:pt x="144" y="80"/>
+                  </a:moveTo>
+                  <a:cubicBezTo>
+                    <a:pt x="135" y="72"/>
+                    <a:pt x="135" y="58"/>
+                    <a:pt x="144" y="50"/>
+                  </a:cubicBezTo>
+                  <a:cubicBezTo>
+                    <a:pt x="152" y="41"/>
+                    <a:pt x="166" y="41"/>
+                    <a:pt x="174" y="50"/>
+                  </a:cubicBezTo>
+                  <a:cubicBezTo>
+                    <a:pt x="183" y="58"/>
+                    <a:pt x="183" y="72"/>
+                    <a:pt x="174" y="80"/>
+                  </a:cubicBezTo>
+                  <a:cubicBezTo>
+                    <a:pt x="166" y="89"/>
+                    <a:pt x="152" y="89"/>
+                    <a:pt x="144" y="80"/>
+                  </a:cubicBezTo>
+                  <a:close/>
+                </a:path>
+              </a:pathLst>
+            </a:custGeom>
+            <a:grpFill/>
+            <a:ln>
+              <a:noFill/>
+            </a:ln>
+            <a:extLst>
+              <a:ext uri="{91240B29-F687-4f45-9708-019B960494DF}">
+                <a14:hiddenLine xmlns="" xmlns:a14="http://schemas.microsoft.com/office/drawing/2010/main" w="9525">
+                  <a:solidFill>
+                    <a:srgbClr val="000000"/>
+                  </a:solidFill>
+                  <a:round/>
+                  <a:headEnd/>
+                  <a:tailEnd/>
+                </a14:hiddenLine>
+              </a:ext>
+            </a:extLst>
+          </p:spPr>
+          <p:txBody>
+            <a:bodyPr vert="horz" wrap="square" lIns="91440" tIns="45720" rIns="91440" bIns="45720" numCol="1" anchor="t" anchorCtr="0" compatLnSpc="1">
+              <a:prstTxWarp prst="textNoShape">
+                <a:avLst/>
+              </a:prstTxWarp>
+            </a:bodyPr>
+            <a:lstStyle/>
+            <a:p>
+              <a:endParaRPr lang="en-AU" dirty="0"/>
+            </a:p>
+          </p:txBody>
+        </p:sp>
+      </p:grpSp>
+      <p:sp>
+        <p:nvSpPr>
+          <p:cNvPr id="31" name="Oval 30"/>
+          <p:cNvSpPr/>
+          <p:nvPr/>
+        </p:nvSpPr>
+        <p:spPr>
+          <a:xfrm>
+            <a:off x="14927755" y="8231312"/>
+            <a:ext cx="1135187" cy="1135187"/>
+          </a:xfrm>
+          <a:prstGeom prst="ellipse">
+            <a:avLst/>
+          </a:prstGeom>
+          <a:solidFill>
+            <a:schemeClr val="accent4"/>
+          </a:solidFill>
+          <a:ln>
+            <a:noFill/>
+          </a:ln>
+        </p:spPr>
+        <p:style>
+          <a:lnRef idx="2">
+            <a:schemeClr val="accent1">
+              <a:shade val="50000"/>
+            </a:schemeClr>
+          </a:lnRef>
+          <a:fillRef idx="1">
+            <a:schemeClr val="accent1"/>
+          </a:fillRef>
+          <a:effectRef idx="0">
+            <a:schemeClr val="accent1"/>
+          </a:effectRef>
+          <a:fontRef idx="minor">
+            <a:schemeClr val="lt1"/>
+          </a:fontRef>
+        </p:style>
+        <p:txBody>
+          <a:bodyPr rtlCol="0" anchor="ctr"/>
+          <a:lstStyle/>
+          <a:p>
+            <a:pPr algn="ctr"/>
+            <a:endParaRPr lang="en-US" dirty="0"/>
+          </a:p>
+        </p:txBody>
+      </p:sp>
+      <p:grpSp>
+        <p:nvGrpSpPr>
+          <p:cNvPr id="28" name="Group 27"/>
+          <p:cNvGrpSpPr/>
+          <p:nvPr/>
+        </p:nvGrpSpPr>
+        <p:grpSpPr>
+          <a:xfrm>
+            <a:off x="15309392" y="8420306"/>
+            <a:ext cx="371912" cy="757198"/>
+            <a:chOff x="2087563" y="2211388"/>
+            <a:chExt cx="220663" cy="449262"/>
+          </a:xfrm>
+          <a:solidFill>
+            <a:schemeClr val="bg1"/>
+          </a:solidFill>
+        </p:grpSpPr>
+        <p:sp>
+          <p:nvSpPr>
+            <p:cNvPr id="29" name="Freeform 10"/>
+            <p:cNvSpPr>
+              <a:spLocks/>
+            </p:cNvSpPr>
+            <p:nvPr/>
+          </p:nvSpPr>
+          <p:spPr bwMode="auto">
+            <a:xfrm>
+              <a:off x="2132013" y="2211388"/>
+              <a:ext cx="133350" cy="82550"/>
+            </a:xfrm>
+            <a:custGeom>
+              <a:avLst/>
+              <a:gdLst>
+                <a:gd name="T0" fmla="*/ 61 w 63"/>
+                <a:gd name="T1" fmla="*/ 30 h 39"/>
+                <a:gd name="T2" fmla="*/ 51 w 63"/>
+                <a:gd name="T3" fmla="*/ 39 h 39"/>
+                <a:gd name="T4" fmla="*/ 12 w 63"/>
+                <a:gd name="T5" fmla="*/ 39 h 39"/>
+                <a:gd name="T6" fmla="*/ 2 w 63"/>
+                <a:gd name="T7" fmla="*/ 30 h 39"/>
+                <a:gd name="T8" fmla="*/ 0 w 63"/>
+                <a:gd name="T9" fmla="*/ 9 h 39"/>
+                <a:gd name="T10" fmla="*/ 9 w 63"/>
+                <a:gd name="T11" fmla="*/ 0 h 39"/>
+                <a:gd name="T12" fmla="*/ 54 w 63"/>
+                <a:gd name="T13" fmla="*/ 0 h 39"/>
+                <a:gd name="T14" fmla="*/ 62 w 63"/>
+                <a:gd name="T15" fmla="*/ 9 h 39"/>
+                <a:gd name="T16" fmla="*/ 61 w 63"/>
+                <a:gd name="T17" fmla="*/ 30 h 39"/>
+              </a:gdLst>
+              <a:ahLst/>
+              <a:cxnLst>
+                <a:cxn ang="0">
+                  <a:pos x="T0" y="T1"/>
+                </a:cxn>
+                <a:cxn ang="0">
+                  <a:pos x="T2" y="T3"/>
+                </a:cxn>
+                <a:cxn ang="0">
+                  <a:pos x="T4" y="T5"/>
+                </a:cxn>
+                <a:cxn ang="0">
+                  <a:pos x="T6" y="T7"/>
+                </a:cxn>
+                <a:cxn ang="0">
+                  <a:pos x="T8" y="T9"/>
+                </a:cxn>
+                <a:cxn ang="0">
+                  <a:pos x="T10" y="T11"/>
+                </a:cxn>
+                <a:cxn ang="0">
+                  <a:pos x="T12" y="T13"/>
+                </a:cxn>
+                <a:cxn ang="0">
+                  <a:pos x="T14" y="T15"/>
+                </a:cxn>
+                <a:cxn ang="0">
+                  <a:pos x="T16" y="T17"/>
+                </a:cxn>
+              </a:cxnLst>
+              <a:rect l="0" t="0" r="r" b="b"/>
+              <a:pathLst>
+                <a:path w="63" h="39">
+                  <a:moveTo>
+                    <a:pt x="61" y="30"/>
+                  </a:moveTo>
+                  <a:cubicBezTo>
+                    <a:pt x="60" y="35"/>
+                    <a:pt x="56" y="39"/>
+                    <a:pt x="51" y="39"/>
+                  </a:cubicBezTo>
+                  <a:cubicBezTo>
+                    <a:pt x="12" y="39"/>
+                    <a:pt x="12" y="39"/>
+                    <a:pt x="12" y="39"/>
+                  </a:cubicBezTo>
+                  <a:cubicBezTo>
+                    <a:pt x="7" y="39"/>
+                    <a:pt x="2" y="35"/>
+                    <a:pt x="2" y="30"/>
+                  </a:cubicBezTo>
+                  <a:cubicBezTo>
+                    <a:pt x="0" y="9"/>
+                    <a:pt x="0" y="9"/>
+                    <a:pt x="0" y="9"/>
+                  </a:cubicBezTo>
+                  <a:cubicBezTo>
+                    <a:pt x="0" y="4"/>
+                    <a:pt x="4" y="0"/>
+                    <a:pt x="9" y="0"/>
+                  </a:cubicBezTo>
+                  <a:cubicBezTo>
+                    <a:pt x="54" y="0"/>
+                    <a:pt x="54" y="0"/>
+                    <a:pt x="54" y="0"/>
+                  </a:cubicBezTo>
+                  <a:cubicBezTo>
+                    <a:pt x="59" y="0"/>
+                    <a:pt x="63" y="4"/>
+                    <a:pt x="62" y="9"/>
+                  </a:cubicBezTo>
+                  <a:lnTo>
+                    <a:pt x="61" y="30"/>
+                  </a:lnTo>
+                  <a:close/>
+                </a:path>
+              </a:pathLst>
+            </a:custGeom>
+            <a:grpFill/>
+            <a:ln>
+              <a:noFill/>
+            </a:ln>
+            <a:extLst>
+              <a:ext uri="{91240B29-F687-4f45-9708-019B960494DF}">
+                <a14:hiddenLine xmlns="" xmlns:a14="http://schemas.microsoft.com/office/drawing/2010/main" w="9525">
+                  <a:solidFill>
+                    <a:srgbClr val="000000"/>
+                  </a:solidFill>
+                  <a:round/>
+                  <a:headEnd/>
+                  <a:tailEnd/>
+                </a14:hiddenLine>
+              </a:ext>
+            </a:extLst>
+          </p:spPr>
+          <p:txBody>
+            <a:bodyPr vert="horz" wrap="square" lIns="91440" tIns="45720" rIns="91440" bIns="45720" numCol="1" anchor="t" anchorCtr="0" compatLnSpc="1">
+              <a:prstTxWarp prst="textNoShape">
+                <a:avLst/>
+              </a:prstTxWarp>
+            </a:bodyPr>
+            <a:lstStyle/>
+            <a:p>
+              <a:endParaRPr lang="en-AU" dirty="0"/>
+            </a:p>
+          </p:txBody>
+        </p:sp>
+        <p:sp>
+          <p:nvSpPr>
+            <p:cNvPr id="30" name="Freeform 11"/>
+            <p:cNvSpPr>
+              <a:spLocks noEditPoints="1"/>
+            </p:cNvSpPr>
+            <p:nvPr/>
+          </p:nvSpPr>
+          <p:spPr bwMode="auto">
+            <a:xfrm>
+              <a:off x="2087563" y="2317750"/>
+              <a:ext cx="220663" cy="342900"/>
+            </a:xfrm>
+            <a:custGeom>
+              <a:avLst/>
+              <a:gdLst>
+                <a:gd name="T0" fmla="*/ 103 w 104"/>
+                <a:gd name="T1" fmla="*/ 107 h 162"/>
+                <a:gd name="T2" fmla="*/ 83 w 104"/>
+                <a:gd name="T3" fmla="*/ 9 h 162"/>
+                <a:gd name="T4" fmla="*/ 72 w 104"/>
+                <a:gd name="T5" fmla="*/ 0 h 162"/>
+                <a:gd name="T6" fmla="*/ 33 w 104"/>
+                <a:gd name="T7" fmla="*/ 0 h 162"/>
+                <a:gd name="T8" fmla="*/ 22 w 104"/>
+                <a:gd name="T9" fmla="*/ 9 h 162"/>
+                <a:gd name="T10" fmla="*/ 1 w 104"/>
+                <a:gd name="T11" fmla="*/ 107 h 162"/>
+                <a:gd name="T12" fmla="*/ 6 w 104"/>
+                <a:gd name="T13" fmla="*/ 122 h 162"/>
+                <a:gd name="T14" fmla="*/ 45 w 104"/>
+                <a:gd name="T15" fmla="*/ 159 h 162"/>
+                <a:gd name="T16" fmla="*/ 59 w 104"/>
+                <a:gd name="T17" fmla="*/ 159 h 162"/>
+                <a:gd name="T18" fmla="*/ 98 w 104"/>
+                <a:gd name="T19" fmla="*/ 122 h 162"/>
+                <a:gd name="T20" fmla="*/ 103 w 104"/>
+                <a:gd name="T21" fmla="*/ 107 h 162"/>
+                <a:gd name="T22" fmla="*/ 24 w 104"/>
+                <a:gd name="T23" fmla="*/ 54 h 162"/>
+                <a:gd name="T24" fmla="*/ 26 w 104"/>
+                <a:gd name="T25" fmla="*/ 44 h 162"/>
+                <a:gd name="T26" fmla="*/ 27 w 104"/>
+                <a:gd name="T27" fmla="*/ 43 h 162"/>
+                <a:gd name="T28" fmla="*/ 72 w 104"/>
+                <a:gd name="T29" fmla="*/ 22 h 162"/>
+                <a:gd name="T30" fmla="*/ 73 w 104"/>
+                <a:gd name="T31" fmla="*/ 23 h 162"/>
+                <a:gd name="T32" fmla="*/ 73 w 104"/>
+                <a:gd name="T33" fmla="*/ 24 h 162"/>
+                <a:gd name="T34" fmla="*/ 74 w 104"/>
+                <a:gd name="T35" fmla="*/ 30 h 162"/>
+                <a:gd name="T36" fmla="*/ 74 w 104"/>
+                <a:gd name="T37" fmla="*/ 31 h 162"/>
+                <a:gd name="T38" fmla="*/ 25 w 104"/>
+                <a:gd name="T39" fmla="*/ 55 h 162"/>
+                <a:gd name="T40" fmla="*/ 24 w 104"/>
+                <a:gd name="T41" fmla="*/ 54 h 162"/>
+                <a:gd name="T42" fmla="*/ 15 w 104"/>
+                <a:gd name="T43" fmla="*/ 99 h 162"/>
+                <a:gd name="T44" fmla="*/ 17 w 104"/>
+                <a:gd name="T45" fmla="*/ 90 h 162"/>
+                <a:gd name="T46" fmla="*/ 18 w 104"/>
+                <a:gd name="T47" fmla="*/ 89 h 162"/>
+                <a:gd name="T48" fmla="*/ 79 w 104"/>
+                <a:gd name="T49" fmla="*/ 59 h 162"/>
+                <a:gd name="T50" fmla="*/ 80 w 104"/>
+                <a:gd name="T51" fmla="*/ 60 h 162"/>
+                <a:gd name="T52" fmla="*/ 82 w 104"/>
+                <a:gd name="T53" fmla="*/ 67 h 162"/>
+                <a:gd name="T54" fmla="*/ 81 w 104"/>
+                <a:gd name="T55" fmla="*/ 68 h 162"/>
+                <a:gd name="T56" fmla="*/ 15 w 104"/>
+                <a:gd name="T57" fmla="*/ 100 h 162"/>
+                <a:gd name="T58" fmla="*/ 15 w 104"/>
+                <a:gd name="T59" fmla="*/ 99 h 162"/>
+                <a:gd name="T60" fmla="*/ 89 w 104"/>
+                <a:gd name="T61" fmla="*/ 105 h 162"/>
+                <a:gd name="T62" fmla="*/ 33 w 104"/>
+                <a:gd name="T63" fmla="*/ 132 h 162"/>
+                <a:gd name="T64" fmla="*/ 31 w 104"/>
+                <a:gd name="T65" fmla="*/ 132 h 162"/>
+                <a:gd name="T66" fmla="*/ 26 w 104"/>
+                <a:gd name="T67" fmla="*/ 127 h 162"/>
+                <a:gd name="T68" fmla="*/ 26 w 104"/>
+                <a:gd name="T69" fmla="*/ 125 h 162"/>
+                <a:gd name="T70" fmla="*/ 87 w 104"/>
+                <a:gd name="T71" fmla="*/ 96 h 162"/>
+                <a:gd name="T72" fmla="*/ 88 w 104"/>
+                <a:gd name="T73" fmla="*/ 97 h 162"/>
+                <a:gd name="T74" fmla="*/ 90 w 104"/>
+                <a:gd name="T75" fmla="*/ 104 h 162"/>
+                <a:gd name="T76" fmla="*/ 89 w 104"/>
+                <a:gd name="T77" fmla="*/ 105 h 162"/>
+              </a:gdLst>
+              <a:ahLst/>
+              <a:cxnLst>
+                <a:cxn ang="0">
+                  <a:pos x="T0" y="T1"/>
+                </a:cxn>
+                <a:cxn ang="0">
+                  <a:pos x="T2" y="T3"/>
+                </a:cxn>
+                <a:cxn ang="0">
+                  <a:pos x="T4" y="T5"/>
+                </a:cxn>
+                <a:cxn ang="0">
+                  <a:pos x="T6" y="T7"/>
+                </a:cxn>
+                <a:cxn ang="0">
+                  <a:pos x="T8" y="T9"/>
+                </a:cxn>
+                <a:cxn ang="0">
+                  <a:pos x="T10" y="T11"/>
+                </a:cxn>
+                <a:cxn ang="0">
+                  <a:pos x="T12" y="T13"/>
+                </a:cxn>
+                <a:cxn ang="0">
+                  <a:pos x="T14" y="T15"/>
+                </a:cxn>
+                <a:cxn ang="0">
+                  <a:pos x="T16" y="T17"/>
+                </a:cxn>
+                <a:cxn ang="0">
+                  <a:pos x="T18" y="T19"/>
+                </a:cxn>
+                <a:cxn ang="0">
+                  <a:pos x="T20" y="T21"/>
+                </a:cxn>
+                <a:cxn ang="0">
+                  <a:pos x="T22" y="T23"/>
+                </a:cxn>
+                <a:cxn ang="0">
+                  <a:pos x="T24" y="T25"/>
+                </a:cxn>
+                <a:cxn ang="0">
+                  <a:pos x="T26" y="T27"/>
+                </a:cxn>
+                <a:cxn ang="0">
+                  <a:pos x="T28" y="T29"/>
+                </a:cxn>
+                <a:cxn ang="0">
+                  <a:pos x="T30" y="T31"/>
+                </a:cxn>
+                <a:cxn ang="0">
+                  <a:pos x="T32" y="T33"/>
+                </a:cxn>
+                <a:cxn ang="0">
+                  <a:pos x="T34" y="T35"/>
+                </a:cxn>
+                <a:cxn ang="0">
+                  <a:pos x="T36" y="T37"/>
+                </a:cxn>
+                <a:cxn ang="0">
+                  <a:pos x="T38" y="T39"/>
+                </a:cxn>
+                <a:cxn ang="0">
+                  <a:pos x="T40" y="T41"/>
+                </a:cxn>
+                <a:cxn ang="0">
+                  <a:pos x="T42" y="T43"/>
+                </a:cxn>
+                <a:cxn ang="0">
+                  <a:pos x="T44" y="T45"/>
+                </a:cxn>
+                <a:cxn ang="0">
+                  <a:pos x="T46" y="T47"/>
+                </a:cxn>
+                <a:cxn ang="0">
+                  <a:pos x="T48" y="T49"/>
+                </a:cxn>
+                <a:cxn ang="0">
+                  <a:pos x="T50" y="T51"/>
+                </a:cxn>
+                <a:cxn ang="0">
+                  <a:pos x="T52" y="T53"/>
+                </a:cxn>
+                <a:cxn ang="0">
+                  <a:pos x="T54" y="T55"/>
+                </a:cxn>
+                <a:cxn ang="0">
+                  <a:pos x="T56" y="T57"/>
+                </a:cxn>
+                <a:cxn ang="0">
+                  <a:pos x="T58" y="T59"/>
+                </a:cxn>
+                <a:cxn ang="0">
+                  <a:pos x="T60" y="T61"/>
+                </a:cxn>
+                <a:cxn ang="0">
+                  <a:pos x="T62" y="T63"/>
+                </a:cxn>
+                <a:cxn ang="0">
+                  <a:pos x="T64" y="T65"/>
+                </a:cxn>
+                <a:cxn ang="0">
+                  <a:pos x="T66" y="T67"/>
+                </a:cxn>
+                <a:cxn ang="0">
+                  <a:pos x="T68" y="T69"/>
+                </a:cxn>
+                <a:cxn ang="0">
+                  <a:pos x="T70" y="T71"/>
+                </a:cxn>
+                <a:cxn ang="0">
+                  <a:pos x="T72" y="T73"/>
+                </a:cxn>
+                <a:cxn ang="0">
+                  <a:pos x="T74" y="T75"/>
+                </a:cxn>
+                <a:cxn ang="0">
+                  <a:pos x="T76" y="T77"/>
+                </a:cxn>
+              </a:cxnLst>
+              <a:rect l="0" t="0" r="r" b="b"/>
+              <a:pathLst>
+                <a:path w="104" h="162">
+                  <a:moveTo>
+                    <a:pt x="103" y="107"/>
+                  </a:moveTo>
+                  <a:cubicBezTo>
+                    <a:pt x="83" y="9"/>
+                    <a:pt x="83" y="9"/>
+                    <a:pt x="83" y="9"/>
+                  </a:cubicBezTo>
+                  <a:cubicBezTo>
+                    <a:pt x="82" y="4"/>
+                    <a:pt x="77" y="0"/>
+                    <a:pt x="72" y="0"/>
+                  </a:cubicBezTo>
+                  <a:cubicBezTo>
+                    <a:pt x="33" y="0"/>
+                    <a:pt x="33" y="0"/>
+                    <a:pt x="33" y="0"/>
+                  </a:cubicBezTo>
+                  <a:cubicBezTo>
+                    <a:pt x="28" y="0"/>
+                    <a:pt x="23" y="4"/>
+                    <a:pt x="22" y="9"/>
+                  </a:cubicBezTo>
+                  <a:cubicBezTo>
+                    <a:pt x="1" y="107"/>
+                    <a:pt x="1" y="107"/>
+                    <a:pt x="1" y="107"/>
+                  </a:cubicBezTo>
+                  <a:cubicBezTo>
+                    <a:pt x="0" y="112"/>
+                    <a:pt x="2" y="119"/>
+                    <a:pt x="6" y="122"/>
+                  </a:cubicBezTo>
+                  <a:cubicBezTo>
+                    <a:pt x="45" y="159"/>
+                    <a:pt x="45" y="159"/>
+                    <a:pt x="45" y="159"/>
+                  </a:cubicBezTo>
+                  <a:cubicBezTo>
+                    <a:pt x="49" y="162"/>
+                    <a:pt x="55" y="162"/>
+                    <a:pt x="59" y="159"/>
+                  </a:cubicBezTo>
+                  <a:cubicBezTo>
+                    <a:pt x="98" y="122"/>
+                    <a:pt x="98" y="122"/>
+                    <a:pt x="98" y="122"/>
+                  </a:cubicBezTo>
+                  <a:cubicBezTo>
+                    <a:pt x="102" y="119"/>
+                    <a:pt x="104" y="112"/>
+                    <a:pt x="103" y="107"/>
+                  </a:cubicBezTo>
+                  <a:close/>
+                  <a:moveTo>
+                    <a:pt x="24" y="54"/>
+                  </a:moveTo>
+                  <a:cubicBezTo>
+                    <a:pt x="25" y="51"/>
+                    <a:pt x="26" y="47"/>
+                    <a:pt x="26" y="44"/>
+                  </a:cubicBezTo>
+                  <a:cubicBezTo>
+                    <a:pt x="27" y="43"/>
+                    <a:pt x="27" y="43"/>
+                    <a:pt x="27" y="43"/>
+                  </a:cubicBezTo>
+                  <a:cubicBezTo>
+                    <a:pt x="72" y="22"/>
+                    <a:pt x="72" y="22"/>
+                    <a:pt x="72" y="22"/>
+                  </a:cubicBezTo>
+                  <a:cubicBezTo>
+                    <a:pt x="72" y="22"/>
+                    <a:pt x="72" y="22"/>
+                    <a:pt x="73" y="23"/>
+                  </a:cubicBezTo>
+                  <a:cubicBezTo>
+                    <a:pt x="73" y="23"/>
+                    <a:pt x="73" y="23"/>
+                    <a:pt x="73" y="24"/>
+                  </a:cubicBezTo>
+                  <a:cubicBezTo>
+                    <a:pt x="73" y="24"/>
+                    <a:pt x="74" y="29"/>
+                    <a:pt x="74" y="30"/>
+                  </a:cubicBezTo>
+                  <a:cubicBezTo>
+                    <a:pt x="74" y="31"/>
+                    <a:pt x="74" y="31"/>
+                    <a:pt x="74" y="31"/>
+                  </a:cubicBezTo>
+                  <a:cubicBezTo>
+                    <a:pt x="25" y="55"/>
+                    <a:pt x="25" y="55"/>
+                    <a:pt x="25" y="55"/>
+                  </a:cubicBezTo>
+                  <a:cubicBezTo>
+                    <a:pt x="25" y="55"/>
+                    <a:pt x="24" y="55"/>
+                    <a:pt x="24" y="54"/>
+                  </a:cubicBezTo>
+                  <a:close/>
+                  <a:moveTo>
+                    <a:pt x="15" y="99"/>
+                  </a:moveTo>
+                  <a:cubicBezTo>
+                    <a:pt x="15" y="97"/>
+                    <a:pt x="16" y="92"/>
+                    <a:pt x="17" y="90"/>
+                  </a:cubicBezTo>
+                  <a:cubicBezTo>
+                    <a:pt x="17" y="89"/>
+                    <a:pt x="18" y="89"/>
+                    <a:pt x="18" y="89"/>
+                  </a:cubicBezTo>
+                  <a:cubicBezTo>
+                    <a:pt x="79" y="59"/>
+                    <a:pt x="79" y="59"/>
+                    <a:pt x="79" y="59"/>
+                  </a:cubicBezTo>
+                  <a:cubicBezTo>
+                    <a:pt x="79" y="59"/>
+                    <a:pt x="80" y="58"/>
+                    <a:pt x="80" y="60"/>
+                  </a:cubicBezTo>
+                  <a:cubicBezTo>
+                    <a:pt x="81" y="61"/>
+                    <a:pt x="82" y="65"/>
+                    <a:pt x="82" y="67"/>
+                  </a:cubicBezTo>
+                  <a:cubicBezTo>
+                    <a:pt x="82" y="68"/>
+                    <a:pt x="81" y="68"/>
+                    <a:pt x="81" y="68"/>
+                  </a:cubicBezTo>
+                  <a:cubicBezTo>
+                    <a:pt x="15" y="100"/>
+                    <a:pt x="15" y="100"/>
+                    <a:pt x="15" y="100"/>
+                  </a:cubicBezTo>
+                  <a:cubicBezTo>
+                    <a:pt x="15" y="100"/>
+                    <a:pt x="15" y="101"/>
+                    <a:pt x="15" y="99"/>
+                  </a:cubicBezTo>
+                  <a:close/>
+                  <a:moveTo>
+                    <a:pt x="89" y="105"/>
+                  </a:moveTo>
+                  <a:cubicBezTo>
+                    <a:pt x="33" y="132"/>
+                    <a:pt x="33" y="132"/>
+                    <a:pt x="33" y="132"/>
+                  </a:cubicBezTo>
+                  <a:cubicBezTo>
+                    <a:pt x="33" y="132"/>
+                    <a:pt x="32" y="133"/>
+                    <a:pt x="31" y="132"/>
+                  </a:cubicBezTo>
+                  <a:cubicBezTo>
+                    <a:pt x="30" y="131"/>
+                    <a:pt x="27" y="129"/>
+                    <a:pt x="26" y="127"/>
+                  </a:cubicBezTo>
+                  <a:cubicBezTo>
+                    <a:pt x="25" y="126"/>
+                    <a:pt x="26" y="125"/>
+                    <a:pt x="26" y="125"/>
+                  </a:cubicBezTo>
+                  <a:cubicBezTo>
+                    <a:pt x="87" y="96"/>
+                    <a:pt x="87" y="96"/>
+                    <a:pt x="87" y="96"/>
+                  </a:cubicBezTo>
+                  <a:cubicBezTo>
+                    <a:pt x="87" y="96"/>
+                    <a:pt x="88" y="95"/>
+                    <a:pt x="88" y="97"/>
+                  </a:cubicBezTo>
+                  <a:cubicBezTo>
+                    <a:pt x="88" y="98"/>
+                    <a:pt x="89" y="102"/>
+                    <a:pt x="90" y="104"/>
+                  </a:cubicBezTo>
+                  <a:cubicBezTo>
+                    <a:pt x="90" y="105"/>
+                    <a:pt x="89" y="105"/>
+                    <a:pt x="89" y="105"/>
+                  </a:cubicBezTo>
+                  <a:close/>
+                </a:path>
+              </a:pathLst>
+            </a:custGeom>
+            <a:grpFill/>
+            <a:ln>
+              <a:noFill/>
+            </a:ln>
+            <a:extLst>
+              <a:ext uri="{91240B29-F687-4f45-9708-019B960494DF}">
+                <a14:hiddenLine xmlns="" xmlns:a14="http://schemas.microsoft.com/office/drawing/2010/main" w="9525">
+                  <a:solidFill>
+                    <a:srgbClr val="000000"/>
+                  </a:solidFill>
+                  <a:round/>
+                  <a:headEnd/>
+                  <a:tailEnd/>
+                </a14:hiddenLine>
+              </a:ext>
+            </a:extLst>
+          </p:spPr>
+          <p:txBody>
+            <a:bodyPr vert="horz" wrap="square" lIns="91440" tIns="45720" rIns="91440" bIns="45720" numCol="1" anchor="t" anchorCtr="0" compatLnSpc="1">
+              <a:prstTxWarp prst="textNoShape">
+                <a:avLst/>
+              </a:prstTxWarp>
+            </a:bodyPr>
+            <a:lstStyle/>
+            <a:p>
+              <a:endParaRPr lang="en-AU" dirty="0"/>
+            </a:p>
+          </p:txBody>
+        </p:sp>
+      </p:grpSp>
+      <p:sp>
+        <p:nvSpPr>
           <p:cNvPr id="2" name="Slide Number Placeholder 1"/>
           <p:cNvSpPr>
             <a:spLocks noGrp="1"/>
           </p:cNvSpPr>
           <p:nvPr>
-            <p:ph type="sldNum" sz="quarter" idx="12"/>
+            <p:ph type="sldNum" sz="quarter" idx="14"/>
           </p:nvPr>
         </p:nvSpPr>
         <p:spPr/>
@@ -5193,11 +6873,12 @@
           <a:bodyPr/>
           <a:lstStyle/>
           <a:p>
-            <a:fld id="{3CBF67D7-8C75-433C-B949-F5BA01069781}" type="slidenum">
+            <a:fld id="{8C48FCF8-25E9-4F94-BC2B-FA1B572C1FF3}" type="slidenum">
               <a:rPr lang="en-US" smtClean="0"/>
+              <a:pPr/>
               <a:t>2</a:t>
             </a:fld>
-            <a:endParaRPr lang="en-US"/>
+            <a:endParaRPr lang="en-US" dirty="0"/>
           </a:p>
         </p:txBody>
       </p:sp>
@@ -5206,7 +6887,68 @@
           <p:cNvPr id="11" name="TextBox 10">
             <a:extLst>
               <a:ext uri="{FF2B5EF4-FFF2-40B4-BE49-F238E27FC236}">
-                <a16:creationId xmlns:a16="http://schemas.microsoft.com/office/drawing/2014/main" id="{056E3259-8AA5-42B8-BCCB-9AEAC2DD94E7}"/>
+                <a16:creationId xmlns:a16="http://schemas.microsoft.com/office/drawing/2014/main" id="{8A2A5965-F852-4ADF-B4B4-38C181853644}"/>
+              </a:ext>
+            </a:extLst>
+          </p:cNvPr>
+          <p:cNvSpPr txBox="1"/>
+          <p:nvPr/>
+        </p:nvSpPr>
+        <p:spPr>
+          <a:xfrm>
+            <a:off x="2756901" y="6912864"/>
+            <a:ext cx="9007636" cy="1569642"/>
+          </a:xfrm>
+          <a:prstGeom prst="rect">
+            <a:avLst/>
+          </a:prstGeom>
+          <a:noFill/>
+        </p:spPr>
+        <p:txBody>
+          <a:bodyPr wrap="square" lIns="91422" tIns="45711" rIns="91422" bIns="45711" rtlCol="0">
+            <a:spAutoFit/>
+          </a:bodyPr>
+          <a:lstStyle/>
+          <a:p>
+            <a:r>
+              <a:rPr lang="ru-RU" sz="9600" b="1" dirty="0">
+                <a:solidFill>
+                  <a:schemeClr val="bg1"/>
+                </a:solidFill>
+                <a:latin typeface="+mj-lt"/>
+                <a:ea typeface="Open Sans Extrabold" panose="020B0906030804020204" pitchFamily="34" charset="0"/>
+                <a:cs typeface="Open Sans Extrabold" panose="020B0906030804020204" pitchFamily="34" charset="0"/>
+              </a:rPr>
+              <a:t>ВЫЙТИ ИЗ </a:t>
+            </a:r>
+            <a:r>
+              <a:rPr lang="en-US" sz="9600" b="1" dirty="0">
+                <a:solidFill>
+                  <a:schemeClr val="bg1"/>
+                </a:solidFill>
+                <a:latin typeface="+mj-lt"/>
+                <a:ea typeface="Open Sans Extrabold" panose="020B0906030804020204" pitchFamily="34" charset="0"/>
+                <a:cs typeface="Open Sans Extrabold" panose="020B0906030804020204" pitchFamily="34" charset="0"/>
+              </a:rPr>
+              <a:t>IT</a:t>
+            </a:r>
+            <a:endParaRPr lang="id-ID" sz="9600" dirty="0">
+              <a:solidFill>
+                <a:schemeClr val="bg1"/>
+              </a:solidFill>
+              <a:latin typeface="+mj-lt"/>
+              <a:ea typeface="Open Sans Extrabold" panose="020B0906030804020204" pitchFamily="34" charset="0"/>
+              <a:cs typeface="Open Sans Extrabold" panose="020B0906030804020204" pitchFamily="34" charset="0"/>
+            </a:endParaRPr>
+          </a:p>
+        </p:txBody>
+      </p:sp>
+      <p:sp>
+        <p:nvSpPr>
+          <p:cNvPr id="15" name="TextBox 14">
+            <a:extLst>
+              <a:ext uri="{FF2B5EF4-FFF2-40B4-BE49-F238E27FC236}">
+                <a16:creationId xmlns:a16="http://schemas.microsoft.com/office/drawing/2014/main" id="{9E296A56-FD19-43DE-BA3F-9AB8AF5BDDFA}"/>
               </a:ext>
             </a:extLst>
           </p:cNvPr>
@@ -5254,13 +6996,21 @@
     </p:spTree>
     <p:extLst>
       <p:ext uri="{BB962C8B-B14F-4D97-AF65-F5344CB8AC3E}">
-        <p14:creationId xmlns:p14="http://schemas.microsoft.com/office/powerpoint/2010/main" val="223444916"/>
+        <p14:creationId xmlns:p14="http://schemas.microsoft.com/office/powerpoint/2010/main" val="1427244366"/>
       </p:ext>
     </p:extLst>
   </p:cSld>
   <p:clrMapOvr>
     <a:masterClrMapping/>
   </p:clrMapOvr>
+  <mc:AlternateContent xmlns:mc="http://schemas.openxmlformats.org/markup-compatibility/2006" xmlns:p14="http://schemas.microsoft.com/office/powerpoint/2010/main">
+    <mc:Choice Requires="p14">
+      <p:transition p14:dur="10"/>
+    </mc:Choice>
+    <mc:Fallback xmlns="">
+      <p:transition/>
+    </mc:Fallback>
+  </mc:AlternateContent>
 </p:sld>
 </file>
 
@@ -6089,7 +7839,7 @@
         </p:nvSpPr>
         <p:spPr>
           <a:xfrm>
-            <a:off x="4614459" y="7915983"/>
+            <a:off x="3539748" y="7809856"/>
             <a:ext cx="1877683" cy="677072"/>
           </a:xfrm>
           <a:prstGeom prst="rect">
@@ -6136,7 +7886,7 @@
           </p:cNvPicPr>
           <p:nvPr/>
         </p:nvPicPr>
-        <p:blipFill>
+        <p:blipFill rotWithShape="1">
           <a:blip r:embed="rId3">
             <a:extLst>
               <a:ext uri="{28A0092B-C50C-407E-A947-70E740481C1C}">
@@ -6144,15 +7894,13 @@
               </a:ext>
             </a:extLst>
           </a:blip>
-          <a:srcRect/>
-          <a:stretch>
-            <a:fillRect/>
-          </a:stretch>
+          <a:srcRect l="14607" t="29916" r="15409"/>
+          <a:stretch/>
         </p:blipFill>
         <p:spPr bwMode="auto">
           <a:xfrm>
-            <a:off x="3933392" y="5662081"/>
-            <a:ext cx="3335222" cy="1786665"/>
+            <a:off x="3345872" y="6090445"/>
+            <a:ext cx="2334114" cy="1252174"/>
           </a:xfrm>
           <a:prstGeom prst="rect">
             <a:avLst/>
@@ -6183,7 +7931,7 @@
         </p:nvSpPr>
         <p:spPr>
           <a:xfrm>
-            <a:off x="8318599" y="7915983"/>
+            <a:off x="6983690" y="7809856"/>
             <a:ext cx="1504183" cy="677072"/>
           </a:xfrm>
           <a:prstGeom prst="rect">
@@ -6245,7 +7993,7 @@
         </p:blipFill>
         <p:spPr bwMode="auto">
           <a:xfrm>
-            <a:off x="8592311" y="6449287"/>
+            <a:off x="7227957" y="6343160"/>
             <a:ext cx="971418" cy="971418"/>
           </a:xfrm>
           <a:prstGeom prst="rect">
@@ -6277,7 +8025,7 @@
         </p:nvSpPr>
         <p:spPr>
           <a:xfrm>
-            <a:off x="11371127" y="7915983"/>
+            <a:off x="9783968" y="7813861"/>
             <a:ext cx="2009130" cy="677072"/>
           </a:xfrm>
           <a:prstGeom prst="rect">
@@ -6324,7 +8072,7 @@
           </p:cNvPicPr>
           <p:nvPr/>
         </p:nvPicPr>
-        <p:blipFill>
+        <p:blipFill rotWithShape="1">
           <a:blip r:embed="rId5">
             <a:extLst>
               <a:ext uri="{28A0092B-C50C-407E-A947-70E740481C1C}">
@@ -6332,15 +8080,13 @@
               </a:ext>
             </a:extLst>
           </a:blip>
-          <a:srcRect/>
-          <a:stretch>
-            <a:fillRect/>
-          </a:stretch>
+          <a:srcRect l="31677" t="17378" r="31971" b="16102"/>
+          <a:stretch/>
         </p:blipFill>
         <p:spPr bwMode="auto">
           <a:xfrm>
-            <a:off x="10887426" y="5744143"/>
-            <a:ext cx="2976531" cy="2232398"/>
+            <a:off x="10247513" y="5988324"/>
+            <a:ext cx="1082040" cy="1484992"/>
           </a:xfrm>
           <a:prstGeom prst="rect">
             <a:avLst/>
@@ -6371,7 +8117,7 @@
         </p:nvSpPr>
         <p:spPr>
           <a:xfrm>
-            <a:off x="14672529" y="7915983"/>
+            <a:off x="19526420" y="7809856"/>
             <a:ext cx="1363119" cy="677072"/>
           </a:xfrm>
           <a:prstGeom prst="rect">
@@ -6426,13 +8172,13 @@
               </a:ext>
             </a:extLst>
           </a:blip>
-          <a:srcRect l="27182" t="2345" r="46452"/>
+          <a:srcRect l="28665" t="13513" r="48998" b="13528"/>
           <a:stretch/>
         </p:blipFill>
         <p:spPr bwMode="auto">
           <a:xfrm>
-            <a:off x="14254384" y="5638432"/>
-            <a:ext cx="2199407" cy="2443820"/>
+            <a:off x="19276351" y="5838741"/>
+            <a:ext cx="1863256" cy="1825794"/>
           </a:xfrm>
           <a:prstGeom prst="rect">
             <a:avLst/>
@@ -6476,8 +8222,8 @@
         </p:blipFill>
         <p:spPr bwMode="auto">
           <a:xfrm>
-            <a:off x="17814725" y="6090446"/>
-            <a:ext cx="1725930" cy="1689100"/>
+            <a:off x="16219187" y="5988324"/>
+            <a:ext cx="1559915" cy="1526628"/>
           </a:xfrm>
           <a:prstGeom prst="rect">
             <a:avLst/>
@@ -6508,7 +8254,7 @@
         </p:nvSpPr>
         <p:spPr>
           <a:xfrm>
-            <a:off x="17746063" y="7915983"/>
+            <a:off x="16067517" y="7809856"/>
             <a:ext cx="1863256" cy="677072"/>
           </a:xfrm>
           <a:prstGeom prst="rect">
@@ -6531,6 +8277,100 @@
                 <a:cs typeface="Lato Regular"/>
               </a:rPr>
               <a:t>Retrofit</a:t>
+            </a:r>
+            <a:endParaRPr lang="id-ID" sz="3200" b="1" dirty="0">
+              <a:solidFill>
+                <a:schemeClr val="tx2"/>
+              </a:solidFill>
+              <a:cs typeface="Lato Regular"/>
+            </a:endParaRPr>
+          </a:p>
+        </p:txBody>
+      </p:sp>
+      <p:pic>
+        <p:nvPicPr>
+          <p:cNvPr id="1026" name="Picture 2" descr="ReactiveX">
+            <a:extLst>
+              <a:ext uri="{FF2B5EF4-FFF2-40B4-BE49-F238E27FC236}">
+                <a16:creationId xmlns:a16="http://schemas.microsoft.com/office/drawing/2014/main" id="{B205FE5D-DA08-402A-A6CC-D3AB49AE237B}"/>
+              </a:ext>
+            </a:extLst>
+          </p:cNvPr>
+          <p:cNvPicPr>
+            <a:picLocks noChangeAspect="1" noChangeArrowheads="1"/>
+          </p:cNvPicPr>
+          <p:nvPr/>
+        </p:nvPicPr>
+        <p:blipFill>
+          <a:blip r:embed="rId8">
+            <a:extLst>
+              <a:ext uri="{28A0092B-C50C-407E-A947-70E740481C1C}">
+                <a14:useLocalDpi xmlns:a14="http://schemas.microsoft.com/office/drawing/2010/main" val="0"/>
+              </a:ext>
+            </a:extLst>
+          </a:blip>
+          <a:srcRect/>
+          <a:stretch>
+            <a:fillRect/>
+          </a:stretch>
+        </p:blipFill>
+        <p:spPr bwMode="auto">
+          <a:xfrm>
+            <a:off x="13046492" y="6054780"/>
+            <a:ext cx="1526628" cy="1526628"/>
+          </a:xfrm>
+          <a:prstGeom prst="rect">
+            <a:avLst/>
+          </a:prstGeom>
+          <a:noFill/>
+          <a:extLst>
+            <a:ext uri="{909E8E84-426E-40DD-AFC4-6F175D3DCCD1}">
+              <a14:hiddenFill xmlns:a14="http://schemas.microsoft.com/office/drawing/2010/main">
+                <a:solidFill>
+                  <a:srgbClr val="FFFFFF"/>
+                </a:solidFill>
+              </a14:hiddenFill>
+            </a:ext>
+          </a:extLst>
+        </p:spPr>
+      </p:pic>
+      <p:sp>
+        <p:nvSpPr>
+          <p:cNvPr id="3" name="TextBox 2">
+            <a:extLst>
+              <a:ext uri="{FF2B5EF4-FFF2-40B4-BE49-F238E27FC236}">
+                <a16:creationId xmlns:a16="http://schemas.microsoft.com/office/drawing/2014/main" id="{F67D7731-EE62-41C1-9ED4-4D4583C29F6D}"/>
+              </a:ext>
+            </a:extLst>
+          </p:cNvPr>
+          <p:cNvSpPr txBox="1"/>
+          <p:nvPr/>
+        </p:nvSpPr>
+        <p:spPr>
+          <a:xfrm>
+            <a:off x="12686172" y="7809856"/>
+            <a:ext cx="2267214" cy="677072"/>
+          </a:xfrm>
+          <a:prstGeom prst="rect">
+            <a:avLst/>
+          </a:prstGeom>
+          <a:noFill/>
+        </p:spPr>
+        <p:txBody>
+          <a:bodyPr wrap="none" lIns="182843" tIns="91422" rIns="182843" bIns="91422" rtlCol="0">
+            <a:spAutoFit/>
+          </a:bodyPr>
+          <a:lstStyle/>
+          <a:p>
+            <a:pPr algn="ctr"/>
+            <a:r>
+              <a:rPr lang="en-US" sz="3200" b="1" dirty="0" err="1">
+                <a:solidFill>
+                  <a:schemeClr val="tx2"/>
+                </a:solidFill>
+                <a:cs typeface="Lato Regular"/>
+              </a:rPr>
+              <a:t>ReactiveX</a:t>
             </a:r>
             <a:endParaRPr lang="id-ID" sz="3200" b="1" dirty="0">
               <a:solidFill>
@@ -7399,7 +9239,7 @@
         </p:blipFill>
         <p:spPr>
           <a:xfrm>
-            <a:off x="15709855" y="2387040"/>
+            <a:off x="9443930" y="2387039"/>
             <a:ext cx="5489790" cy="10979580"/>
           </a:xfrm>
           <a:prstGeom prst="rect">
@@ -7435,7 +9275,7 @@
         </p:blipFill>
         <p:spPr>
           <a:xfrm>
-            <a:off x="9437071" y="2359603"/>
+            <a:off x="15709855" y="2373321"/>
             <a:ext cx="5503508" cy="11007016"/>
           </a:xfrm>
           <a:prstGeom prst="rect">

--- a/Презентация Выйти из IT.pptx
+++ b/Презентация Выйти из IT.pptx
@@ -9803,12 +9803,42 @@
           </a:p>
         </p:txBody>
       </p:sp>
+      <p:pic>
+        <p:nvPicPr>
+          <p:cNvPr id="2" name="Рисунок 1">
+            <a:extLst>
+              <a:ext uri="{FF2B5EF4-FFF2-40B4-BE49-F238E27FC236}">
+                <a16:creationId xmlns:a16="http://schemas.microsoft.com/office/drawing/2014/main" id="{F53C153A-1E6E-4E6F-B19B-32DC1F719358}"/>
+              </a:ext>
+            </a:extLst>
+          </p:cNvPr>
+          <p:cNvPicPr>
+            <a:picLocks noChangeAspect="1"/>
+          </p:cNvPicPr>
+          <p:nvPr/>
+        </p:nvPicPr>
+        <p:blipFill>
+          <a:blip r:embed="rId3"/>
+          <a:stretch>
+            <a:fillRect/>
+          </a:stretch>
+        </p:blipFill>
+        <p:spPr>
+          <a:xfrm>
+            <a:off x="2577071" y="1157439"/>
+            <a:ext cx="3989857" cy="2992393"/>
+          </a:xfrm>
+          <a:prstGeom prst="rect">
+            <a:avLst/>
+          </a:prstGeom>
+        </p:spPr>
+      </p:pic>
       <p:sp>
         <p:nvSpPr>
-          <p:cNvPr id="5" name="TextBox 4">
+          <p:cNvPr id="3" name="TextBox 2">
             <a:extLst>
               <a:ext uri="{FF2B5EF4-FFF2-40B4-BE49-F238E27FC236}">
-                <a16:creationId xmlns:a16="http://schemas.microsoft.com/office/drawing/2014/main" id="{78E3AAB9-91D9-4E29-813C-4C9927E29899}"/>
+                <a16:creationId xmlns:a16="http://schemas.microsoft.com/office/drawing/2014/main" id="{6105FD51-AB4C-41D8-9433-046FA3C81B9B}"/>
               </a:ext>
             </a:extLst>
           </p:cNvPr>
@@ -9817,8 +9847,8 @@
         </p:nvSpPr>
         <p:spPr>
           <a:xfrm>
-            <a:off x="525981" y="676291"/>
-            <a:ext cx="4602078" cy="307777"/>
+            <a:off x="3275687" y="599365"/>
+            <a:ext cx="2592623" cy="461628"/>
           </a:xfrm>
           <a:prstGeom prst="rect">
             <a:avLst/>
@@ -9826,27 +9856,28 @@
           <a:noFill/>
         </p:spPr>
         <p:txBody>
-          <a:bodyPr wrap="square">
+          <a:bodyPr wrap="none" lIns="182843" tIns="91422" rIns="182843" bIns="91422" rtlCol="0">
             <a:spAutoFit/>
           </a:bodyPr>
           <a:lstStyle/>
           <a:p>
+            <a:pPr algn="ctr"/>
             <a:r>
-              <a:rPr lang="ru-RU" sz="1400" dirty="0">
+              <a:rPr lang="ru-RU" sz="1800" dirty="0">
                 <a:solidFill>
                   <a:schemeClr val="tx1"/>
                 </a:solidFill>
-                <a:effectLst/>
-                <a:latin typeface="Calibri" panose="020F0502020204030204" pitchFamily="34" charset="0"/>
-                <a:ea typeface="Calibri" panose="020F0502020204030204" pitchFamily="34" charset="0"/>
-                <a:cs typeface="Times New Roman" panose="02020603050405020304" pitchFamily="18" charset="0"/>
+                <a:latin typeface="Hind" panose="020B0604020202020204" charset="0"/>
+                <a:cs typeface="Hind" panose="020B0604020202020204" charset="0"/>
               </a:rPr>
-              <a:t>решение второстепенных проблем</a:t>
+              <a:t>Отсутствие очередей</a:t>
             </a:r>
-            <a:endParaRPr lang="ru-RU" dirty="0">
+            <a:endParaRPr lang="id-ID" sz="1800" dirty="0">
               <a:solidFill>
                 <a:schemeClr val="tx1"/>
               </a:solidFill>
+              <a:latin typeface="Hind" panose="020B0604020202020204" charset="0"/>
+              <a:cs typeface="Hind" panose="020B0604020202020204" charset="0"/>
             </a:endParaRPr>
           </a:p>
         </p:txBody>
@@ -10226,51 +10257,308 @@
       </p:sp>
       <p:sp>
         <p:nvSpPr>
-          <p:cNvPr id="5" name="TextBox 4">
+          <p:cNvPr id="6" name="Google Shape;232;p20">
             <a:extLst>
               <a:ext uri="{FF2B5EF4-FFF2-40B4-BE49-F238E27FC236}">
-                <a16:creationId xmlns:a16="http://schemas.microsoft.com/office/drawing/2014/main" id="{CAC63ACF-B033-4384-9015-EBE64027F20F}"/>
+                <a16:creationId xmlns:a16="http://schemas.microsoft.com/office/drawing/2014/main" id="{C518827D-95DE-4C43-86AD-F6FD607D104B}"/>
               </a:ext>
             </a:extLst>
           </p:cNvPr>
-          <p:cNvSpPr txBox="1"/>
-          <p:nvPr/>
+          <p:cNvSpPr txBox="1">
+            <a:spLocks noGrp="1"/>
+          </p:cNvSpPr>
+          <p:nvPr>
+            <p:ph type="body" idx="1"/>
+          </p:nvPr>
         </p:nvSpPr>
         <p:spPr>
           <a:xfrm>
-            <a:off x="748966" y="502920"/>
-            <a:ext cx="4602078" cy="307777"/>
+            <a:off x="1585950" y="518159"/>
+            <a:ext cx="5972100" cy="2053591"/>
+          </a:xfrm>
+          <a:prstGeom prst="rect">
+            <a:avLst/>
+          </a:prstGeom>
+        </p:spPr>
+        <p:txBody>
+          <a:bodyPr spcFirstLastPara="1" wrap="square" lIns="91425" tIns="91425" rIns="91425" bIns="91425" anchor="t" anchorCtr="0">
+            <a:noAutofit/>
+          </a:bodyPr>
+          <a:lstStyle/>
+          <a:p>
+            <a:pPr marL="457200" lvl="0" indent="-381000" algn="l" rtl="0">
+              <a:spcBef>
+                <a:spcPts val="600"/>
+              </a:spcBef>
+              <a:spcAft>
+                <a:spcPts val="0"/>
+              </a:spcAft>
+              <a:buSzPts val="2400"/>
+              <a:buChar char="›"/>
+            </a:pPr>
+            <a:r>
+              <a:rPr lang="ru-RU" sz="2000" b="0" i="0" dirty="0"/>
+              <a:t>Необходимость наличия интернета (отсутствует кеширование)</a:t>
+            </a:r>
+            <a:endParaRPr sz="2000" b="0" i="0" dirty="0"/>
+          </a:p>
+          <a:p>
+            <a:pPr marL="457200" lvl="0" indent="-381000" algn="l" rtl="0">
+              <a:spcBef>
+                <a:spcPts val="0"/>
+              </a:spcBef>
+              <a:spcAft>
+                <a:spcPts val="0"/>
+              </a:spcAft>
+              <a:buSzPts val="2400"/>
+              <a:buChar char="›"/>
+            </a:pPr>
+            <a:r>
+              <a:rPr lang="ru-RU" sz="2000" b="0" i="0" dirty="0"/>
+              <a:t>Доступность только на одной платформе (</a:t>
+            </a:r>
+            <a:r>
+              <a:rPr lang="en-US" sz="2000" b="0" i="0" dirty="0"/>
+              <a:t>Android</a:t>
+            </a:r>
+            <a:r>
+              <a:rPr lang="ru-RU" sz="2000" b="0" i="0" dirty="0"/>
+              <a:t>)</a:t>
+            </a:r>
+          </a:p>
+          <a:p>
+            <a:pPr marL="457200" lvl="0" indent="-381000" algn="l" rtl="0">
+              <a:spcBef>
+                <a:spcPts val="0"/>
+              </a:spcBef>
+              <a:spcAft>
+                <a:spcPts val="0"/>
+              </a:spcAft>
+              <a:buSzPts val="2400"/>
+              <a:buChar char="›"/>
+            </a:pPr>
+            <a:r>
+              <a:rPr lang="ru-RU" sz="2000" b="0" i="0" dirty="0"/>
+              <a:t>Регистрация с помощью сторонних сервисов</a:t>
+            </a:r>
+            <a:r>
+              <a:rPr lang="en-US" sz="2000" b="0" i="0" dirty="0"/>
+              <a:t> (</a:t>
+            </a:r>
+            <a:r>
+              <a:rPr lang="ru-RU" sz="2000" b="0" i="0" dirty="0"/>
+              <a:t>отсутствует регистрация по </a:t>
+            </a:r>
+            <a:r>
+              <a:rPr lang="en-US" sz="2000" b="0" i="0" dirty="0"/>
+              <a:t>e</a:t>
+            </a:r>
+            <a:r>
+              <a:rPr lang="ru-RU" sz="2000" b="0" i="0" dirty="0"/>
+              <a:t>-</a:t>
+            </a:r>
+            <a:r>
+              <a:rPr lang="en-US" sz="2000" b="0" i="0" dirty="0"/>
+              <a:t>mail </a:t>
+            </a:r>
+            <a:r>
+              <a:rPr lang="ru-RU" sz="2000" b="0" i="0" dirty="0"/>
+              <a:t>и паролю</a:t>
+            </a:r>
+            <a:r>
+              <a:rPr lang="en-US" sz="2000" b="0" i="0" dirty="0"/>
+              <a:t>)</a:t>
+            </a:r>
+            <a:endParaRPr sz="2000" b="0" i="0" dirty="0"/>
+          </a:p>
+        </p:txBody>
+      </p:sp>
+      <p:pic>
+        <p:nvPicPr>
+          <p:cNvPr id="1026" name="Picture 2">
+            <a:extLst>
+              <a:ext uri="{FF2B5EF4-FFF2-40B4-BE49-F238E27FC236}">
+                <a16:creationId xmlns:a16="http://schemas.microsoft.com/office/drawing/2014/main" id="{73191773-DAB2-44E9-827E-2341200E418A}"/>
+              </a:ext>
+            </a:extLst>
+          </p:cNvPr>
+          <p:cNvPicPr>
+            <a:picLocks noChangeAspect="1" noChangeArrowheads="1"/>
+          </p:cNvPicPr>
+          <p:nvPr/>
+        </p:nvPicPr>
+        <p:blipFill rotWithShape="1">
+          <a:blip r:embed="rId3">
+            <a:extLst>
+              <a:ext uri="{28A0092B-C50C-407E-A947-70E740481C1C}">
+                <a14:useLocalDpi xmlns:a14="http://schemas.microsoft.com/office/drawing/2010/main" val="0"/>
+              </a:ext>
+            </a:extLst>
+          </a:blip>
+          <a:srcRect b="32531"/>
+          <a:stretch/>
+        </p:blipFill>
+        <p:spPr bwMode="auto">
+          <a:xfrm>
+            <a:off x="3195180" y="3343902"/>
+            <a:ext cx="1386693" cy="817068"/>
           </a:xfrm>
           <a:prstGeom prst="rect">
             <a:avLst/>
           </a:prstGeom>
           <a:noFill/>
+          <a:extLst>
+            <a:ext uri="{909E8E84-426E-40DD-AFC4-6F175D3DCCD1}">
+              <a14:hiddenFill xmlns:a14="http://schemas.microsoft.com/office/drawing/2010/main">
+                <a:solidFill>
+                  <a:srgbClr val="FFFFFF"/>
+                </a:solidFill>
+              </a14:hiddenFill>
+            </a:ext>
+          </a:extLst>
         </p:spPr>
-        <p:txBody>
-          <a:bodyPr wrap="square">
-            <a:spAutoFit/>
-          </a:bodyPr>
-          <a:lstStyle/>
-          <a:p>
-            <a:r>
-              <a:rPr lang="ru-RU" sz="1400" dirty="0">
+      </p:pic>
+      <p:pic>
+        <p:nvPicPr>
+          <p:cNvPr id="4" name="Picture 6">
+            <a:extLst>
+              <a:ext uri="{FF2B5EF4-FFF2-40B4-BE49-F238E27FC236}">
+                <a16:creationId xmlns:a16="http://schemas.microsoft.com/office/drawing/2014/main" id="{044446BF-F756-47D3-B1C9-AE2335FC07D7}"/>
+              </a:ext>
+            </a:extLst>
+          </p:cNvPr>
+          <p:cNvPicPr>
+            <a:picLocks noChangeAspect="1" noChangeArrowheads="1"/>
+          </p:cNvPicPr>
+          <p:nvPr/>
+        </p:nvPicPr>
+        <p:blipFill>
+          <a:blip r:embed="rId4">
+            <a:extLst>
+              <a:ext uri="{28A0092B-C50C-407E-A947-70E740481C1C}">
+                <a14:useLocalDpi xmlns:a14="http://schemas.microsoft.com/office/drawing/2010/main" val="0"/>
+              </a:ext>
+            </a:extLst>
+          </a:blip>
+          <a:srcRect/>
+          <a:stretch>
+            <a:fillRect/>
+          </a:stretch>
+        </p:blipFill>
+        <p:spPr bwMode="auto">
+          <a:xfrm>
+            <a:off x="6207199" y="3244778"/>
+            <a:ext cx="1073110" cy="1073110"/>
+          </a:xfrm>
+          <a:prstGeom prst="rect">
+            <a:avLst/>
+          </a:prstGeom>
+          <a:noFill/>
+          <a:extLst>
+            <a:ext uri="{909E8E84-426E-40DD-AFC4-6F175D3DCCD1}">
+              <a14:hiddenFill xmlns:a14="http://schemas.microsoft.com/office/drawing/2010/main">
                 <a:solidFill>
-                  <a:schemeClr val="tx1"/>
+                  <a:srgbClr val="FFFFFF"/>
                 </a:solidFill>
-                <a:effectLst/>
-                <a:latin typeface="Times New Roman" panose="02020603050405020304" pitchFamily="18" charset="0"/>
-                <a:ea typeface="Calibri" panose="020F0502020204030204" pitchFamily="34" charset="0"/>
-              </a:rPr>
-              <a:t>ресурсы, компетенции, перспективы</a:t>
-            </a:r>
-            <a:endParaRPr lang="ru-RU" dirty="0">
-              <a:solidFill>
-                <a:schemeClr val="tx1"/>
-              </a:solidFill>
-            </a:endParaRPr>
-          </a:p>
-        </p:txBody>
-      </p:sp>
+              </a14:hiddenFill>
+            </a:ext>
+          </a:extLst>
+        </p:spPr>
+      </p:pic>
+      <p:pic>
+        <p:nvPicPr>
+          <p:cNvPr id="1028" name="Picture 4">
+            <a:extLst>
+              <a:ext uri="{FF2B5EF4-FFF2-40B4-BE49-F238E27FC236}">
+                <a16:creationId xmlns:a16="http://schemas.microsoft.com/office/drawing/2014/main" id="{27D7DC67-6F96-491A-8158-5060D6CD21E5}"/>
+              </a:ext>
+            </a:extLst>
+          </p:cNvPr>
+          <p:cNvPicPr>
+            <a:picLocks noChangeAspect="1" noChangeArrowheads="1"/>
+          </p:cNvPicPr>
+          <p:nvPr/>
+        </p:nvPicPr>
+        <p:blipFill>
+          <a:blip r:embed="rId5">
+            <a:extLst>
+              <a:ext uri="{28A0092B-C50C-407E-A947-70E740481C1C}">
+                <a14:useLocalDpi xmlns:a14="http://schemas.microsoft.com/office/drawing/2010/main" val="0"/>
+              </a:ext>
+            </a:extLst>
+          </a:blip>
+          <a:srcRect/>
+          <a:stretch>
+            <a:fillRect/>
+          </a:stretch>
+        </p:blipFill>
+        <p:spPr bwMode="auto">
+          <a:xfrm>
+            <a:off x="4849762" y="3244779"/>
+            <a:ext cx="1053899" cy="1073109"/>
+          </a:xfrm>
+          <a:prstGeom prst="rect">
+            <a:avLst/>
+          </a:prstGeom>
+          <a:noFill/>
+          <a:extLst>
+            <a:ext uri="{909E8E84-426E-40DD-AFC4-6F175D3DCCD1}">
+              <a14:hiddenFill xmlns:a14="http://schemas.microsoft.com/office/drawing/2010/main">
+                <a:solidFill>
+                  <a:srgbClr val="FFFFFF"/>
+                </a:solidFill>
+              </a14:hiddenFill>
+            </a:ext>
+          </a:extLst>
+        </p:spPr>
+      </p:pic>
+      <p:pic>
+        <p:nvPicPr>
+          <p:cNvPr id="1030" name="Picture 6" descr="Приложения в Google Play – Dino T-Rex">
+            <a:extLst>
+              <a:ext uri="{FF2B5EF4-FFF2-40B4-BE49-F238E27FC236}">
+                <a16:creationId xmlns:a16="http://schemas.microsoft.com/office/drawing/2014/main" id="{537FA05D-6496-4BD1-8FE8-B2CEC9E2E75B}"/>
+              </a:ext>
+            </a:extLst>
+          </p:cNvPr>
+          <p:cNvPicPr>
+            <a:picLocks noChangeAspect="1" noChangeArrowheads="1"/>
+          </p:cNvPicPr>
+          <p:nvPr/>
+        </p:nvPicPr>
+        <p:blipFill>
+          <a:blip r:embed="rId6">
+            <a:extLst>
+              <a:ext uri="{28A0092B-C50C-407E-A947-70E740481C1C}">
+                <a14:useLocalDpi xmlns:a14="http://schemas.microsoft.com/office/drawing/2010/main" val="0"/>
+              </a:ext>
+            </a:extLst>
+          </a:blip>
+          <a:srcRect/>
+          <a:stretch>
+            <a:fillRect/>
+          </a:stretch>
+        </p:blipFill>
+        <p:spPr bwMode="auto">
+          <a:xfrm>
+            <a:off x="1361976" y="2925988"/>
+            <a:ext cx="1710690" cy="1710690"/>
+          </a:xfrm>
+          <a:prstGeom prst="rect">
+            <a:avLst/>
+          </a:prstGeom>
+          <a:noFill/>
+          <a:extLst>
+            <a:ext uri="{909E8E84-426E-40DD-AFC4-6F175D3DCCD1}">
+              <a14:hiddenFill xmlns:a14="http://schemas.microsoft.com/office/drawing/2010/main">
+                <a:solidFill>
+                  <a:srgbClr val="FFFFFF"/>
+                </a:solidFill>
+              </a14:hiddenFill>
+            </a:ext>
+          </a:extLst>
+        </p:spPr>
+      </p:pic>
     </p:spTree>
     <p:extLst>
       <p:ext uri="{BB962C8B-B14F-4D97-AF65-F5344CB8AC3E}">
@@ -17600,7 +17888,7 @@
         </p:nvSpPr>
         <p:spPr>
           <a:xfrm>
-            <a:off x="2199349" y="648716"/>
+            <a:off x="2199349" y="486156"/>
             <a:ext cx="2075120" cy="4163909"/>
           </a:xfrm>
           <a:custGeom>
@@ -18288,7 +18576,7 @@
         </p:nvSpPr>
         <p:spPr>
           <a:xfrm>
-            <a:off x="2292664" y="997916"/>
+            <a:off x="2292664" y="835356"/>
             <a:ext cx="1888500" cy="3356100"/>
           </a:xfrm>
           <a:prstGeom prst="rect">
@@ -18351,7 +18639,7 @@
         </p:blipFill>
         <p:spPr>
           <a:xfrm>
-            <a:off x="2285044" y="948403"/>
+            <a:off x="2285044" y="785843"/>
             <a:ext cx="1907355" cy="3581687"/>
           </a:xfrm>
           <a:prstGeom prst="rect">
@@ -18373,7 +18661,7 @@
         </p:nvSpPr>
         <p:spPr>
           <a:xfrm>
-            <a:off x="4615272" y="648716"/>
+            <a:off x="4615272" y="486156"/>
             <a:ext cx="2075120" cy="4163909"/>
           </a:xfrm>
           <a:custGeom>
@@ -19061,7 +19349,7 @@
         </p:nvSpPr>
         <p:spPr>
           <a:xfrm>
-            <a:off x="4708587" y="997916"/>
+            <a:off x="4708587" y="835356"/>
             <a:ext cx="1888500" cy="3356100"/>
           </a:xfrm>
           <a:prstGeom prst="rect">
@@ -19124,7 +19412,7 @@
         </p:blipFill>
         <p:spPr>
           <a:xfrm>
-            <a:off x="4695753" y="948403"/>
+            <a:off x="4695753" y="785843"/>
             <a:ext cx="1916574" cy="3612167"/>
           </a:xfrm>
           <a:prstGeom prst="rect">
@@ -19132,6 +19420,104 @@
           </a:prstGeom>
         </p:spPr>
       </p:pic>
+      <p:sp>
+        <p:nvSpPr>
+          <p:cNvPr id="2" name="TextBox 1">
+            <a:extLst>
+              <a:ext uri="{FF2B5EF4-FFF2-40B4-BE49-F238E27FC236}">
+                <a16:creationId xmlns:a16="http://schemas.microsoft.com/office/drawing/2014/main" id="{A6B2C904-221B-4897-B632-A8244BC5FEEF}"/>
+              </a:ext>
+            </a:extLst>
+          </p:cNvPr>
+          <p:cNvSpPr txBox="1"/>
+          <p:nvPr/>
+        </p:nvSpPr>
+        <p:spPr>
+          <a:xfrm>
+            <a:off x="1465809" y="4726941"/>
+            <a:ext cx="2970930" cy="461628"/>
+          </a:xfrm>
+          <a:prstGeom prst="rect">
+            <a:avLst/>
+          </a:prstGeom>
+          <a:noFill/>
+        </p:spPr>
+        <p:txBody>
+          <a:bodyPr wrap="none" lIns="182843" tIns="91422" rIns="182843" bIns="91422" rtlCol="0">
+            <a:spAutoFit/>
+          </a:bodyPr>
+          <a:lstStyle/>
+          <a:p>
+            <a:pPr algn="ctr"/>
+            <a:r>
+              <a:rPr lang="ru-RU" sz="1800" dirty="0">
+                <a:solidFill>
+                  <a:schemeClr val="tx1"/>
+                </a:solidFill>
+                <a:latin typeface="Hind" panose="020B0604020202020204" charset="0"/>
+                <a:cs typeface="Hind" panose="020B0604020202020204" charset="0"/>
+              </a:rPr>
+              <a:t>Мобильная версия сайта</a:t>
+            </a:r>
+            <a:endParaRPr lang="id-ID" sz="1800" dirty="0">
+              <a:solidFill>
+                <a:schemeClr val="tx1"/>
+              </a:solidFill>
+              <a:latin typeface="Hind" panose="020B0604020202020204" charset="0"/>
+              <a:cs typeface="Hind" panose="020B0604020202020204" charset="0"/>
+            </a:endParaRPr>
+          </a:p>
+        </p:txBody>
+      </p:sp>
+      <p:sp>
+        <p:nvSpPr>
+          <p:cNvPr id="3" name="TextBox 2">
+            <a:extLst>
+              <a:ext uri="{FF2B5EF4-FFF2-40B4-BE49-F238E27FC236}">
+                <a16:creationId xmlns:a16="http://schemas.microsoft.com/office/drawing/2014/main" id="{A4349EB5-597A-4414-BFFD-17383FCD336C}"/>
+              </a:ext>
+            </a:extLst>
+          </p:cNvPr>
+          <p:cNvSpPr txBox="1"/>
+          <p:nvPr/>
+        </p:nvSpPr>
+        <p:spPr>
+          <a:xfrm>
+            <a:off x="4304950" y="4726941"/>
+            <a:ext cx="4201026" cy="461628"/>
+          </a:xfrm>
+          <a:prstGeom prst="rect">
+            <a:avLst/>
+          </a:prstGeom>
+          <a:noFill/>
+        </p:spPr>
+        <p:txBody>
+          <a:bodyPr wrap="square" lIns="182843" tIns="91422" rIns="182843" bIns="91422" rtlCol="0">
+            <a:spAutoFit/>
+          </a:bodyPr>
+          <a:lstStyle/>
+          <a:p>
+            <a:pPr algn="ctr"/>
+            <a:r>
+              <a:rPr lang="ru-RU" sz="1800" dirty="0">
+                <a:solidFill>
+                  <a:schemeClr val="tx1"/>
+                </a:solidFill>
+                <a:latin typeface="Hind" panose="020B0604020202020204" charset="0"/>
+                <a:cs typeface="Hind" panose="020B0604020202020204" charset="0"/>
+              </a:rPr>
+              <a:t>Текущее мобильное приложение</a:t>
+            </a:r>
+            <a:endParaRPr lang="id-ID" sz="1800" dirty="0">
+              <a:solidFill>
+                <a:schemeClr val="tx1"/>
+              </a:solidFill>
+              <a:latin typeface="Hind" panose="020B0604020202020204" charset="0"/>
+              <a:cs typeface="Hind" panose="020B0604020202020204" charset="0"/>
+            </a:endParaRPr>
+          </a:p>
+        </p:txBody>
+      </p:sp>
     </p:spTree>
   </p:cSld>
   <p:clrMapOvr>
@@ -19497,51 +19883,210 @@
           </a:p>
         </p:txBody>
       </p:sp>
-      <p:sp>
-        <p:nvSpPr>
-          <p:cNvPr id="5" name="TextBox 4">
+      <p:pic>
+        <p:nvPicPr>
+          <p:cNvPr id="1028" name="Picture 4">
             <a:extLst>
               <a:ext uri="{FF2B5EF4-FFF2-40B4-BE49-F238E27FC236}">
-                <a16:creationId xmlns:a16="http://schemas.microsoft.com/office/drawing/2014/main" id="{34C4086D-A0C3-4F8A-801C-AB9DB8370175}"/>
+                <a16:creationId xmlns:a16="http://schemas.microsoft.com/office/drawing/2014/main" id="{D294FBC0-7306-416E-BB43-6C1C69CA579E}"/>
               </a:ext>
             </a:extLst>
           </p:cNvPr>
-          <p:cNvSpPr txBox="1"/>
+          <p:cNvPicPr>
+            <a:picLocks noChangeAspect="1" noChangeArrowheads="1"/>
+          </p:cNvPicPr>
           <p:nvPr/>
-        </p:nvSpPr>
-        <p:spPr>
+        </p:nvPicPr>
+        <p:blipFill>
+          <a:blip r:embed="rId3">
+            <a:extLst>
+              <a:ext uri="{28A0092B-C50C-407E-A947-70E740481C1C}">
+                <a14:useLocalDpi xmlns:a14="http://schemas.microsoft.com/office/drawing/2010/main" val="0"/>
+              </a:ext>
+            </a:extLst>
+          </a:blip>
+          <a:srcRect/>
+          <a:stretch>
+            <a:fillRect/>
+          </a:stretch>
+        </p:blipFill>
+        <p:spPr bwMode="auto">
           <a:xfrm>
-            <a:off x="1543050" y="592631"/>
-            <a:ext cx="4602078" cy="523220"/>
+            <a:off x="3700780" y="2245326"/>
+            <a:ext cx="1391920" cy="1391920"/>
           </a:xfrm>
           <a:prstGeom prst="rect">
             <a:avLst/>
           </a:prstGeom>
           <a:noFill/>
+          <a:extLst>
+            <a:ext uri="{909E8E84-426E-40DD-AFC4-6F175D3DCCD1}">
+              <a14:hiddenFill xmlns:a14="http://schemas.microsoft.com/office/drawing/2010/main">
+                <a:solidFill>
+                  <a:srgbClr val="FFFFFF"/>
+                </a:solidFill>
+              </a14:hiddenFill>
+            </a:ext>
+          </a:extLst>
+        </p:spPr>
+      </p:pic>
+      <p:pic>
+        <p:nvPicPr>
+          <p:cNvPr id="1030" name="Picture 6">
+            <a:extLst>
+              <a:ext uri="{FF2B5EF4-FFF2-40B4-BE49-F238E27FC236}">
+                <a16:creationId xmlns:a16="http://schemas.microsoft.com/office/drawing/2014/main" id="{D6347DC0-D96D-40DA-896F-B687EDF1C803}"/>
+              </a:ext>
+            </a:extLst>
+          </p:cNvPr>
+          <p:cNvPicPr>
+            <a:picLocks noChangeAspect="1" noChangeArrowheads="1"/>
+          </p:cNvPicPr>
+          <p:nvPr/>
+        </p:nvPicPr>
+        <p:blipFill>
+          <a:blip r:embed="rId4">
+            <a:extLst>
+              <a:ext uri="{28A0092B-C50C-407E-A947-70E740481C1C}">
+                <a14:useLocalDpi xmlns:a14="http://schemas.microsoft.com/office/drawing/2010/main" val="0"/>
+              </a:ext>
+            </a:extLst>
+          </a:blip>
+          <a:srcRect/>
+          <a:stretch>
+            <a:fillRect/>
+          </a:stretch>
+        </p:blipFill>
+        <p:spPr bwMode="auto">
+          <a:xfrm>
+            <a:off x="1828800" y="2152317"/>
+            <a:ext cx="1141317" cy="1403365"/>
+          </a:xfrm>
+          <a:prstGeom prst="rect">
+            <a:avLst/>
+          </a:prstGeom>
+          <a:noFill/>
+          <a:extLst>
+            <a:ext uri="{909E8E84-426E-40DD-AFC4-6F175D3DCCD1}">
+              <a14:hiddenFill xmlns:a14="http://schemas.microsoft.com/office/drawing/2010/main">
+                <a:solidFill>
+                  <a:srgbClr val="FFFFFF"/>
+                </a:solidFill>
+              </a14:hiddenFill>
+            </a:ext>
+          </a:extLst>
+        </p:spPr>
+      </p:pic>
+      <p:pic>
+        <p:nvPicPr>
+          <p:cNvPr id="15" name="Рисунок 14">
+            <a:extLst>
+              <a:ext uri="{FF2B5EF4-FFF2-40B4-BE49-F238E27FC236}">
+                <a16:creationId xmlns:a16="http://schemas.microsoft.com/office/drawing/2014/main" id="{A29B589B-ABFB-433F-BA56-D03EF002DEC5}"/>
+              </a:ext>
+            </a:extLst>
+          </p:cNvPr>
+          <p:cNvPicPr>
+            <a:picLocks noChangeAspect="1"/>
+          </p:cNvPicPr>
+          <p:nvPr/>
+        </p:nvPicPr>
+        <p:blipFill>
+          <a:blip r:embed="rId5"/>
+          <a:stretch>
+            <a:fillRect/>
+          </a:stretch>
+        </p:blipFill>
+        <p:spPr>
+          <a:xfrm>
+            <a:off x="5958840" y="2241550"/>
+            <a:ext cx="1275080" cy="1395696"/>
+          </a:xfrm>
+          <a:prstGeom prst="rect">
+            <a:avLst/>
+          </a:prstGeom>
+        </p:spPr>
+      </p:pic>
+      <p:sp>
+        <p:nvSpPr>
+          <p:cNvPr id="19" name="Google Shape;232;p20">
+            <a:extLst>
+              <a:ext uri="{FF2B5EF4-FFF2-40B4-BE49-F238E27FC236}">
+                <a16:creationId xmlns:a16="http://schemas.microsoft.com/office/drawing/2014/main" id="{4D36E823-E31C-4122-B36F-99D0C6EEC249}"/>
+              </a:ext>
+            </a:extLst>
+          </p:cNvPr>
+          <p:cNvSpPr txBox="1">
+            <a:spLocks noGrp="1"/>
+          </p:cNvSpPr>
+          <p:nvPr>
+            <p:ph type="body" idx="1"/>
+          </p:nvPr>
+        </p:nvSpPr>
+        <p:spPr>
+          <a:xfrm>
+            <a:off x="1585950" y="518160"/>
+            <a:ext cx="5972100" cy="1178560"/>
+          </a:xfrm>
+          <a:prstGeom prst="rect">
+            <a:avLst/>
+          </a:prstGeom>
         </p:spPr>
         <p:txBody>
-          <a:bodyPr wrap="square">
-            <a:spAutoFit/>
+          <a:bodyPr spcFirstLastPara="1" wrap="square" lIns="91425" tIns="91425" rIns="91425" bIns="91425" anchor="t" anchorCtr="0">
+            <a:noAutofit/>
           </a:bodyPr>
           <a:lstStyle/>
           <a:p>
+            <a:pPr marL="457200" lvl="0" indent="-381000" algn="l" rtl="0">
+              <a:spcBef>
+                <a:spcPts val="600"/>
+              </a:spcBef>
+              <a:spcAft>
+                <a:spcPts val="0"/>
+              </a:spcAft>
+              <a:buSzPts val="2400"/>
+              <a:buChar char="›"/>
+            </a:pPr>
             <a:r>
-              <a:rPr lang="ru-RU" sz="1400" dirty="0">
-                <a:solidFill>
-                  <a:schemeClr val="tx1"/>
-                </a:solidFill>
-                <a:effectLst/>
-                <a:latin typeface="Calibri" panose="020F0502020204030204" pitchFamily="34" charset="0"/>
-                <a:ea typeface="Calibri" panose="020F0502020204030204" pitchFamily="34" charset="0"/>
-                <a:cs typeface="Times New Roman" panose="02020603050405020304" pitchFamily="18" charset="0"/>
-              </a:rPr>
-              <a:t>описание потенциала внедрения и развития проекта в условиях цифровой экономики</a:t>
+              <a:rPr lang="ru-RU" sz="2000" b="0" i="0" dirty="0"/>
+              <a:t>Расширение функциональности</a:t>
             </a:r>
-            <a:endParaRPr lang="ru-RU" dirty="0">
-              <a:solidFill>
-                <a:schemeClr val="tx1"/>
-              </a:solidFill>
-            </a:endParaRPr>
+            <a:endParaRPr sz="2000" b="0" i="0" dirty="0"/>
+          </a:p>
+          <a:p>
+            <a:pPr marL="457200" lvl="0" indent="-381000" algn="l" rtl="0">
+              <a:spcBef>
+                <a:spcPts val="0"/>
+              </a:spcBef>
+              <a:spcAft>
+                <a:spcPts val="0"/>
+              </a:spcAft>
+              <a:buSzPts val="2400"/>
+              <a:buChar char="›"/>
+            </a:pPr>
+            <a:r>
+              <a:rPr lang="ru-RU" sz="2000" b="0" i="0" dirty="0"/>
+              <a:t>Выход приложения на другие платформы</a:t>
+            </a:r>
+            <a:endParaRPr sz="2000" b="0" i="0" dirty="0"/>
+          </a:p>
+          <a:p>
+            <a:pPr marL="457200" lvl="0" indent="-381000" algn="l" rtl="0">
+              <a:spcBef>
+                <a:spcPts val="0"/>
+              </a:spcBef>
+              <a:spcAft>
+                <a:spcPts val="0"/>
+              </a:spcAft>
+              <a:buSzPts val="2400"/>
+              <a:buChar char="›"/>
+            </a:pPr>
+            <a:r>
+              <a:rPr lang="ru-RU" sz="2000" b="0" i="0" dirty="0"/>
+              <a:t>Регистрация с помощью сторонних сервисов</a:t>
+            </a:r>
+            <a:endParaRPr sz="2000" b="0" i="0" dirty="0"/>
           </a:p>
         </p:txBody>
       </p:sp>

--- a/Презентация Выйти из IT.pptx
+++ b/Презентация Выйти из IT.pptx
@@ -11680,6 +11680,109 @@
           </a:p>
         </p:txBody>
       </p:sp>
+      <p:sp>
+        <p:nvSpPr>
+          <p:cNvPr id="4" name="Google Shape;232;p20">
+            <a:extLst>
+              <a:ext uri="{FF2B5EF4-FFF2-40B4-BE49-F238E27FC236}">
+                <a16:creationId xmlns:a16="http://schemas.microsoft.com/office/drawing/2014/main" id="{747B0F01-32AD-44CF-803D-130BC85ABB7D}"/>
+              </a:ext>
+            </a:extLst>
+          </p:cNvPr>
+          <p:cNvSpPr txBox="1">
+            <a:spLocks noGrp="1"/>
+          </p:cNvSpPr>
+          <p:nvPr>
+            <p:ph type="body" idx="1"/>
+          </p:nvPr>
+        </p:nvSpPr>
+        <p:spPr>
+          <a:xfrm>
+            <a:off x="1006775" y="1181922"/>
+            <a:ext cx="6328611" cy="2969835"/>
+          </a:xfrm>
+          <a:prstGeom prst="rect">
+            <a:avLst/>
+          </a:prstGeom>
+        </p:spPr>
+        <p:txBody>
+          <a:bodyPr spcFirstLastPara="1" wrap="square" lIns="91425" tIns="91425" rIns="91425" bIns="91425" anchor="t" anchorCtr="0">
+            <a:noAutofit/>
+          </a:bodyPr>
+          <a:lstStyle/>
+          <a:p>
+            <a:pPr indent="-381000">
+              <a:buSzPts val="2400"/>
+            </a:pPr>
+            <a:r>
+              <a:rPr lang="ru-RU" sz="2000" dirty="0"/>
+              <a:t>Предварительная запись по услугам</a:t>
+            </a:r>
+            <a:endParaRPr lang="ru-RU" sz="2000" b="0" i="0" dirty="0"/>
+          </a:p>
+          <a:p>
+            <a:pPr marL="457200" lvl="0" indent="-381000" algn="l" rtl="0">
+              <a:spcBef>
+                <a:spcPts val="600"/>
+              </a:spcBef>
+              <a:spcAft>
+                <a:spcPts val="0"/>
+              </a:spcAft>
+              <a:buSzPts val="2400"/>
+              <a:buChar char="›"/>
+            </a:pPr>
+            <a:r>
+              <a:rPr lang="ru-RU" sz="2000" b="0" i="0" dirty="0"/>
+              <a:t>Возможность проверить статус заявления по номеру</a:t>
+            </a:r>
+          </a:p>
+          <a:p>
+            <a:pPr marL="457200" lvl="0" indent="-381000" algn="l" rtl="0">
+              <a:spcBef>
+                <a:spcPts val="600"/>
+              </a:spcBef>
+              <a:spcAft>
+                <a:spcPts val="0"/>
+              </a:spcAft>
+              <a:buSzPts val="2400"/>
+              <a:buChar char="›"/>
+            </a:pPr>
+            <a:r>
+              <a:rPr lang="ru-RU" sz="2000" dirty="0"/>
+              <a:t>О</a:t>
+            </a:r>
+            <a:r>
+              <a:rPr lang="ru-RU" sz="2000" b="0" i="0" dirty="0"/>
+              <a:t>тображение информации о текущей загрузке офиса, т.е. текущее количество заявителей, ожидающих в живой очереди конкретного МФЦ</a:t>
+            </a:r>
+          </a:p>
+          <a:p>
+            <a:pPr marL="457200" lvl="0" indent="-381000" algn="l" rtl="0">
+              <a:spcBef>
+                <a:spcPts val="600"/>
+              </a:spcBef>
+              <a:spcAft>
+                <a:spcPts val="0"/>
+              </a:spcAft>
+              <a:buSzPts val="2400"/>
+              <a:buChar char="›"/>
+            </a:pPr>
+            <a:r>
+              <a:rPr lang="ru-RU" sz="2000" dirty="0"/>
+              <a:t>Получение </a:t>
+            </a:r>
+            <a:r>
+              <a:rPr lang="en-US" sz="2000" dirty="0"/>
+              <a:t>Push-</a:t>
+            </a:r>
+            <a:r>
+              <a:rPr lang="ru-RU" sz="2000" dirty="0"/>
+              <a:t>уведомлений</a:t>
+            </a:r>
+            <a:endParaRPr lang="ru-RU" sz="2000" b="0" i="0" dirty="0"/>
+          </a:p>
+        </p:txBody>
+      </p:sp>
     </p:spTree>
     <p:extLst>
       <p:ext uri="{BB962C8B-B14F-4D97-AF65-F5344CB8AC3E}">

--- a/Презентация Выйти из IT.pptx
+++ b/Презентация Выйти из IT.pptx
@@ -11,8 +11,8 @@
     <p:sldId id="256" r:id="rId2"/>
     <p:sldId id="258" r:id="rId3"/>
     <p:sldId id="289" r:id="rId4"/>
-    <p:sldId id="290" r:id="rId5"/>
-    <p:sldId id="288" r:id="rId6"/>
+    <p:sldId id="288" r:id="rId5"/>
+    <p:sldId id="290" r:id="rId6"/>
     <p:sldId id="287" r:id="rId7"/>
     <p:sldId id="286" r:id="rId8"/>
     <p:sldId id="259" r:id="rId9"/>
@@ -1453,7 +1453,7 @@
     </p:spTree>
     <p:extLst>
       <p:ext uri="{BB962C8B-B14F-4D97-AF65-F5344CB8AC3E}">
-        <p14:creationId xmlns:p14="http://schemas.microsoft.com/office/powerpoint/2010/main" val="496119864"/>
+        <p14:creationId xmlns:p14="http://schemas.microsoft.com/office/powerpoint/2010/main" val="554975712"/>
       </p:ext>
     </p:extLst>
   </p:cSld>
@@ -1562,7 +1562,7 @@
     </p:spTree>
     <p:extLst>
       <p:ext uri="{BB962C8B-B14F-4D97-AF65-F5344CB8AC3E}">
-        <p14:creationId xmlns:p14="http://schemas.microsoft.com/office/powerpoint/2010/main" val="554975712"/>
+        <p14:creationId xmlns:p14="http://schemas.microsoft.com/office/powerpoint/2010/main" val="496119864"/>
       </p:ext>
     </p:extLst>
   </p:cSld>
@@ -8869,6 +8869,14 @@
 <file path=ppt/slides/slide1.xml><?xml version="1.0" encoding="utf-8"?>
 <p:sld xmlns:a="http://schemas.openxmlformats.org/drawingml/2006/main" xmlns:r="http://schemas.openxmlformats.org/officeDocument/2006/relationships" xmlns:p="http://schemas.openxmlformats.org/presentationml/2006/main">
   <p:cSld>
+    <p:bg>
+      <p:bgPr>
+        <a:solidFill>
+          <a:srgbClr val="041F30"/>
+        </a:solidFill>
+        <a:effectLst/>
+      </p:bgPr>
+    </p:bg>
     <p:spTree>
       <p:nvGrpSpPr>
         <p:cNvPr id="1" name="Shape 195"/>
@@ -9365,72 +9373,797 @@
       </p:sp>
       <p:sp>
         <p:nvSpPr>
-          <p:cNvPr id="5" name="TextBox 4">
+          <p:cNvPr id="6" name="Google Shape;232;p20">
             <a:extLst>
               <a:ext uri="{FF2B5EF4-FFF2-40B4-BE49-F238E27FC236}">
-                <a16:creationId xmlns:a16="http://schemas.microsoft.com/office/drawing/2014/main" id="{92071601-59C5-4783-9467-65849B7DCF70}"/>
+                <a16:creationId xmlns:a16="http://schemas.microsoft.com/office/drawing/2014/main" id="{15FFE8EB-CFAD-441C-A07B-1A737F70FA4A}"/>
               </a:ext>
             </a:extLst>
           </p:cNvPr>
-          <p:cNvSpPr txBox="1"/>
+          <p:cNvSpPr txBox="1">
+            <a:spLocks noGrp="1"/>
+          </p:cNvSpPr>
+          <p:nvPr>
+            <p:ph type="body" idx="1"/>
+          </p:nvPr>
+        </p:nvSpPr>
+        <p:spPr>
+          <a:xfrm>
+            <a:off x="693176" y="502920"/>
+            <a:ext cx="6665773" cy="2261912"/>
+          </a:xfrm>
+          <a:prstGeom prst="rect">
+            <a:avLst/>
+          </a:prstGeom>
+        </p:spPr>
+        <p:txBody>
+          <a:bodyPr spcFirstLastPara="1" wrap="square" lIns="91425" tIns="91425" rIns="91425" bIns="91425" anchor="t" anchorCtr="0">
+            <a:noAutofit/>
+          </a:bodyPr>
+          <a:lstStyle/>
+          <a:p>
+            <a:pPr marL="457200" lvl="0" indent="-381000" algn="just" rtl="0">
+              <a:spcBef>
+                <a:spcPts val="600"/>
+              </a:spcBef>
+              <a:spcAft>
+                <a:spcPts val="0"/>
+              </a:spcAft>
+              <a:buSzPts val="2400"/>
+              <a:buChar char="›"/>
+            </a:pPr>
+            <a:r>
+              <a:rPr lang="ru-RU" sz="2000" b="0" i="0" dirty="0"/>
+              <a:t>Оплата за оказание государственных услуг в форме пошлин и сборов, предусмотренных федеральным и региональным нормативным законодательством</a:t>
+            </a:r>
+          </a:p>
+          <a:p>
+            <a:pPr marL="457200" lvl="0" indent="-381000" algn="just" rtl="0">
+              <a:spcBef>
+                <a:spcPts val="600"/>
+              </a:spcBef>
+              <a:spcAft>
+                <a:spcPts val="0"/>
+              </a:spcAft>
+              <a:buSzPts val="2400"/>
+              <a:buChar char="›"/>
+            </a:pPr>
+            <a:endParaRPr lang="ru-RU" sz="2000" b="0" i="0" dirty="0"/>
+          </a:p>
+          <a:p>
+            <a:pPr marL="457200" lvl="0" indent="-381000" algn="just" rtl="0">
+              <a:spcBef>
+                <a:spcPts val="600"/>
+              </a:spcBef>
+              <a:spcAft>
+                <a:spcPts val="0"/>
+              </a:spcAft>
+              <a:buSzPts val="2400"/>
+              <a:buChar char="›"/>
+            </a:pPr>
+            <a:r>
+              <a:rPr lang="ru-RU" sz="2000" b="0" i="0" dirty="0"/>
+              <a:t>Дополнительные платные услуги, не относящиеся к основным видам деятельности МФЦ</a:t>
+            </a:r>
+          </a:p>
+        </p:txBody>
+      </p:sp>
+      <p:sp>
+        <p:nvSpPr>
+          <p:cNvPr id="2" name="Прямоугольник: скругленные углы 1">
+            <a:extLst>
+              <a:ext uri="{FF2B5EF4-FFF2-40B4-BE49-F238E27FC236}">
+                <a16:creationId xmlns:a16="http://schemas.microsoft.com/office/drawing/2014/main" id="{3D4B1CA1-7C59-4E19-803D-18F5C09DF722}"/>
+              </a:ext>
+            </a:extLst>
+          </p:cNvPr>
+          <p:cNvSpPr/>
           <p:nvPr/>
         </p:nvSpPr>
         <p:spPr>
           <a:xfrm>
-            <a:off x="833187" y="761636"/>
-            <a:ext cx="4602078" cy="738664"/>
+            <a:off x="877529" y="3488977"/>
+            <a:ext cx="3075039" cy="1265638"/>
+          </a:xfrm>
+          <a:prstGeom prst="roundRect">
+            <a:avLst/>
+          </a:prstGeom>
+          <a:noFill/>
+        </p:spPr>
+        <p:style>
+          <a:lnRef idx="2">
+            <a:schemeClr val="accent1">
+              <a:shade val="50000"/>
+            </a:schemeClr>
+          </a:lnRef>
+          <a:fillRef idx="1">
+            <a:schemeClr val="accent1"/>
+          </a:fillRef>
+          <a:effectRef idx="0">
+            <a:schemeClr val="accent1"/>
+          </a:effectRef>
+          <a:fontRef idx="minor">
+            <a:schemeClr val="lt1"/>
+          </a:fontRef>
+        </p:style>
+        <p:txBody>
+          <a:bodyPr rtlCol="0" anchor="ctr"/>
+          <a:lstStyle/>
+          <a:p>
+            <a:pPr algn="ctr"/>
+            <a:r>
+              <a:rPr lang="ru-RU" sz="1800" dirty="0">
+                <a:solidFill>
+                  <a:schemeClr val="tx1"/>
+                </a:solidFill>
+                <a:cs typeface="Hind" panose="020B0604020202020204" charset="0"/>
+              </a:rPr>
+              <a:t>Министерство цифрового развития и связи Оренбургской области</a:t>
+            </a:r>
+          </a:p>
+        </p:txBody>
+      </p:sp>
+      <p:sp>
+        <p:nvSpPr>
+          <p:cNvPr id="3" name="Прямоугольник: скругленные углы 2">
+            <a:extLst>
+              <a:ext uri="{FF2B5EF4-FFF2-40B4-BE49-F238E27FC236}">
+                <a16:creationId xmlns:a16="http://schemas.microsoft.com/office/drawing/2014/main" id="{8FBEA3FC-D7D2-448A-ACE2-DE913E9CEA7C}"/>
+              </a:ext>
+            </a:extLst>
+          </p:cNvPr>
+          <p:cNvSpPr/>
+          <p:nvPr/>
+        </p:nvSpPr>
+        <p:spPr>
+          <a:xfrm>
+            <a:off x="4283910" y="3488977"/>
+            <a:ext cx="3075039" cy="1265638"/>
+          </a:xfrm>
+          <a:prstGeom prst="roundRect">
+            <a:avLst/>
+          </a:prstGeom>
+          <a:noFill/>
+        </p:spPr>
+        <p:style>
+          <a:lnRef idx="2">
+            <a:schemeClr val="accent1">
+              <a:shade val="50000"/>
+            </a:schemeClr>
+          </a:lnRef>
+          <a:fillRef idx="1">
+            <a:schemeClr val="accent1"/>
+          </a:fillRef>
+          <a:effectRef idx="0">
+            <a:schemeClr val="accent1"/>
+          </a:effectRef>
+          <a:fontRef idx="minor">
+            <a:schemeClr val="lt1"/>
+          </a:fontRef>
+        </p:style>
+        <p:txBody>
+          <a:bodyPr rtlCol="0" anchor="ctr"/>
+          <a:lstStyle/>
+          <a:p>
+            <a:pPr algn="ctr"/>
+            <a:r>
+              <a:rPr lang="ru-RU" sz="1800" dirty="0">
+                <a:solidFill>
+                  <a:schemeClr val="tx1"/>
+                </a:solidFill>
+                <a:cs typeface="Hind" panose="020B0604020202020204" charset="0"/>
+              </a:rPr>
+              <a:t>Жители Оренбургской области, сотрудники МФЦ</a:t>
+            </a:r>
+          </a:p>
+        </p:txBody>
+      </p:sp>
+      <p:sp>
+        <p:nvSpPr>
+          <p:cNvPr id="4" name="Google Shape;232;p20">
+            <a:extLst>
+              <a:ext uri="{FF2B5EF4-FFF2-40B4-BE49-F238E27FC236}">
+                <a16:creationId xmlns:a16="http://schemas.microsoft.com/office/drawing/2014/main" id="{6AFBE9DD-6C6B-4362-8D31-21767AA92534}"/>
+              </a:ext>
+            </a:extLst>
+          </p:cNvPr>
+          <p:cNvSpPr txBox="1">
+            <a:spLocks/>
+          </p:cNvSpPr>
+          <p:nvPr/>
+        </p:nvSpPr>
+        <p:spPr>
+          <a:xfrm>
+            <a:off x="1727299" y="2986058"/>
+            <a:ext cx="1375497" cy="502919"/>
           </a:xfrm>
           <a:prstGeom prst="rect">
             <a:avLst/>
           </a:prstGeom>
           <a:noFill/>
+          <a:ln>
+            <a:noFill/>
+          </a:ln>
         </p:spPr>
         <p:txBody>
-          <a:bodyPr wrap="square">
-            <a:spAutoFit/>
+          <a:bodyPr spcFirstLastPara="1" wrap="square" lIns="91425" tIns="91425" rIns="91425" bIns="91425" anchor="t" anchorCtr="0">
+            <a:noAutofit/>
           </a:bodyPr>
-          <a:lstStyle/>
+          <a:lstStyle>
+            <a:defPPr marR="0" lvl="0" algn="l" rtl="0">
+              <a:lnSpc>
+                <a:spcPct val="100000"/>
+              </a:lnSpc>
+              <a:spcBef>
+                <a:spcPts val="0"/>
+              </a:spcBef>
+              <a:spcAft>
+                <a:spcPts val="0"/>
+              </a:spcAft>
+            </a:defPPr>
+            <a:lvl1pPr marL="457200" marR="0" lvl="0" indent="-381000" algn="ctr" rtl="0">
+              <a:lnSpc>
+                <a:spcPct val="100000"/>
+              </a:lnSpc>
+              <a:spcBef>
+                <a:spcPts val="0"/>
+              </a:spcBef>
+              <a:spcAft>
+                <a:spcPts val="0"/>
+              </a:spcAft>
+              <a:buClr>
+                <a:srgbClr val="33CCFF"/>
+              </a:buClr>
+              <a:buSzPts val="1800"/>
+              <a:buFont typeface="Hind"/>
+              <a:buNone/>
+              <a:defRPr sz="1800" b="0" i="0" u="none" strike="noStrike" cap="none">
+                <a:solidFill>
+                  <a:srgbClr val="33CCFF"/>
+                </a:solidFill>
+                <a:latin typeface="Hind"/>
+                <a:ea typeface="Hind"/>
+                <a:cs typeface="Hind"/>
+                <a:sym typeface="Hind"/>
+              </a:defRPr>
+            </a:lvl1pPr>
+            <a:lvl2pPr marL="914400" marR="0" lvl="1" indent="-381000" algn="ctr" rtl="0">
+              <a:lnSpc>
+                <a:spcPct val="100000"/>
+              </a:lnSpc>
+              <a:spcBef>
+                <a:spcPts val="0"/>
+              </a:spcBef>
+              <a:spcAft>
+                <a:spcPts val="0"/>
+              </a:spcAft>
+              <a:buClr>
+                <a:srgbClr val="33CCFF"/>
+              </a:buClr>
+              <a:buSzPts val="1800"/>
+              <a:buFont typeface="Hind"/>
+              <a:buNone/>
+              <a:defRPr sz="1800" b="0" i="0" u="none" strike="noStrike" cap="none">
+                <a:solidFill>
+                  <a:srgbClr val="33CCFF"/>
+                </a:solidFill>
+                <a:latin typeface="Hind"/>
+                <a:ea typeface="Hind"/>
+                <a:cs typeface="Hind"/>
+                <a:sym typeface="Hind"/>
+              </a:defRPr>
+            </a:lvl2pPr>
+            <a:lvl3pPr marL="1371600" marR="0" lvl="2" indent="-381000" algn="ctr" rtl="0">
+              <a:lnSpc>
+                <a:spcPct val="100000"/>
+              </a:lnSpc>
+              <a:spcBef>
+                <a:spcPts val="0"/>
+              </a:spcBef>
+              <a:spcAft>
+                <a:spcPts val="0"/>
+              </a:spcAft>
+              <a:buClr>
+                <a:srgbClr val="33CCFF"/>
+              </a:buClr>
+              <a:buSzPts val="1800"/>
+              <a:buFont typeface="Hind"/>
+              <a:buNone/>
+              <a:defRPr sz="1800" b="0" i="0" u="none" strike="noStrike" cap="none">
+                <a:solidFill>
+                  <a:srgbClr val="33CCFF"/>
+                </a:solidFill>
+                <a:latin typeface="Hind"/>
+                <a:ea typeface="Hind"/>
+                <a:cs typeface="Hind"/>
+                <a:sym typeface="Hind"/>
+              </a:defRPr>
+            </a:lvl3pPr>
+            <a:lvl4pPr marL="1828800" marR="0" lvl="3" indent="-381000" algn="ctr" rtl="0">
+              <a:lnSpc>
+                <a:spcPct val="100000"/>
+              </a:lnSpc>
+              <a:spcBef>
+                <a:spcPts val="0"/>
+              </a:spcBef>
+              <a:spcAft>
+                <a:spcPts val="0"/>
+              </a:spcAft>
+              <a:buClr>
+                <a:srgbClr val="33CCFF"/>
+              </a:buClr>
+              <a:buSzPts val="1800"/>
+              <a:buFont typeface="Hind"/>
+              <a:buNone/>
+              <a:defRPr sz="1800" b="0" i="0" u="none" strike="noStrike" cap="none">
+                <a:solidFill>
+                  <a:srgbClr val="33CCFF"/>
+                </a:solidFill>
+                <a:latin typeface="Hind"/>
+                <a:ea typeface="Hind"/>
+                <a:cs typeface="Hind"/>
+                <a:sym typeface="Hind"/>
+              </a:defRPr>
+            </a:lvl4pPr>
+            <a:lvl5pPr marL="2286000" marR="0" lvl="4" indent="-381000" algn="ctr" rtl="0">
+              <a:lnSpc>
+                <a:spcPct val="100000"/>
+              </a:lnSpc>
+              <a:spcBef>
+                <a:spcPts val="0"/>
+              </a:spcBef>
+              <a:spcAft>
+                <a:spcPts val="0"/>
+              </a:spcAft>
+              <a:buClr>
+                <a:srgbClr val="33CCFF"/>
+              </a:buClr>
+              <a:buSzPts val="1800"/>
+              <a:buFont typeface="Hind"/>
+              <a:buNone/>
+              <a:defRPr sz="1800" b="0" i="0" u="none" strike="noStrike" cap="none">
+                <a:solidFill>
+                  <a:srgbClr val="33CCFF"/>
+                </a:solidFill>
+                <a:latin typeface="Hind"/>
+                <a:ea typeface="Hind"/>
+                <a:cs typeface="Hind"/>
+                <a:sym typeface="Hind"/>
+              </a:defRPr>
+            </a:lvl5pPr>
+            <a:lvl6pPr marL="2743200" marR="0" lvl="5" indent="-381000" algn="ctr" rtl="0">
+              <a:lnSpc>
+                <a:spcPct val="100000"/>
+              </a:lnSpc>
+              <a:spcBef>
+                <a:spcPts val="0"/>
+              </a:spcBef>
+              <a:spcAft>
+                <a:spcPts val="0"/>
+              </a:spcAft>
+              <a:buClr>
+                <a:srgbClr val="33CCFF"/>
+              </a:buClr>
+              <a:buSzPts val="1800"/>
+              <a:buFont typeface="Hind"/>
+              <a:buNone/>
+              <a:defRPr sz="1800" b="0" i="0" u="none" strike="noStrike" cap="none">
+                <a:solidFill>
+                  <a:srgbClr val="33CCFF"/>
+                </a:solidFill>
+                <a:latin typeface="Hind"/>
+                <a:ea typeface="Hind"/>
+                <a:cs typeface="Hind"/>
+                <a:sym typeface="Hind"/>
+              </a:defRPr>
+            </a:lvl6pPr>
+            <a:lvl7pPr marL="3200400" marR="0" lvl="6" indent="-381000" algn="ctr" rtl="0">
+              <a:lnSpc>
+                <a:spcPct val="100000"/>
+              </a:lnSpc>
+              <a:spcBef>
+                <a:spcPts val="0"/>
+              </a:spcBef>
+              <a:spcAft>
+                <a:spcPts val="0"/>
+              </a:spcAft>
+              <a:buClr>
+                <a:srgbClr val="33CCFF"/>
+              </a:buClr>
+              <a:buSzPts val="1800"/>
+              <a:buFont typeface="Hind"/>
+              <a:buNone/>
+              <a:defRPr sz="1800" b="0" i="0" u="none" strike="noStrike" cap="none">
+                <a:solidFill>
+                  <a:srgbClr val="33CCFF"/>
+                </a:solidFill>
+                <a:latin typeface="Hind"/>
+                <a:ea typeface="Hind"/>
+                <a:cs typeface="Hind"/>
+                <a:sym typeface="Hind"/>
+              </a:defRPr>
+            </a:lvl7pPr>
+            <a:lvl8pPr marL="3657600" marR="0" lvl="7" indent="-381000" algn="ctr" rtl="0">
+              <a:lnSpc>
+                <a:spcPct val="100000"/>
+              </a:lnSpc>
+              <a:spcBef>
+                <a:spcPts val="0"/>
+              </a:spcBef>
+              <a:spcAft>
+                <a:spcPts val="0"/>
+              </a:spcAft>
+              <a:buClr>
+                <a:srgbClr val="33CCFF"/>
+              </a:buClr>
+              <a:buSzPts val="1800"/>
+              <a:buFont typeface="Hind"/>
+              <a:buNone/>
+              <a:defRPr sz="1800" b="0" i="0" u="none" strike="noStrike" cap="none">
+                <a:solidFill>
+                  <a:srgbClr val="33CCFF"/>
+                </a:solidFill>
+                <a:latin typeface="Hind"/>
+                <a:ea typeface="Hind"/>
+                <a:cs typeface="Hind"/>
+                <a:sym typeface="Hind"/>
+              </a:defRPr>
+            </a:lvl8pPr>
+            <a:lvl9pPr marL="4114800" marR="0" lvl="8" indent="-381000" algn="ctr" rtl="0">
+              <a:lnSpc>
+                <a:spcPct val="100000"/>
+              </a:lnSpc>
+              <a:spcBef>
+                <a:spcPts val="0"/>
+              </a:spcBef>
+              <a:spcAft>
+                <a:spcPts val="0"/>
+              </a:spcAft>
+              <a:buClr>
+                <a:srgbClr val="33CCFF"/>
+              </a:buClr>
+              <a:buSzPts val="1800"/>
+              <a:buFont typeface="Hind"/>
+              <a:buNone/>
+              <a:defRPr sz="1800" b="0" i="0" u="none" strike="noStrike" cap="none">
+                <a:solidFill>
+                  <a:srgbClr val="33CCFF"/>
+                </a:solidFill>
+                <a:latin typeface="Hind"/>
+                <a:ea typeface="Hind"/>
+                <a:cs typeface="Hind"/>
+                <a:sym typeface="Hind"/>
+              </a:defRPr>
+            </a:lvl9pPr>
+          </a:lstStyle>
           <a:p>
+            <a:pPr marL="76200" indent="0" algn="just">
+              <a:spcBef>
+                <a:spcPts val="600"/>
+              </a:spcBef>
+              <a:buSzPts val="2400"/>
+            </a:pPr>
             <a:r>
-              <a:rPr lang="ru-RU" sz="1400" dirty="0">
+              <a:rPr lang="ru-RU" sz="2000" dirty="0">
                 <a:solidFill>
                   <a:schemeClr val="tx1"/>
                 </a:solidFill>
-                <a:effectLst/>
-                <a:latin typeface="Calibri" panose="020F0502020204030204" pitchFamily="34" charset="0"/>
-                <a:ea typeface="Calibri" panose="020F0502020204030204" pitchFamily="34" charset="0"/>
-                <a:cs typeface="Times New Roman" panose="02020603050405020304" pitchFamily="18" charset="0"/>
+                <a:latin typeface="Hind" panose="020B0604020202020204" charset="0"/>
+                <a:cs typeface="Hind" panose="020B0604020202020204" charset="0"/>
               </a:rPr>
-              <a:t>описание</a:t>
+              <a:t>Заказчик</a:t>
             </a:r>
+            <a:endParaRPr lang="en-US" sz="2000" dirty="0">
+              <a:solidFill>
+                <a:schemeClr val="tx1"/>
+              </a:solidFill>
+              <a:latin typeface="Hind" panose="020B0604020202020204" charset="0"/>
+              <a:cs typeface="Hind" panose="020B0604020202020204" charset="0"/>
+            </a:endParaRPr>
+          </a:p>
+        </p:txBody>
+      </p:sp>
+      <p:sp>
+        <p:nvSpPr>
+          <p:cNvPr id="10" name="Google Shape;232;p20">
+            <a:extLst>
+              <a:ext uri="{FF2B5EF4-FFF2-40B4-BE49-F238E27FC236}">
+                <a16:creationId xmlns:a16="http://schemas.microsoft.com/office/drawing/2014/main" id="{686E8C8F-C3DE-4AB7-B786-747DBD256CD8}"/>
+              </a:ext>
+            </a:extLst>
+          </p:cNvPr>
+          <p:cNvSpPr txBox="1">
+            <a:spLocks/>
+          </p:cNvSpPr>
+          <p:nvPr/>
+        </p:nvSpPr>
+        <p:spPr>
+          <a:xfrm>
+            <a:off x="5034119" y="2986058"/>
+            <a:ext cx="1574620" cy="502919"/>
+          </a:xfrm>
+          <a:prstGeom prst="rect">
+            <a:avLst/>
+          </a:prstGeom>
+          <a:noFill/>
+          <a:ln>
+            <a:noFill/>
+          </a:ln>
+        </p:spPr>
+        <p:txBody>
+          <a:bodyPr spcFirstLastPara="1" wrap="square" lIns="91425" tIns="91425" rIns="91425" bIns="91425" anchor="t" anchorCtr="0">
+            <a:noAutofit/>
+          </a:bodyPr>
+          <a:lstStyle>
+            <a:defPPr marR="0" lvl="0" algn="l" rtl="0">
+              <a:lnSpc>
+                <a:spcPct val="100000"/>
+              </a:lnSpc>
+              <a:spcBef>
+                <a:spcPts val="0"/>
+              </a:spcBef>
+              <a:spcAft>
+                <a:spcPts val="0"/>
+              </a:spcAft>
+            </a:defPPr>
+            <a:lvl1pPr marL="457200" marR="0" lvl="0" indent="-381000" algn="ctr" rtl="0">
+              <a:lnSpc>
+                <a:spcPct val="100000"/>
+              </a:lnSpc>
+              <a:spcBef>
+                <a:spcPts val="0"/>
+              </a:spcBef>
+              <a:spcAft>
+                <a:spcPts val="0"/>
+              </a:spcAft>
+              <a:buClr>
+                <a:srgbClr val="33CCFF"/>
+              </a:buClr>
+              <a:buSzPts val="1800"/>
+              <a:buFont typeface="Hind"/>
+              <a:buNone/>
+              <a:defRPr sz="1800" b="0" i="0" u="none" strike="noStrike" cap="none">
+                <a:solidFill>
+                  <a:srgbClr val="33CCFF"/>
+                </a:solidFill>
+                <a:latin typeface="Hind"/>
+                <a:ea typeface="Hind"/>
+                <a:cs typeface="Hind"/>
+                <a:sym typeface="Hind"/>
+              </a:defRPr>
+            </a:lvl1pPr>
+            <a:lvl2pPr marL="914400" marR="0" lvl="1" indent="-381000" algn="ctr" rtl="0">
+              <a:lnSpc>
+                <a:spcPct val="100000"/>
+              </a:lnSpc>
+              <a:spcBef>
+                <a:spcPts val="0"/>
+              </a:spcBef>
+              <a:spcAft>
+                <a:spcPts val="0"/>
+              </a:spcAft>
+              <a:buClr>
+                <a:srgbClr val="33CCFF"/>
+              </a:buClr>
+              <a:buSzPts val="1800"/>
+              <a:buFont typeface="Hind"/>
+              <a:buNone/>
+              <a:defRPr sz="1800" b="0" i="0" u="none" strike="noStrike" cap="none">
+                <a:solidFill>
+                  <a:srgbClr val="33CCFF"/>
+                </a:solidFill>
+                <a:latin typeface="Hind"/>
+                <a:ea typeface="Hind"/>
+                <a:cs typeface="Hind"/>
+                <a:sym typeface="Hind"/>
+              </a:defRPr>
+            </a:lvl2pPr>
+            <a:lvl3pPr marL="1371600" marR="0" lvl="2" indent="-381000" algn="ctr" rtl="0">
+              <a:lnSpc>
+                <a:spcPct val="100000"/>
+              </a:lnSpc>
+              <a:spcBef>
+                <a:spcPts val="0"/>
+              </a:spcBef>
+              <a:spcAft>
+                <a:spcPts val="0"/>
+              </a:spcAft>
+              <a:buClr>
+                <a:srgbClr val="33CCFF"/>
+              </a:buClr>
+              <a:buSzPts val="1800"/>
+              <a:buFont typeface="Hind"/>
+              <a:buNone/>
+              <a:defRPr sz="1800" b="0" i="0" u="none" strike="noStrike" cap="none">
+                <a:solidFill>
+                  <a:srgbClr val="33CCFF"/>
+                </a:solidFill>
+                <a:latin typeface="Hind"/>
+                <a:ea typeface="Hind"/>
+                <a:cs typeface="Hind"/>
+                <a:sym typeface="Hind"/>
+              </a:defRPr>
+            </a:lvl3pPr>
+            <a:lvl4pPr marL="1828800" marR="0" lvl="3" indent="-381000" algn="ctr" rtl="0">
+              <a:lnSpc>
+                <a:spcPct val="100000"/>
+              </a:lnSpc>
+              <a:spcBef>
+                <a:spcPts val="0"/>
+              </a:spcBef>
+              <a:spcAft>
+                <a:spcPts val="0"/>
+              </a:spcAft>
+              <a:buClr>
+                <a:srgbClr val="33CCFF"/>
+              </a:buClr>
+              <a:buSzPts val="1800"/>
+              <a:buFont typeface="Hind"/>
+              <a:buNone/>
+              <a:defRPr sz="1800" b="0" i="0" u="none" strike="noStrike" cap="none">
+                <a:solidFill>
+                  <a:srgbClr val="33CCFF"/>
+                </a:solidFill>
+                <a:latin typeface="Hind"/>
+                <a:ea typeface="Hind"/>
+                <a:cs typeface="Hind"/>
+                <a:sym typeface="Hind"/>
+              </a:defRPr>
+            </a:lvl4pPr>
+            <a:lvl5pPr marL="2286000" marR="0" lvl="4" indent="-381000" algn="ctr" rtl="0">
+              <a:lnSpc>
+                <a:spcPct val="100000"/>
+              </a:lnSpc>
+              <a:spcBef>
+                <a:spcPts val="0"/>
+              </a:spcBef>
+              <a:spcAft>
+                <a:spcPts val="0"/>
+              </a:spcAft>
+              <a:buClr>
+                <a:srgbClr val="33CCFF"/>
+              </a:buClr>
+              <a:buSzPts val="1800"/>
+              <a:buFont typeface="Hind"/>
+              <a:buNone/>
+              <a:defRPr sz="1800" b="0" i="0" u="none" strike="noStrike" cap="none">
+                <a:solidFill>
+                  <a:srgbClr val="33CCFF"/>
+                </a:solidFill>
+                <a:latin typeface="Hind"/>
+                <a:ea typeface="Hind"/>
+                <a:cs typeface="Hind"/>
+                <a:sym typeface="Hind"/>
+              </a:defRPr>
+            </a:lvl5pPr>
+            <a:lvl6pPr marL="2743200" marR="0" lvl="5" indent="-381000" algn="ctr" rtl="0">
+              <a:lnSpc>
+                <a:spcPct val="100000"/>
+              </a:lnSpc>
+              <a:spcBef>
+                <a:spcPts val="0"/>
+              </a:spcBef>
+              <a:spcAft>
+                <a:spcPts val="0"/>
+              </a:spcAft>
+              <a:buClr>
+                <a:srgbClr val="33CCFF"/>
+              </a:buClr>
+              <a:buSzPts val="1800"/>
+              <a:buFont typeface="Hind"/>
+              <a:buNone/>
+              <a:defRPr sz="1800" b="0" i="0" u="none" strike="noStrike" cap="none">
+                <a:solidFill>
+                  <a:srgbClr val="33CCFF"/>
+                </a:solidFill>
+                <a:latin typeface="Hind"/>
+                <a:ea typeface="Hind"/>
+                <a:cs typeface="Hind"/>
+                <a:sym typeface="Hind"/>
+              </a:defRPr>
+            </a:lvl6pPr>
+            <a:lvl7pPr marL="3200400" marR="0" lvl="6" indent="-381000" algn="ctr" rtl="0">
+              <a:lnSpc>
+                <a:spcPct val="100000"/>
+              </a:lnSpc>
+              <a:spcBef>
+                <a:spcPts val="0"/>
+              </a:spcBef>
+              <a:spcAft>
+                <a:spcPts val="0"/>
+              </a:spcAft>
+              <a:buClr>
+                <a:srgbClr val="33CCFF"/>
+              </a:buClr>
+              <a:buSzPts val="1800"/>
+              <a:buFont typeface="Hind"/>
+              <a:buNone/>
+              <a:defRPr sz="1800" b="0" i="0" u="none" strike="noStrike" cap="none">
+                <a:solidFill>
+                  <a:srgbClr val="33CCFF"/>
+                </a:solidFill>
+                <a:latin typeface="Hind"/>
+                <a:ea typeface="Hind"/>
+                <a:cs typeface="Hind"/>
+                <a:sym typeface="Hind"/>
+              </a:defRPr>
+            </a:lvl7pPr>
+            <a:lvl8pPr marL="3657600" marR="0" lvl="7" indent="-381000" algn="ctr" rtl="0">
+              <a:lnSpc>
+                <a:spcPct val="100000"/>
+              </a:lnSpc>
+              <a:spcBef>
+                <a:spcPts val="0"/>
+              </a:spcBef>
+              <a:spcAft>
+                <a:spcPts val="0"/>
+              </a:spcAft>
+              <a:buClr>
+                <a:srgbClr val="33CCFF"/>
+              </a:buClr>
+              <a:buSzPts val="1800"/>
+              <a:buFont typeface="Hind"/>
+              <a:buNone/>
+              <a:defRPr sz="1800" b="0" i="0" u="none" strike="noStrike" cap="none">
+                <a:solidFill>
+                  <a:srgbClr val="33CCFF"/>
+                </a:solidFill>
+                <a:latin typeface="Hind"/>
+                <a:ea typeface="Hind"/>
+                <a:cs typeface="Hind"/>
+                <a:sym typeface="Hind"/>
+              </a:defRPr>
+            </a:lvl8pPr>
+            <a:lvl9pPr marL="4114800" marR="0" lvl="8" indent="-381000" algn="ctr" rtl="0">
+              <a:lnSpc>
+                <a:spcPct val="100000"/>
+              </a:lnSpc>
+              <a:spcBef>
+                <a:spcPts val="0"/>
+              </a:spcBef>
+              <a:spcAft>
+                <a:spcPts val="0"/>
+              </a:spcAft>
+              <a:buClr>
+                <a:srgbClr val="33CCFF"/>
+              </a:buClr>
+              <a:buSzPts val="1800"/>
+              <a:buFont typeface="Hind"/>
+              <a:buNone/>
+              <a:defRPr sz="1800" b="0" i="0" u="none" strike="noStrike" cap="none">
+                <a:solidFill>
+                  <a:srgbClr val="33CCFF"/>
+                </a:solidFill>
+                <a:latin typeface="Hind"/>
+                <a:ea typeface="Hind"/>
+                <a:cs typeface="Hind"/>
+                <a:sym typeface="Hind"/>
+              </a:defRPr>
+            </a:lvl9pPr>
+          </a:lstStyle>
+          <a:p>
+            <a:pPr marL="76200" indent="0" algn="just">
+              <a:spcBef>
+                <a:spcPts val="600"/>
+              </a:spcBef>
+              <a:buSzPts val="2400"/>
+            </a:pPr>
             <a:r>
-              <a:rPr lang="ru-RU" sz="1400" b="1" dirty="0">
+              <a:rPr lang="ru-RU" sz="2000" dirty="0">
                 <a:solidFill>
                   <a:schemeClr val="tx1"/>
                 </a:solidFill>
-                <a:effectLst/>
-                <a:latin typeface="Calibri" panose="020F0502020204030204" pitchFamily="34" charset="0"/>
-                <a:ea typeface="Calibri" panose="020F0502020204030204" pitchFamily="34" charset="0"/>
-                <a:cs typeface="Times New Roman" panose="02020603050405020304" pitchFamily="18" charset="0"/>
+                <a:latin typeface="Hind" panose="020B0604020202020204" charset="0"/>
+                <a:cs typeface="Hind" panose="020B0604020202020204" charset="0"/>
               </a:rPr>
-              <a:t> </a:t>
+              <a:t>Участники</a:t>
             </a:r>
-            <a:r>
-              <a:rPr lang="ru-RU" sz="1400" dirty="0">
-                <a:solidFill>
-                  <a:schemeClr val="tx1"/>
-                </a:solidFill>
-                <a:effectLst/>
-                <a:latin typeface="Calibri" panose="020F0502020204030204" pitchFamily="34" charset="0"/>
-                <a:ea typeface="Calibri" panose="020F0502020204030204" pitchFamily="34" charset="0"/>
-                <a:cs typeface="Times New Roman" panose="02020603050405020304" pitchFamily="18" charset="0"/>
-              </a:rPr>
-              <a:t>финансовой устойчивости и потенциала коммерциализации проекта (решения), стоимость и скорость разработки и внедрения</a:t>
-            </a:r>
-            <a:endParaRPr lang="ru-RU" dirty="0">
+            <a:endParaRPr lang="en-US" sz="2000" dirty="0">
               <a:solidFill>
                 <a:schemeClr val="tx1"/>
               </a:solidFill>
+              <a:latin typeface="Hind" panose="020B0604020202020204" charset="0"/>
+              <a:cs typeface="Hind" panose="020B0604020202020204" charset="0"/>
             </a:endParaRPr>
           </a:p>
         </p:txBody>
@@ -9825,7 +10558,7 @@
         </p:blipFill>
         <p:spPr>
           <a:xfrm>
-            <a:off x="2577071" y="1157439"/>
+            <a:off x="2577071" y="1762123"/>
             <a:ext cx="3989857" cy="2992393"/>
           </a:xfrm>
           <a:prstGeom prst="rect">
@@ -9835,35 +10568,293 @@
       </p:pic>
       <p:sp>
         <p:nvSpPr>
-          <p:cNvPr id="3" name="TextBox 2">
+          <p:cNvPr id="7" name="Google Shape;232;p20">
             <a:extLst>
               <a:ext uri="{FF2B5EF4-FFF2-40B4-BE49-F238E27FC236}">
-                <a16:creationId xmlns:a16="http://schemas.microsoft.com/office/drawing/2014/main" id="{6105FD51-AB4C-41D8-9433-046FA3C81B9B}"/>
+                <a16:creationId xmlns:a16="http://schemas.microsoft.com/office/drawing/2014/main" id="{D2F7D236-3810-48F3-A3F3-0EF3902542E0}"/>
               </a:ext>
             </a:extLst>
           </p:cNvPr>
-          <p:cNvSpPr txBox="1"/>
+          <p:cNvSpPr txBox="1">
+            <a:spLocks/>
+          </p:cNvSpPr>
           <p:nvPr/>
         </p:nvSpPr>
         <p:spPr>
           <a:xfrm>
-            <a:off x="3275687" y="599365"/>
-            <a:ext cx="2592623" cy="461628"/>
+            <a:off x="2577071" y="421806"/>
+            <a:ext cx="3989857" cy="1266577"/>
           </a:xfrm>
           <a:prstGeom prst="rect">
             <a:avLst/>
           </a:prstGeom>
           <a:noFill/>
+          <a:ln>
+            <a:noFill/>
+          </a:ln>
         </p:spPr>
         <p:txBody>
-          <a:bodyPr wrap="none" lIns="182843" tIns="91422" rIns="182843" bIns="91422" rtlCol="0">
-            <a:spAutoFit/>
+          <a:bodyPr spcFirstLastPara="1" wrap="square" lIns="91425" tIns="91425" rIns="91425" bIns="91425" anchor="t" anchorCtr="0">
+            <a:noAutofit/>
           </a:bodyPr>
-          <a:lstStyle/>
+          <a:lstStyle>
+            <a:defPPr marR="0" lvl="0" algn="l" rtl="0">
+              <a:lnSpc>
+                <a:spcPct val="100000"/>
+              </a:lnSpc>
+              <a:spcBef>
+                <a:spcPts val="0"/>
+              </a:spcBef>
+              <a:spcAft>
+                <a:spcPts val="0"/>
+              </a:spcAft>
+            </a:defPPr>
+            <a:lvl1pPr marL="457200" marR="0" lvl="0" indent="-381000" algn="ctr" rtl="0">
+              <a:lnSpc>
+                <a:spcPct val="100000"/>
+              </a:lnSpc>
+              <a:spcBef>
+                <a:spcPts val="0"/>
+              </a:spcBef>
+              <a:spcAft>
+                <a:spcPts val="0"/>
+              </a:spcAft>
+              <a:buClr>
+                <a:srgbClr val="33CCFF"/>
+              </a:buClr>
+              <a:buSzPts val="1800"/>
+              <a:buFont typeface="Hind"/>
+              <a:buNone/>
+              <a:defRPr sz="1800" b="0" i="0" u="none" strike="noStrike" cap="none">
+                <a:solidFill>
+                  <a:srgbClr val="33CCFF"/>
+                </a:solidFill>
+                <a:latin typeface="Hind"/>
+                <a:ea typeface="Hind"/>
+                <a:cs typeface="Hind"/>
+                <a:sym typeface="Hind"/>
+              </a:defRPr>
+            </a:lvl1pPr>
+            <a:lvl2pPr marL="914400" marR="0" lvl="1" indent="-381000" algn="ctr" rtl="0">
+              <a:lnSpc>
+                <a:spcPct val="100000"/>
+              </a:lnSpc>
+              <a:spcBef>
+                <a:spcPts val="0"/>
+              </a:spcBef>
+              <a:spcAft>
+                <a:spcPts val="0"/>
+              </a:spcAft>
+              <a:buClr>
+                <a:srgbClr val="33CCFF"/>
+              </a:buClr>
+              <a:buSzPts val="1800"/>
+              <a:buFont typeface="Hind"/>
+              <a:buNone/>
+              <a:defRPr sz="1800" b="0" i="0" u="none" strike="noStrike" cap="none">
+                <a:solidFill>
+                  <a:srgbClr val="33CCFF"/>
+                </a:solidFill>
+                <a:latin typeface="Hind"/>
+                <a:ea typeface="Hind"/>
+                <a:cs typeface="Hind"/>
+                <a:sym typeface="Hind"/>
+              </a:defRPr>
+            </a:lvl2pPr>
+            <a:lvl3pPr marL="1371600" marR="0" lvl="2" indent="-381000" algn="ctr" rtl="0">
+              <a:lnSpc>
+                <a:spcPct val="100000"/>
+              </a:lnSpc>
+              <a:spcBef>
+                <a:spcPts val="0"/>
+              </a:spcBef>
+              <a:spcAft>
+                <a:spcPts val="0"/>
+              </a:spcAft>
+              <a:buClr>
+                <a:srgbClr val="33CCFF"/>
+              </a:buClr>
+              <a:buSzPts val="1800"/>
+              <a:buFont typeface="Hind"/>
+              <a:buNone/>
+              <a:defRPr sz="1800" b="0" i="0" u="none" strike="noStrike" cap="none">
+                <a:solidFill>
+                  <a:srgbClr val="33CCFF"/>
+                </a:solidFill>
+                <a:latin typeface="Hind"/>
+                <a:ea typeface="Hind"/>
+                <a:cs typeface="Hind"/>
+                <a:sym typeface="Hind"/>
+              </a:defRPr>
+            </a:lvl3pPr>
+            <a:lvl4pPr marL="1828800" marR="0" lvl="3" indent="-381000" algn="ctr" rtl="0">
+              <a:lnSpc>
+                <a:spcPct val="100000"/>
+              </a:lnSpc>
+              <a:spcBef>
+                <a:spcPts val="0"/>
+              </a:spcBef>
+              <a:spcAft>
+                <a:spcPts val="0"/>
+              </a:spcAft>
+              <a:buClr>
+                <a:srgbClr val="33CCFF"/>
+              </a:buClr>
+              <a:buSzPts val="1800"/>
+              <a:buFont typeface="Hind"/>
+              <a:buNone/>
+              <a:defRPr sz="1800" b="0" i="0" u="none" strike="noStrike" cap="none">
+                <a:solidFill>
+                  <a:srgbClr val="33CCFF"/>
+                </a:solidFill>
+                <a:latin typeface="Hind"/>
+                <a:ea typeface="Hind"/>
+                <a:cs typeface="Hind"/>
+                <a:sym typeface="Hind"/>
+              </a:defRPr>
+            </a:lvl4pPr>
+            <a:lvl5pPr marL="2286000" marR="0" lvl="4" indent="-381000" algn="ctr" rtl="0">
+              <a:lnSpc>
+                <a:spcPct val="100000"/>
+              </a:lnSpc>
+              <a:spcBef>
+                <a:spcPts val="0"/>
+              </a:spcBef>
+              <a:spcAft>
+                <a:spcPts val="0"/>
+              </a:spcAft>
+              <a:buClr>
+                <a:srgbClr val="33CCFF"/>
+              </a:buClr>
+              <a:buSzPts val="1800"/>
+              <a:buFont typeface="Hind"/>
+              <a:buNone/>
+              <a:defRPr sz="1800" b="0" i="0" u="none" strike="noStrike" cap="none">
+                <a:solidFill>
+                  <a:srgbClr val="33CCFF"/>
+                </a:solidFill>
+                <a:latin typeface="Hind"/>
+                <a:ea typeface="Hind"/>
+                <a:cs typeface="Hind"/>
+                <a:sym typeface="Hind"/>
+              </a:defRPr>
+            </a:lvl5pPr>
+            <a:lvl6pPr marL="2743200" marR="0" lvl="5" indent="-381000" algn="ctr" rtl="0">
+              <a:lnSpc>
+                <a:spcPct val="100000"/>
+              </a:lnSpc>
+              <a:spcBef>
+                <a:spcPts val="0"/>
+              </a:spcBef>
+              <a:spcAft>
+                <a:spcPts val="0"/>
+              </a:spcAft>
+              <a:buClr>
+                <a:srgbClr val="33CCFF"/>
+              </a:buClr>
+              <a:buSzPts val="1800"/>
+              <a:buFont typeface="Hind"/>
+              <a:buNone/>
+              <a:defRPr sz="1800" b="0" i="0" u="none" strike="noStrike" cap="none">
+                <a:solidFill>
+                  <a:srgbClr val="33CCFF"/>
+                </a:solidFill>
+                <a:latin typeface="Hind"/>
+                <a:ea typeface="Hind"/>
+                <a:cs typeface="Hind"/>
+                <a:sym typeface="Hind"/>
+              </a:defRPr>
+            </a:lvl6pPr>
+            <a:lvl7pPr marL="3200400" marR="0" lvl="6" indent="-381000" algn="ctr" rtl="0">
+              <a:lnSpc>
+                <a:spcPct val="100000"/>
+              </a:lnSpc>
+              <a:spcBef>
+                <a:spcPts val="0"/>
+              </a:spcBef>
+              <a:spcAft>
+                <a:spcPts val="0"/>
+              </a:spcAft>
+              <a:buClr>
+                <a:srgbClr val="33CCFF"/>
+              </a:buClr>
+              <a:buSzPts val="1800"/>
+              <a:buFont typeface="Hind"/>
+              <a:buNone/>
+              <a:defRPr sz="1800" b="0" i="0" u="none" strike="noStrike" cap="none">
+                <a:solidFill>
+                  <a:srgbClr val="33CCFF"/>
+                </a:solidFill>
+                <a:latin typeface="Hind"/>
+                <a:ea typeface="Hind"/>
+                <a:cs typeface="Hind"/>
+                <a:sym typeface="Hind"/>
+              </a:defRPr>
+            </a:lvl7pPr>
+            <a:lvl8pPr marL="3657600" marR="0" lvl="7" indent="-381000" algn="ctr" rtl="0">
+              <a:lnSpc>
+                <a:spcPct val="100000"/>
+              </a:lnSpc>
+              <a:spcBef>
+                <a:spcPts val="0"/>
+              </a:spcBef>
+              <a:spcAft>
+                <a:spcPts val="0"/>
+              </a:spcAft>
+              <a:buClr>
+                <a:srgbClr val="33CCFF"/>
+              </a:buClr>
+              <a:buSzPts val="1800"/>
+              <a:buFont typeface="Hind"/>
+              <a:buNone/>
+              <a:defRPr sz="1800" b="0" i="0" u="none" strike="noStrike" cap="none">
+                <a:solidFill>
+                  <a:srgbClr val="33CCFF"/>
+                </a:solidFill>
+                <a:latin typeface="Hind"/>
+                <a:ea typeface="Hind"/>
+                <a:cs typeface="Hind"/>
+                <a:sym typeface="Hind"/>
+              </a:defRPr>
+            </a:lvl8pPr>
+            <a:lvl9pPr marL="4114800" marR="0" lvl="8" indent="-381000" algn="ctr" rtl="0">
+              <a:lnSpc>
+                <a:spcPct val="100000"/>
+              </a:lnSpc>
+              <a:spcBef>
+                <a:spcPts val="0"/>
+              </a:spcBef>
+              <a:spcAft>
+                <a:spcPts val="0"/>
+              </a:spcAft>
+              <a:buClr>
+                <a:srgbClr val="33CCFF"/>
+              </a:buClr>
+              <a:buSzPts val="1800"/>
+              <a:buFont typeface="Hind"/>
+              <a:buNone/>
+              <a:defRPr sz="1800" b="0" i="0" u="none" strike="noStrike" cap="none">
+                <a:solidFill>
+                  <a:srgbClr val="33CCFF"/>
+                </a:solidFill>
+                <a:latin typeface="Hind"/>
+                <a:ea typeface="Hind"/>
+                <a:cs typeface="Hind"/>
+                <a:sym typeface="Hind"/>
+              </a:defRPr>
+            </a:lvl9pPr>
+          </a:lstStyle>
           <a:p>
-            <a:pPr algn="ctr"/>
+            <a:pPr algn="just">
+              <a:spcBef>
+                <a:spcPts val="600"/>
+              </a:spcBef>
+              <a:buSzPts val="2400"/>
+              <a:buFont typeface="Hind"/>
+              <a:buChar char="›"/>
+            </a:pPr>
             <a:r>
-              <a:rPr lang="ru-RU" sz="1800" dirty="0">
+              <a:rPr lang="ru-RU" sz="2000" dirty="0">
                 <a:solidFill>
                   <a:schemeClr val="tx1"/>
                 </a:solidFill>
@@ -9872,13 +10863,37 @@
               </a:rPr>
               <a:t>Отсутствие очередей</a:t>
             </a:r>
-            <a:endParaRPr lang="id-ID" sz="1800" dirty="0">
+            <a:endParaRPr lang="en-US" sz="2000" dirty="0">
               <a:solidFill>
                 <a:schemeClr val="tx1"/>
               </a:solidFill>
               <a:latin typeface="Hind" panose="020B0604020202020204" charset="0"/>
               <a:cs typeface="Hind" panose="020B0604020202020204" charset="0"/>
             </a:endParaRPr>
+          </a:p>
+          <a:p>
+            <a:pPr marL="76200" indent="0" algn="just">
+              <a:spcBef>
+                <a:spcPts val="600"/>
+              </a:spcBef>
+              <a:buSzPts val="2400"/>
+            </a:pPr>
+            <a:endParaRPr lang="ru-RU" sz="2000" dirty="0"/>
+          </a:p>
+          <a:p>
+            <a:pPr algn="just">
+              <a:buSzPts val="2400"/>
+              <a:buFont typeface="Hind"/>
+              <a:buChar char="›"/>
+            </a:pPr>
+            <a:r>
+              <a:rPr lang="ru-RU" sz="2000" dirty="0">
+                <a:solidFill>
+                  <a:schemeClr val="tx1"/>
+                </a:solidFill>
+              </a:rPr>
+              <a:t>Социальная дистанция</a:t>
+            </a:r>
           </a:p>
         </p:txBody>
       </p:sp>
@@ -10273,8 +11288,8 @@
         </p:nvSpPr>
         <p:spPr>
           <a:xfrm>
-            <a:off x="1585950" y="518159"/>
-            <a:ext cx="5972100" cy="2053591"/>
+            <a:off x="1453217" y="451793"/>
+            <a:ext cx="5972100" cy="2825743"/>
           </a:xfrm>
           <a:prstGeom prst="rect">
             <a:avLst/>
@@ -10286,7 +11301,7 @@
           </a:bodyPr>
           <a:lstStyle/>
           <a:p>
-            <a:pPr marL="457200" lvl="0" indent="-381000" algn="l" rtl="0">
+            <a:pPr marL="457200" lvl="0" indent="-381000" algn="just" rtl="0">
               <a:spcBef>
                 <a:spcPts val="600"/>
               </a:spcBef>
@@ -10300,10 +11315,22 @@
               <a:rPr lang="ru-RU" sz="2000" b="0" i="0" dirty="0"/>
               <a:t>Необходимость наличия интернета (отсутствует кеширование)</a:t>
             </a:r>
+          </a:p>
+          <a:p>
+            <a:pPr marL="76200" lvl="0" indent="0" algn="just" rtl="0">
+              <a:spcBef>
+                <a:spcPts val="600"/>
+              </a:spcBef>
+              <a:spcAft>
+                <a:spcPts val="0"/>
+              </a:spcAft>
+              <a:buSzPts val="2400"/>
+              <a:buNone/>
+            </a:pPr>
             <a:endParaRPr sz="2000" b="0" i="0" dirty="0"/>
           </a:p>
           <a:p>
-            <a:pPr marL="457200" lvl="0" indent="-381000" algn="l" rtl="0">
+            <a:pPr marL="457200" lvl="0" indent="-381000" algn="just" rtl="0">
               <a:spcBef>
                 <a:spcPts val="0"/>
               </a:spcBef>
@@ -10327,7 +11354,20 @@
             </a:r>
           </a:p>
           <a:p>
-            <a:pPr marL="457200" lvl="0" indent="-381000" algn="l" rtl="0">
+            <a:pPr marL="76200" lvl="0" indent="0" algn="just" rtl="0">
+              <a:spcBef>
+                <a:spcPts val="0"/>
+              </a:spcBef>
+              <a:spcAft>
+                <a:spcPts val="0"/>
+              </a:spcAft>
+              <a:buSzPts val="2400"/>
+              <a:buNone/>
+            </a:pPr>
+            <a:endParaRPr lang="ru-RU" sz="2000" b="0" i="0" dirty="0"/>
+          </a:p>
+          <a:p>
+            <a:pPr marL="457200" lvl="0" indent="-381000" algn="just" rtl="0">
               <a:spcBef>
                 <a:spcPts val="0"/>
               </a:spcBef>
@@ -10400,7 +11440,7 @@
         </p:blipFill>
         <p:spPr bwMode="auto">
           <a:xfrm>
-            <a:off x="3195180" y="3343902"/>
+            <a:off x="3261546" y="3690488"/>
             <a:ext cx="1386693" cy="817068"/>
           </a:xfrm>
           <a:prstGeom prst="rect">
@@ -10447,7 +11487,7 @@
         </p:blipFill>
         <p:spPr bwMode="auto">
           <a:xfrm>
-            <a:off x="6207199" y="3244778"/>
+            <a:off x="6273565" y="3591364"/>
             <a:ext cx="1073110" cy="1073110"/>
           </a:xfrm>
           <a:prstGeom prst="rect">
@@ -10494,7 +11534,7 @@
         </p:blipFill>
         <p:spPr bwMode="auto">
           <a:xfrm>
-            <a:off x="4849762" y="3244779"/>
+            <a:off x="4916128" y="3591365"/>
             <a:ext cx="1053899" cy="1073109"/>
           </a:xfrm>
           <a:prstGeom prst="rect">
@@ -10541,7 +11581,7 @@
         </p:blipFill>
         <p:spPr bwMode="auto">
           <a:xfrm>
-            <a:off x="1361976" y="2925988"/>
+            <a:off x="1428342" y="3272574"/>
             <a:ext cx="1710690" cy="1710690"/>
           </a:xfrm>
           <a:prstGeom prst="rect">
@@ -11698,8 +12738,8 @@
         </p:nvSpPr>
         <p:spPr>
           <a:xfrm>
-            <a:off x="1006775" y="1181922"/>
-            <a:ext cx="6328611" cy="2969835"/>
+            <a:off x="1006775" y="648927"/>
+            <a:ext cx="6328611" cy="3701845"/>
           </a:xfrm>
           <a:prstGeom prst="rect">
             <a:avLst/>
@@ -11711,17 +12751,23 @@
           </a:bodyPr>
           <a:lstStyle/>
           <a:p>
-            <a:pPr indent="-381000">
+            <a:pPr indent="-381000" algn="just">
               <a:buSzPts val="2400"/>
             </a:pPr>
             <a:r>
               <a:rPr lang="ru-RU" sz="2000" dirty="0"/>
               <a:t>Предварительная запись по услугам</a:t>
             </a:r>
+          </a:p>
+          <a:p>
+            <a:pPr marL="76200" indent="0" algn="just">
+              <a:buSzPts val="2400"/>
+              <a:buNone/>
+            </a:pPr>
             <a:endParaRPr lang="ru-RU" sz="2000" b="0" i="0" dirty="0"/>
           </a:p>
           <a:p>
-            <a:pPr marL="457200" lvl="0" indent="-381000" algn="l" rtl="0">
+            <a:pPr marL="457200" lvl="0" indent="-381000" algn="just" rtl="0">
               <a:spcBef>
                 <a:spcPts val="600"/>
               </a:spcBef>
@@ -11737,7 +12783,20 @@
             </a:r>
           </a:p>
           <a:p>
-            <a:pPr marL="457200" lvl="0" indent="-381000" algn="l" rtl="0">
+            <a:pPr marL="76200" lvl="0" indent="0" algn="just" rtl="0">
+              <a:spcBef>
+                <a:spcPts val="600"/>
+              </a:spcBef>
+              <a:spcAft>
+                <a:spcPts val="0"/>
+              </a:spcAft>
+              <a:buSzPts val="2400"/>
+              <a:buNone/>
+            </a:pPr>
+            <a:endParaRPr lang="ru-RU" sz="2000" b="0" i="0" dirty="0"/>
+          </a:p>
+          <a:p>
+            <a:pPr marL="457200" lvl="0" indent="-381000" algn="just" rtl="0">
               <a:spcBef>
                 <a:spcPts val="600"/>
               </a:spcBef>
@@ -11757,7 +12816,20 @@
             </a:r>
           </a:p>
           <a:p>
-            <a:pPr marL="457200" lvl="0" indent="-381000" algn="l" rtl="0">
+            <a:pPr marL="76200" lvl="0" indent="0" algn="just" rtl="0">
+              <a:spcBef>
+                <a:spcPts val="600"/>
+              </a:spcBef>
+              <a:spcAft>
+                <a:spcPts val="0"/>
+              </a:spcAft>
+              <a:buSzPts val="2400"/>
+              <a:buNone/>
+            </a:pPr>
+            <a:endParaRPr lang="ru-RU" sz="2000" b="0" i="0" dirty="0"/>
+          </a:p>
+          <a:p>
+            <a:pPr marL="457200" lvl="0" indent="-381000" algn="just" rtl="0">
               <a:spcBef>
                 <a:spcPts val="600"/>
               </a:spcBef>
@@ -11877,183 +12949,6 @@
             </a:pPr>
             <a:r>
               <a:rPr lang="ru-RU" sz="1800" dirty="0"/>
-              <a:t>Цветовая схема</a:t>
-            </a:r>
-            <a:endParaRPr sz="3200" dirty="0"/>
-          </a:p>
-        </p:txBody>
-      </p:sp>
-      <p:sp>
-        <p:nvSpPr>
-          <p:cNvPr id="374" name="Google Shape;374;p34"/>
-          <p:cNvSpPr txBox="1">
-            <a:spLocks noGrp="1"/>
-          </p:cNvSpPr>
-          <p:nvPr>
-            <p:ph type="sldNum" idx="12"/>
-          </p:nvPr>
-        </p:nvSpPr>
-        <p:spPr>
-          <a:xfrm>
-            <a:off x="8556775" y="4812625"/>
-            <a:ext cx="587100" cy="330900"/>
-          </a:xfrm>
-          <a:prstGeom prst="rect">
-            <a:avLst/>
-          </a:prstGeom>
-        </p:spPr>
-        <p:txBody>
-          <a:bodyPr spcFirstLastPara="1" wrap="square" lIns="91425" tIns="91425" rIns="91425" bIns="91425" anchor="t" anchorCtr="0">
-            <a:noAutofit/>
-          </a:bodyPr>
-          <a:lstStyle/>
-          <a:p>
-            <a:pPr marL="0" lvl="0" indent="0" algn="r" rtl="0">
-              <a:spcBef>
-                <a:spcPts val="0"/>
-              </a:spcBef>
-              <a:spcAft>
-                <a:spcPts val="0"/>
-              </a:spcAft>
-              <a:buNone/>
-            </a:pPr>
-            <a:fld id="{00000000-1234-1234-1234-123412341234}" type="slidenum">
-              <a:rPr lang="en"/>
-              <a:t>4</a:t>
-            </a:fld>
-            <a:endParaRPr/>
-          </a:p>
-        </p:txBody>
-      </p:sp>
-      <p:pic>
-        <p:nvPicPr>
-          <p:cNvPr id="2" name="Рисунок 1">
-            <a:extLst>
-              <a:ext uri="{FF2B5EF4-FFF2-40B4-BE49-F238E27FC236}">
-                <a16:creationId xmlns:a16="http://schemas.microsoft.com/office/drawing/2014/main" id="{5FDCCEE9-4857-4359-9E8A-97193B1C1ECA}"/>
-              </a:ext>
-            </a:extLst>
-          </p:cNvPr>
-          <p:cNvPicPr>
-            <a:picLocks noChangeAspect="1"/>
-          </p:cNvPicPr>
-          <p:nvPr/>
-        </p:nvPicPr>
-        <p:blipFill rotWithShape="1">
-          <a:blip r:embed="rId3">
-            <a:extLst>
-              <a:ext uri="{28A0092B-C50C-407E-A947-70E740481C1C}">
-                <a14:useLocalDpi xmlns:a14="http://schemas.microsoft.com/office/drawing/2010/main" val="0"/>
-              </a:ext>
-            </a:extLst>
-          </a:blip>
-          <a:srcRect l="2303" t="22788" r="28981" b="8139"/>
-          <a:stretch/>
-        </p:blipFill>
-        <p:spPr>
-          <a:xfrm>
-            <a:off x="1611637" y="731520"/>
-            <a:ext cx="5920726" cy="4215743"/>
-          </a:xfrm>
-          <a:prstGeom prst="rect">
-            <a:avLst/>
-          </a:prstGeom>
-        </p:spPr>
-      </p:pic>
-    </p:spTree>
-    <p:extLst>
-      <p:ext uri="{BB962C8B-B14F-4D97-AF65-F5344CB8AC3E}">
-        <p14:creationId xmlns:p14="http://schemas.microsoft.com/office/powerpoint/2010/main" val="3615226776"/>
-      </p:ext>
-    </p:extLst>
-  </p:cSld>
-  <p:clrMapOvr>
-    <a:masterClrMapping/>
-  </p:clrMapOvr>
-</p:sld>
-</file>
-
-<file path=ppt/slides/slide5.xml><?xml version="1.0" encoding="utf-8"?>
-<p:sld xmlns:a="http://schemas.openxmlformats.org/drawingml/2006/main" xmlns:r="http://schemas.openxmlformats.org/officeDocument/2006/relationships" xmlns:p="http://schemas.openxmlformats.org/presentationml/2006/main">
-  <p:cSld>
-    <p:spTree>
-      <p:nvGrpSpPr>
-        <p:cNvPr id="1" name="Shape 370"/>
-        <p:cNvGrpSpPr/>
-        <p:nvPr/>
-      </p:nvGrpSpPr>
-      <p:grpSpPr>
-        <a:xfrm>
-          <a:off x="0" y="0"/>
-          <a:ext cx="0" cy="0"/>
-          <a:chOff x="0" y="0"/>
-          <a:chExt cx="0" cy="0"/>
-        </a:xfrm>
-      </p:grpSpPr>
-      <p:sp>
-        <p:nvSpPr>
-          <p:cNvPr id="372" name="Google Shape;372;p34"/>
-          <p:cNvSpPr txBox="1">
-            <a:spLocks noGrp="1"/>
-          </p:cNvSpPr>
-          <p:nvPr>
-            <p:ph type="body" idx="4294967295"/>
-          </p:nvPr>
-        </p:nvSpPr>
-        <p:spPr>
-          <a:xfrm>
-            <a:off x="0" y="1"/>
-            <a:ext cx="5146810" cy="731519"/>
-          </a:xfrm>
-          <a:prstGeom prst="rect">
-            <a:avLst/>
-          </a:prstGeom>
-        </p:spPr>
-        <p:txBody>
-          <a:bodyPr spcFirstLastPara="1" wrap="square" lIns="91425" tIns="91425" rIns="91425" bIns="91425" anchor="b" anchorCtr="0">
-            <a:noAutofit/>
-          </a:bodyPr>
-          <a:lstStyle/>
-          <a:p>
-            <a:pPr marL="0" lvl="0" indent="0" algn="l" rtl="0">
-              <a:spcBef>
-                <a:spcPts val="0"/>
-              </a:spcBef>
-              <a:spcAft>
-                <a:spcPts val="0"/>
-              </a:spcAft>
-              <a:buNone/>
-            </a:pPr>
-            <a:r>
-              <a:rPr lang="ru-RU" sz="2000" dirty="0">
-                <a:solidFill>
-                  <a:srgbClr val="33CCCC"/>
-                </a:solidFill>
-              </a:rPr>
-              <a:t>ТЕХНИЧЕСКОЕ</a:t>
-            </a:r>
-            <a:r>
-              <a:rPr lang="en" sz="2000" dirty="0"/>
-              <a:t> </a:t>
-            </a:r>
-            <a:r>
-              <a:rPr lang="ru-RU" sz="2000" dirty="0"/>
-              <a:t>РЕШЕНИЕ</a:t>
-            </a:r>
-            <a:endParaRPr sz="2000" dirty="0"/>
-          </a:p>
-          <a:p>
-            <a:pPr marL="0" lvl="0" indent="0" algn="l" rtl="0">
-              <a:spcBef>
-                <a:spcPts val="0"/>
-              </a:spcBef>
-              <a:spcAft>
-                <a:spcPts val="0"/>
-              </a:spcAft>
-              <a:buNone/>
-            </a:pPr>
-            <a:r>
-              <a:rPr lang="ru-RU" sz="1800" dirty="0"/>
               <a:t>Стек</a:t>
             </a:r>
             <a:endParaRPr sz="3200" dirty="0"/>
@@ -12096,7 +12991,7 @@
             </a:pPr>
             <a:fld id="{00000000-1234-1234-1234-123412341234}" type="slidenum">
               <a:rPr lang="en"/>
-              <a:t>5</a:t>
+              <a:t>4</a:t>
             </a:fld>
             <a:endParaRPr/>
           </a:p>
@@ -12116,7 +13011,7 @@
         </p:nvSpPr>
         <p:spPr>
           <a:xfrm>
-            <a:off x="870019" y="2667292"/>
+            <a:off x="2551335" y="1992677"/>
             <a:ext cx="1225261" cy="461628"/>
           </a:xfrm>
           <a:prstGeom prst="rect">
@@ -12178,7 +13073,7 @@
         </p:blipFill>
         <p:spPr bwMode="auto">
           <a:xfrm>
-            <a:off x="1077866" y="1962375"/>
+            <a:off x="2759182" y="1287760"/>
             <a:ext cx="809568" cy="434306"/>
           </a:xfrm>
           <a:prstGeom prst="rect">
@@ -12225,7 +13120,7 @@
         </p:blipFill>
         <p:spPr bwMode="auto">
           <a:xfrm>
-            <a:off x="2573405" y="2012952"/>
+            <a:off x="4254721" y="1338337"/>
             <a:ext cx="434306" cy="434306"/>
           </a:xfrm>
           <a:prstGeom prst="rect">
@@ -12270,7 +13165,7 @@
         </p:blipFill>
         <p:spPr bwMode="auto">
           <a:xfrm>
-            <a:off x="3745700" y="1840992"/>
+            <a:off x="5427016" y="1166377"/>
             <a:ext cx="493349" cy="677072"/>
           </a:xfrm>
           <a:prstGeom prst="rect">
@@ -12315,7 +13210,7 @@
         </p:blipFill>
         <p:spPr bwMode="auto">
           <a:xfrm>
-            <a:off x="7127432" y="1879558"/>
+            <a:off x="5419937" y="3047654"/>
             <a:ext cx="579348" cy="567700"/>
           </a:xfrm>
           <a:prstGeom prst="rect">
@@ -12360,7 +13255,7 @@
         </p:blipFill>
         <p:spPr bwMode="auto">
           <a:xfrm>
-            <a:off x="6097315" y="1910439"/>
+            <a:off x="4161219" y="3078535"/>
             <a:ext cx="579348" cy="566985"/>
           </a:xfrm>
           <a:prstGeom prst="rect">
@@ -12407,7 +13302,7 @@
         </p:blipFill>
         <p:spPr bwMode="auto">
           <a:xfrm>
-            <a:off x="4875438" y="1865704"/>
+            <a:off x="2836106" y="3033800"/>
             <a:ext cx="669508" cy="669508"/>
           </a:xfrm>
           <a:prstGeom prst="rect">
@@ -12439,7 +13334,7 @@
         </p:nvSpPr>
         <p:spPr>
           <a:xfrm>
-            <a:off x="2259610" y="2667292"/>
+            <a:off x="3940926" y="1992677"/>
             <a:ext cx="1005650" cy="461628"/>
           </a:xfrm>
           <a:prstGeom prst="rect">
@@ -12488,7 +13383,7 @@
         </p:nvSpPr>
         <p:spPr>
           <a:xfrm>
-            <a:off x="3390066" y="2667292"/>
+            <a:off x="5071382" y="1992677"/>
             <a:ext cx="1242894" cy="461628"/>
           </a:xfrm>
           <a:prstGeom prst="rect">
@@ -12537,7 +13432,7 @@
         </p:nvSpPr>
         <p:spPr>
           <a:xfrm>
-            <a:off x="4524329" y="2667292"/>
+            <a:off x="2484997" y="3835388"/>
             <a:ext cx="1414415" cy="461628"/>
           </a:xfrm>
           <a:prstGeom prst="rect">
@@ -12586,7 +13481,7 @@
         </p:nvSpPr>
         <p:spPr>
           <a:xfrm>
-            <a:off x="5787731" y="2667292"/>
+            <a:off x="3851635" y="3835388"/>
             <a:ext cx="1173966" cy="461628"/>
           </a:xfrm>
           <a:prstGeom prst="rect">
@@ -12635,7 +13530,7 @@
         </p:nvSpPr>
         <p:spPr>
           <a:xfrm>
-            <a:off x="6945350" y="2666932"/>
+            <a:off x="5237855" y="3835028"/>
             <a:ext cx="925500" cy="461628"/>
           </a:xfrm>
           <a:prstGeom prst="rect">
@@ -12674,6 +13569,183 @@
     <p:extLst>
       <p:ext uri="{BB962C8B-B14F-4D97-AF65-F5344CB8AC3E}">
         <p14:creationId xmlns:p14="http://schemas.microsoft.com/office/powerpoint/2010/main" val="221624405"/>
+      </p:ext>
+    </p:extLst>
+  </p:cSld>
+  <p:clrMapOvr>
+    <a:masterClrMapping/>
+  </p:clrMapOvr>
+</p:sld>
+</file>
+
+<file path=ppt/slides/slide5.xml><?xml version="1.0" encoding="utf-8"?>
+<p:sld xmlns:a="http://schemas.openxmlformats.org/drawingml/2006/main" xmlns:r="http://schemas.openxmlformats.org/officeDocument/2006/relationships" xmlns:p="http://schemas.openxmlformats.org/presentationml/2006/main">
+  <p:cSld>
+    <p:spTree>
+      <p:nvGrpSpPr>
+        <p:cNvPr id="1" name="Shape 370"/>
+        <p:cNvGrpSpPr/>
+        <p:nvPr/>
+      </p:nvGrpSpPr>
+      <p:grpSpPr>
+        <a:xfrm>
+          <a:off x="0" y="0"/>
+          <a:ext cx="0" cy="0"/>
+          <a:chOff x="0" y="0"/>
+          <a:chExt cx="0" cy="0"/>
+        </a:xfrm>
+      </p:grpSpPr>
+      <p:sp>
+        <p:nvSpPr>
+          <p:cNvPr id="372" name="Google Shape;372;p34"/>
+          <p:cNvSpPr txBox="1">
+            <a:spLocks noGrp="1"/>
+          </p:cNvSpPr>
+          <p:nvPr>
+            <p:ph type="body" idx="4294967295"/>
+          </p:nvPr>
+        </p:nvSpPr>
+        <p:spPr>
+          <a:xfrm>
+            <a:off x="0" y="1"/>
+            <a:ext cx="5146810" cy="731519"/>
+          </a:xfrm>
+          <a:prstGeom prst="rect">
+            <a:avLst/>
+          </a:prstGeom>
+        </p:spPr>
+        <p:txBody>
+          <a:bodyPr spcFirstLastPara="1" wrap="square" lIns="91425" tIns="91425" rIns="91425" bIns="91425" anchor="b" anchorCtr="0">
+            <a:noAutofit/>
+          </a:bodyPr>
+          <a:lstStyle/>
+          <a:p>
+            <a:pPr marL="0" lvl="0" indent="0" algn="l" rtl="0">
+              <a:spcBef>
+                <a:spcPts val="0"/>
+              </a:spcBef>
+              <a:spcAft>
+                <a:spcPts val="0"/>
+              </a:spcAft>
+              <a:buNone/>
+            </a:pPr>
+            <a:r>
+              <a:rPr lang="ru-RU" sz="2000" dirty="0">
+                <a:solidFill>
+                  <a:srgbClr val="33CCCC"/>
+                </a:solidFill>
+              </a:rPr>
+              <a:t>ТЕХНИЧЕСКОЕ</a:t>
+            </a:r>
+            <a:r>
+              <a:rPr lang="en" sz="2000" dirty="0"/>
+              <a:t> </a:t>
+            </a:r>
+            <a:r>
+              <a:rPr lang="ru-RU" sz="2000" dirty="0"/>
+              <a:t>РЕШЕНИЕ</a:t>
+            </a:r>
+            <a:endParaRPr sz="2000" dirty="0"/>
+          </a:p>
+          <a:p>
+            <a:pPr marL="0" lvl="0" indent="0" algn="l" rtl="0">
+              <a:spcBef>
+                <a:spcPts val="0"/>
+              </a:spcBef>
+              <a:spcAft>
+                <a:spcPts val="0"/>
+              </a:spcAft>
+              <a:buNone/>
+            </a:pPr>
+            <a:r>
+              <a:rPr lang="ru-RU" sz="1800" dirty="0"/>
+              <a:t>Цветовая схема</a:t>
+            </a:r>
+            <a:endParaRPr sz="3200" dirty="0"/>
+          </a:p>
+        </p:txBody>
+      </p:sp>
+      <p:sp>
+        <p:nvSpPr>
+          <p:cNvPr id="374" name="Google Shape;374;p34"/>
+          <p:cNvSpPr txBox="1">
+            <a:spLocks noGrp="1"/>
+          </p:cNvSpPr>
+          <p:nvPr>
+            <p:ph type="sldNum" idx="12"/>
+          </p:nvPr>
+        </p:nvSpPr>
+        <p:spPr>
+          <a:xfrm>
+            <a:off x="8556775" y="4812625"/>
+            <a:ext cx="587100" cy="330900"/>
+          </a:xfrm>
+          <a:prstGeom prst="rect">
+            <a:avLst/>
+          </a:prstGeom>
+        </p:spPr>
+        <p:txBody>
+          <a:bodyPr spcFirstLastPara="1" wrap="square" lIns="91425" tIns="91425" rIns="91425" bIns="91425" anchor="t" anchorCtr="0">
+            <a:noAutofit/>
+          </a:bodyPr>
+          <a:lstStyle/>
+          <a:p>
+            <a:pPr marL="0" lvl="0" indent="0" algn="r" rtl="0">
+              <a:spcBef>
+                <a:spcPts val="0"/>
+              </a:spcBef>
+              <a:spcAft>
+                <a:spcPts val="0"/>
+              </a:spcAft>
+              <a:buNone/>
+            </a:pPr>
+            <a:fld id="{00000000-1234-1234-1234-123412341234}" type="slidenum">
+              <a:rPr lang="en"/>
+              <a:t>5</a:t>
+            </a:fld>
+            <a:endParaRPr/>
+          </a:p>
+        </p:txBody>
+      </p:sp>
+      <p:pic>
+        <p:nvPicPr>
+          <p:cNvPr id="2" name="Рисунок 1">
+            <a:extLst>
+              <a:ext uri="{FF2B5EF4-FFF2-40B4-BE49-F238E27FC236}">
+                <a16:creationId xmlns:a16="http://schemas.microsoft.com/office/drawing/2014/main" id="{5FDCCEE9-4857-4359-9E8A-97193B1C1ECA}"/>
+              </a:ext>
+            </a:extLst>
+          </p:cNvPr>
+          <p:cNvPicPr>
+            <a:picLocks noChangeAspect="1"/>
+          </p:cNvPicPr>
+          <p:nvPr/>
+        </p:nvPicPr>
+        <p:blipFill rotWithShape="1">
+          <a:blip r:embed="rId3">
+            <a:extLst>
+              <a:ext uri="{28A0092B-C50C-407E-A947-70E740481C1C}">
+                <a14:useLocalDpi xmlns:a14="http://schemas.microsoft.com/office/drawing/2010/main" val="0"/>
+              </a:ext>
+            </a:extLst>
+          </a:blip>
+          <a:srcRect l="2303" t="22788" r="28981" b="8139"/>
+          <a:stretch/>
+        </p:blipFill>
+        <p:spPr>
+          <a:xfrm>
+            <a:off x="1611637" y="731520"/>
+            <a:ext cx="5920726" cy="4215743"/>
+          </a:xfrm>
+          <a:prstGeom prst="rect">
+            <a:avLst/>
+          </a:prstGeom>
+        </p:spPr>
+      </p:pic>
+    </p:spTree>
+    <p:extLst>
+      <p:ext uri="{BB962C8B-B14F-4D97-AF65-F5344CB8AC3E}">
+        <p14:creationId xmlns:p14="http://schemas.microsoft.com/office/powerpoint/2010/main" val="3615226776"/>
       </p:ext>
     </p:extLst>
   </p:cSld>
@@ -18661,7 +19733,7 @@
               </a:spcAft>
               <a:buNone/>
             </a:pPr>
-            <a:endParaRPr/>
+            <a:endParaRPr dirty="0"/>
           </a:p>
         </p:txBody>
       </p:sp>
@@ -20015,7 +21087,7 @@
         </p:blipFill>
         <p:spPr bwMode="auto">
           <a:xfrm>
-            <a:off x="3700780" y="2245326"/>
+            <a:off x="3700780" y="2938496"/>
             <a:ext cx="1391920" cy="1391920"/>
           </a:xfrm>
           <a:prstGeom prst="rect">
@@ -20062,7 +21134,7 @@
         </p:blipFill>
         <p:spPr bwMode="auto">
           <a:xfrm>
-            <a:off x="1828800" y="2152317"/>
+            <a:off x="1828800" y="2911853"/>
             <a:ext cx="1141317" cy="1403365"/>
           </a:xfrm>
           <a:prstGeom prst="rect">
@@ -20102,7 +21174,7 @@
         </p:blipFill>
         <p:spPr>
           <a:xfrm>
-            <a:off x="5958840" y="2241550"/>
+            <a:off x="5958840" y="2934720"/>
             <a:ext cx="1275080" cy="1395696"/>
           </a:xfrm>
           <a:prstGeom prst="rect">
@@ -20128,8 +21200,8 @@
         </p:nvSpPr>
         <p:spPr>
           <a:xfrm>
-            <a:off x="1585950" y="518160"/>
-            <a:ext cx="5972100" cy="1178560"/>
+            <a:off x="1585950" y="680392"/>
+            <a:ext cx="5972100" cy="1952195"/>
           </a:xfrm>
           <a:prstGeom prst="rect">
             <a:avLst/>
@@ -20141,7 +21213,7 @@
           </a:bodyPr>
           <a:lstStyle/>
           <a:p>
-            <a:pPr marL="457200" lvl="0" indent="-381000" algn="l" rtl="0">
+            <a:pPr marL="457200" lvl="0" indent="-381000" algn="just" rtl="0">
               <a:spcBef>
                 <a:spcPts val="600"/>
               </a:spcBef>
@@ -20155,10 +21227,22 @@
               <a:rPr lang="ru-RU" sz="2000" b="0" i="0" dirty="0"/>
               <a:t>Расширение функциональности</a:t>
             </a:r>
+          </a:p>
+          <a:p>
+            <a:pPr marL="76200" lvl="0" indent="0" algn="just" rtl="0">
+              <a:spcBef>
+                <a:spcPts val="600"/>
+              </a:spcBef>
+              <a:spcAft>
+                <a:spcPts val="0"/>
+              </a:spcAft>
+              <a:buSzPts val="2400"/>
+              <a:buNone/>
+            </a:pPr>
             <a:endParaRPr sz="2000" b="0" i="0" dirty="0"/>
           </a:p>
           <a:p>
-            <a:pPr marL="457200" lvl="0" indent="-381000" algn="l" rtl="0">
+            <a:pPr marL="457200" lvl="0" indent="-381000" algn="just" rtl="0">
               <a:spcBef>
                 <a:spcPts val="0"/>
               </a:spcBef>
@@ -20172,10 +21256,22 @@
               <a:rPr lang="ru-RU" sz="2000" b="0" i="0" dirty="0"/>
               <a:t>Выход приложения на другие платформы</a:t>
             </a:r>
+          </a:p>
+          <a:p>
+            <a:pPr marL="76200" lvl="0" indent="0" algn="just" rtl="0">
+              <a:spcBef>
+                <a:spcPts val="0"/>
+              </a:spcBef>
+              <a:spcAft>
+                <a:spcPts val="0"/>
+              </a:spcAft>
+              <a:buSzPts val="2400"/>
+              <a:buNone/>
+            </a:pPr>
             <a:endParaRPr sz="2000" b="0" i="0" dirty="0"/>
           </a:p>
           <a:p>
-            <a:pPr marL="457200" lvl="0" indent="-381000" algn="l" rtl="0">
+            <a:pPr marL="457200" lvl="0" indent="-381000" algn="just" rtl="0">
               <a:spcBef>
                 <a:spcPts val="0"/>
               </a:spcBef>
